--- a/Endvortrag/Endpräsentation.pptx
+++ b/Endvortrag/Endpräsentation.pptx
@@ -118,7 +118,7 @@
   </p:defaultTextStyle>
   <p:extLst>
     <p:ext uri="{EFAFB233-063F-42B5-8137-9DF3F51BA10A}">
-      <p15:sldGuideLst xmlns:p15="http://schemas.microsoft.com/office/powerpoint/2012/main" xmlns="">
+      <p15:sldGuideLst xmlns="" xmlns:p15="http://schemas.microsoft.com/office/powerpoint/2012/main">
         <p15:guide id="1" orient="horz" pos="2160">
           <p15:clr>
             <a:srgbClr val="A4A3A4"/>
@@ -217,7 +217,7 @@
           <a:p>
             <a:fld id="{683D44F8-09BE-4E2C-8664-003F66647BE5}" type="datetimeFigureOut">
               <a:rPr lang="de-DE"/>
-              <a:t>27.11.2017</a:t>
+              <a:t>07.12.2017</a:t>
             </a:fld>
             <a:endParaRPr lang="de-DE"/>
           </a:p>
@@ -528,7 +528,27 @@
           <a:bodyPr/>
           <a:lstStyle/>
           <a:p>
-            <a:endParaRPr lang="en-US"/>
+            <a:r>
+              <a:rPr lang="de-DE" noProof="0" dirty="0" smtClean="0"/>
+              <a:t>“Ich bin Student,</a:t>
+            </a:r>
+            <a:r>
+              <a:rPr lang="de-DE" baseline="0" noProof="0" dirty="0" smtClean="0"/>
+              <a:t> habe Pause und möchte gerne in den Tierpark, weil schön”</a:t>
+            </a:r>
+          </a:p>
+          <a:p>
+            <a:r>
+              <a:rPr lang="de-DE" baseline="0" noProof="0" dirty="0" smtClean="0"/>
+              <a:t>“Es gab doch so ein Zeitkartensystem, wo jeder 1h Test-Stunde bekommen hat…”</a:t>
+            </a:r>
+          </a:p>
+          <a:p>
+            <a:r>
+              <a:rPr lang="de-DE" baseline="0" noProof="0" dirty="0" smtClean="0"/>
+              <a:t>“Probiere ich mal aus…”</a:t>
+            </a:r>
+            <a:endParaRPr lang="de-DE" noProof="0" dirty="0"/>
           </a:p>
         </p:txBody>
       </p:sp>
@@ -612,99 +632,91 @@
           <a:bodyPr/>
           <a:lstStyle/>
           <a:p>
+            <a:pPr marL="171450" indent="-171450">
+              <a:buFontTx/>
+              <a:buChar char="-"/>
+            </a:pPr>
             <a:r>
-              <a:rPr lang="de-DE"/>
-              <a:t>Wie sieht es aktuell</a:t>
+              <a:rPr lang="de-DE" dirty="0" smtClean="0"/>
+              <a:t>Kooperation zwischen HWR</a:t>
             </a:r>
             <a:r>
-              <a:rPr lang="de-DE" baseline="0"/>
-              <a:t> aus?</a:t>
+              <a:rPr lang="de-DE" baseline="0" dirty="0" smtClean="0"/>
+              <a:t> und Tierpark</a:t>
             </a:r>
-            <a:endParaRPr lang="de-DE"/>
-          </a:p>
-          <a:p>
+          </a:p>
+          <a:p>
+            <a:pPr marL="171450" indent="-171450">
+              <a:buFontTx/>
+              <a:buChar char="-"/>
+            </a:pPr>
             <a:r>
-              <a:rPr lang="de-DE"/>
-              <a:t>Gespräch zwischen Tierparkdirektor (Dr. </a:t>
+              <a:rPr lang="de-DE" baseline="0" dirty="0" smtClean="0"/>
+              <a:t>Ziel: Campusattraktivität erhöhen, höhere Besucherzahlen</a:t>
+            </a:r>
+          </a:p>
+          <a:p>
+            <a:pPr marL="171450" indent="-171450">
+              <a:buFontTx/>
+              <a:buChar char="-"/>
+            </a:pPr>
+            <a:r>
+              <a:rPr lang="de-DE" baseline="0" dirty="0" smtClean="0"/>
+              <a:t>Gespräche zwischen HWR-</a:t>
             </a:r>
             <a:r>
-              <a:rPr lang="de-DE" err="1"/>
-              <a:t>Knieriem</a:t>
+              <a:rPr lang="de-DE" baseline="0" dirty="0" err="1" smtClean="0"/>
+              <a:t>Präsi</a:t>
             </a:r>
             <a:r>
-              <a:rPr lang="de-DE"/>
-              <a:t>),</a:t>
+              <a:rPr lang="de-DE" baseline="0" dirty="0" smtClean="0"/>
+              <a:t>, Tierpark, Politikern =&gt; Ziel Studienprojekt</a:t>
+            </a:r>
+          </a:p>
+          <a:p>
+            <a:pPr marL="171450" indent="-171450">
+              <a:buFontTx/>
+              <a:buChar char="-"/>
+            </a:pPr>
+            <a:r>
+              <a:rPr lang="de-DE" baseline="0" dirty="0" smtClean="0"/>
+              <a:t>wir sind nur Teil </a:t>
             </a:r>
             <a:r>
-              <a:rPr lang="de-DE" baseline="0"/>
-              <a:t> </a:t>
+              <a:rPr lang="de-DE" baseline="0" smtClean="0"/>
+              <a:t>des </a:t>
             </a:r>
             <a:r>
-              <a:rPr lang="de-DE" baseline="0" err="1"/>
-              <a:t>Päsi</a:t>
+              <a:rPr lang="de-DE" baseline="0" dirty="0" err="1" smtClean="0"/>
+              <a:t>P</a:t>
             </a:r>
             <a:r>
-              <a:rPr lang="de-DE" baseline="0"/>
-              <a:t> von HWR (Dr. </a:t>
+              <a:rPr lang="de-DE" baseline="0" smtClean="0"/>
+              <a:t>rojektes </a:t>
             </a:r>
             <a:r>
-              <a:rPr lang="de-DE" baseline="0" err="1"/>
-              <a:t>Zaby</a:t>
+              <a:rPr lang="de-DE" baseline="0" dirty="0" smtClean="0"/>
+              <a:t>(mit FM und </a:t>
             </a:r>
             <a:r>
-              <a:rPr lang="de-DE" baseline="0"/>
-              <a:t>), Dr. Martin Pätzold (MdB), Danny </a:t>
+              <a:rPr lang="de-DE" baseline="0" dirty="0" err="1" smtClean="0"/>
+              <a:t>Bauinge</a:t>
             </a:r>
             <a:r>
-              <a:rPr lang="de-DE" baseline="0" err="1"/>
-              <a:t>Freymark</a:t>
+              <a:rPr lang="de-DE" baseline="0" dirty="0" smtClean="0"/>
+              <a:t>)</a:t>
             </a:r>
-            <a:r>
-              <a:rPr lang="de-DE" baseline="0"/>
-              <a:t> (</a:t>
-            </a:r>
-            <a:r>
-              <a:rPr lang="de-DE" baseline="0" err="1"/>
-              <a:t>MdA</a:t>
-            </a:r>
-            <a:r>
-              <a:rPr lang="de-DE" baseline="0"/>
-              <a:t>) =&gt; Studienprojektvereinbarung</a:t>
-            </a:r>
-          </a:p>
-          <a:p>
-            <a:r>
-              <a:rPr lang="de-DE"/>
-              <a:t>Ziel: automatisierter Jahreskarteneingang</a:t>
-            </a:r>
-            <a:endParaRPr lang="de-DE" baseline="0"/>
-          </a:p>
-          <a:p>
-            <a:r>
-              <a:rPr lang="de-DE" baseline="0"/>
-              <a:t>=&gt; HWR: Steigerung der Campusattraktivität</a:t>
-            </a:r>
-            <a:endParaRPr lang="de-DE"/>
           </a:p>
           <a:p>
             <a:pPr marL="171450" indent="-171450">
-              <a:buFont typeface="Symbol"/>
-              <a:buChar char="Þ"/>
+              <a:buFontTx/>
+              <a:buChar char="-"/>
             </a:pPr>
             <a:r>
-              <a:rPr lang="de-DE"/>
-              <a:t>Tierpark: Besuchergewinnung</a:t>
+              <a:rPr lang="de-DE" baseline="0" dirty="0" smtClean="0"/>
+              <a:t>Anforderungen: Jahreskarte, personenbezogen</a:t>
             </a:r>
-          </a:p>
-          <a:p>
-            <a:pPr marL="0" indent="0">
-              <a:buFont typeface="Symbol"/>
-              <a:buNone/>
-            </a:pPr>
-            <a:r>
-              <a:rPr lang="de-DE"/>
-              <a:t>Ziel?</a:t>
-            </a:r>
+            <a:endParaRPr lang="de-DE" dirty="0"/>
           </a:p>
         </p:txBody>
       </p:sp>
@@ -789,7 +801,7 @@
           <a:lstStyle/>
           <a:p>
             <a:r>
-              <a:rPr lang="de-DE"/>
+              <a:rPr lang="de-DE" dirty="0"/>
               <a:t>Biometrie, weil…</a:t>
             </a:r>
           </a:p>
@@ -799,11 +811,11 @@
               <a:buChar char="-"/>
             </a:pPr>
             <a:r>
-              <a:rPr lang="de-DE"/>
+              <a:rPr lang="de-DE" dirty="0"/>
               <a:t>Favorit</a:t>
             </a:r>
             <a:r>
-              <a:rPr lang="de-DE" baseline="0"/>
+              <a:rPr lang="de-DE" baseline="0" dirty="0"/>
               <a:t> von Tierpark</a:t>
             </a:r>
           </a:p>
@@ -813,7 +825,7 @@
               <a:buChar char="-"/>
             </a:pPr>
             <a:r>
-              <a:rPr lang="de-DE" baseline="0"/>
+              <a:rPr lang="de-DE" baseline="0" dirty="0"/>
               <a:t>spannendes Thema</a:t>
             </a:r>
           </a:p>
@@ -823,7 +835,7 @@
               <a:buNone/>
             </a:pPr>
             <a:r>
-              <a:rPr lang="de-DE" baseline="0"/>
+              <a:rPr lang="de-DE" baseline="0" dirty="0"/>
               <a:t>Zeitkarte, weil…</a:t>
             </a:r>
           </a:p>
@@ -833,7 +845,7 @@
               <a:buChar char="-"/>
             </a:pPr>
             <a:r>
-              <a:rPr lang="de-DE" baseline="0"/>
+              <a:rPr lang="de-DE" baseline="0" dirty="0"/>
               <a:t>an sich gute Idee</a:t>
             </a:r>
           </a:p>
@@ -843,10 +855,10 @@
               <a:buChar char="-"/>
             </a:pPr>
             <a:r>
-              <a:rPr lang="de-DE" baseline="0"/>
+              <a:rPr lang="de-DE" baseline="0" dirty="0"/>
               <a:t>nicht so schwer</a:t>
             </a:r>
-            <a:endParaRPr lang="de-DE"/>
+            <a:endParaRPr lang="de-DE" dirty="0"/>
           </a:p>
         </p:txBody>
       </p:sp>
@@ -1127,7 +1139,7 @@
           <a:p>
             <a:fld id="{D3EB3054-B75A-4BD7-8B3E-8DC0F614FAF3}" type="datetimeFigureOut">
               <a:rPr lang="de-DE" smtClean="0"/>
-              <a:t>27.11.2017</a:t>
+              <a:t>07.12.2017</a:t>
             </a:fld>
             <a:endParaRPr lang="de-DE"/>
           </a:p>
@@ -1295,7 +1307,7 @@
           <a:p>
             <a:fld id="{D3EB3054-B75A-4BD7-8B3E-8DC0F614FAF3}" type="datetimeFigureOut">
               <a:rPr lang="de-DE" smtClean="0"/>
-              <a:t>27.11.2017</a:t>
+              <a:t>07.12.2017</a:t>
             </a:fld>
             <a:endParaRPr lang="de-DE"/>
           </a:p>
@@ -1473,7 +1485,7 @@
           <a:p>
             <a:fld id="{D3EB3054-B75A-4BD7-8B3E-8DC0F614FAF3}" type="datetimeFigureOut">
               <a:rPr lang="de-DE" smtClean="0"/>
-              <a:t>27.11.2017</a:t>
+              <a:t>07.12.2017</a:t>
             </a:fld>
             <a:endParaRPr lang="de-DE"/>
           </a:p>
@@ -1641,7 +1653,7 @@
           <a:p>
             <a:fld id="{D3EB3054-B75A-4BD7-8B3E-8DC0F614FAF3}" type="datetimeFigureOut">
               <a:rPr lang="de-DE" smtClean="0"/>
-              <a:t>27.11.2017</a:t>
+              <a:t>07.12.2017</a:t>
             </a:fld>
             <a:endParaRPr lang="de-DE"/>
           </a:p>
@@ -1886,7 +1898,7 @@
           <a:p>
             <a:fld id="{D3EB3054-B75A-4BD7-8B3E-8DC0F614FAF3}" type="datetimeFigureOut">
               <a:rPr lang="de-DE" smtClean="0"/>
-              <a:t>27.11.2017</a:t>
+              <a:t>07.12.2017</a:t>
             </a:fld>
             <a:endParaRPr lang="de-DE"/>
           </a:p>
@@ -2115,7 +2127,7 @@
           <a:p>
             <a:fld id="{D3EB3054-B75A-4BD7-8B3E-8DC0F614FAF3}" type="datetimeFigureOut">
               <a:rPr lang="de-DE" smtClean="0"/>
-              <a:t>27.11.2017</a:t>
+              <a:t>07.12.2017</a:t>
             </a:fld>
             <a:endParaRPr lang="de-DE"/>
           </a:p>
@@ -2479,7 +2491,7 @@
           <a:p>
             <a:fld id="{D3EB3054-B75A-4BD7-8B3E-8DC0F614FAF3}" type="datetimeFigureOut">
               <a:rPr lang="de-DE" smtClean="0"/>
-              <a:t>27.11.2017</a:t>
+              <a:t>07.12.2017</a:t>
             </a:fld>
             <a:endParaRPr lang="de-DE"/>
           </a:p>
@@ -2596,7 +2608,7 @@
           <a:p>
             <a:fld id="{D3EB3054-B75A-4BD7-8B3E-8DC0F614FAF3}" type="datetimeFigureOut">
               <a:rPr lang="de-DE" smtClean="0"/>
-              <a:t>27.11.2017</a:t>
+              <a:t>07.12.2017</a:t>
             </a:fld>
             <a:endParaRPr lang="de-DE"/>
           </a:p>
@@ -2691,7 +2703,7 @@
           <a:p>
             <a:fld id="{D3EB3054-B75A-4BD7-8B3E-8DC0F614FAF3}" type="datetimeFigureOut">
               <a:rPr lang="de-DE" smtClean="0"/>
-              <a:t>27.11.2017</a:t>
+              <a:t>07.12.2017</a:t>
             </a:fld>
             <a:endParaRPr lang="de-DE"/>
           </a:p>
@@ -2966,7 +2978,7 @@
           <a:p>
             <a:fld id="{D3EB3054-B75A-4BD7-8B3E-8DC0F614FAF3}" type="datetimeFigureOut">
               <a:rPr lang="de-DE" smtClean="0"/>
-              <a:t>27.11.2017</a:t>
+              <a:t>07.12.2017</a:t>
             </a:fld>
             <a:endParaRPr lang="de-DE"/>
           </a:p>
@@ -3218,7 +3230,7 @@
           <a:p>
             <a:fld id="{D3EB3054-B75A-4BD7-8B3E-8DC0F614FAF3}" type="datetimeFigureOut">
               <a:rPr lang="de-DE" smtClean="0"/>
-              <a:t>27.11.2017</a:t>
+              <a:t>07.12.2017</a:t>
             </a:fld>
             <a:endParaRPr lang="de-DE"/>
           </a:p>
@@ -3429,7 +3441,7 @@
           <a:p>
             <a:fld id="{D3EB3054-B75A-4BD7-8B3E-8DC0F614FAF3}" type="datetimeFigureOut">
               <a:rPr lang="de-DE" smtClean="0"/>
-              <a:t>27.11.2017</a:t>
+              <a:t>07.12.2017</a:t>
             </a:fld>
             <a:endParaRPr lang="de-DE"/>
           </a:p>
@@ -3887,7 +3899,7 @@
           <p:cNvPr id="11" name="Freeform 3">
             <a:extLst>
               <a:ext uri="{FF2B5EF4-FFF2-40B4-BE49-F238E27FC236}">
-                <a16:creationId xmlns:a16="http://schemas.microsoft.com/office/drawing/2014/main" xmlns="" id="{F6429F11-64E2-4420-9B0C-F3F81BF0D15B}"/>
+                <a16:creationId xmlns="" xmlns:a16="http://schemas.microsoft.com/office/drawing/2014/main" id="{F6429F11-64E2-4420-9B0C-F3F81BF0D15B}"/>
               </a:ext>
             </a:extLst>
           </p:cNvPr>
@@ -3897,7 +3909,7 @@
           <p:nvPr>
             <p:extLst>
               <p:ext uri="{386F3935-93C4-4BCD-93E2-E3B085C9AB24}">
-                <p16:designElem xmlns:p16="http://schemas.microsoft.com/office/powerpoint/2015/main" xmlns="" val="1"/>
+                <p16:designElem xmlns="" xmlns:p16="http://schemas.microsoft.com/office/powerpoint/2015/main" val="1"/>
               </p:ext>
             </p:extLst>
           </p:nvPr>
@@ -4052,7 +4064,7 @@
           <p:cNvPr id="13" name="Freeform 4">
             <a:extLst>
               <a:ext uri="{FF2B5EF4-FFF2-40B4-BE49-F238E27FC236}">
-                <a16:creationId xmlns:a16="http://schemas.microsoft.com/office/drawing/2014/main" xmlns="" id="{62785A07-F203-435E-8E76-BB97680C2FCA}"/>
+                <a16:creationId xmlns="" xmlns:a16="http://schemas.microsoft.com/office/drawing/2014/main" id="{62785A07-F203-435E-8E76-BB97680C2FCA}"/>
               </a:ext>
             </a:extLst>
           </p:cNvPr>
@@ -4062,7 +4074,7 @@
           <p:nvPr>
             <p:extLst>
               <p:ext uri="{386F3935-93C4-4BCD-93E2-E3B085C9AB24}">
-                <p16:designElem xmlns:p16="http://schemas.microsoft.com/office/powerpoint/2015/main" xmlns="" val="1"/>
+                <p16:designElem xmlns="" xmlns:p16="http://schemas.microsoft.com/office/powerpoint/2015/main" val="1"/>
               </p:ext>
             </p:extLst>
           </p:nvPr>
@@ -4316,13 +4328,13 @@
   <p:clrMapOvr>
     <a:masterClrMapping/>
   </p:clrMapOvr>
-  <mc:AlternateContent xmlns:mc="http://schemas.openxmlformats.org/markup-compatibility/2006">
-    <mc:Choice xmlns:p14="http://schemas.microsoft.com/office/powerpoint/2010/main" Requires="p14">
+  <mc:AlternateContent xmlns:mc="http://schemas.openxmlformats.org/markup-compatibility/2006" xmlns:p14="http://schemas.microsoft.com/office/powerpoint/2010/main">
+    <mc:Choice Requires="p14">
       <p:transition spd="med" p14:dur="700">
         <p:fade/>
       </p:transition>
     </mc:Choice>
-    <mc:Fallback>
+    <mc:Fallback xmlns="">
       <p:transition spd="med">
         <p:fade/>
       </p:transition>
@@ -4360,7 +4372,7 @@
           <p:cNvPr id="38" name="Freeform 34">
             <a:extLst>
               <a:ext uri="{FF2B5EF4-FFF2-40B4-BE49-F238E27FC236}">
-                <a16:creationId xmlns:a16="http://schemas.microsoft.com/office/drawing/2014/main" xmlns="" id="{B0992639-1CDA-4FE6-BB95-E13221490740}"/>
+                <a16:creationId xmlns="" xmlns:a16="http://schemas.microsoft.com/office/drawing/2014/main" id="{B0992639-1CDA-4FE6-BB95-E13221490740}"/>
               </a:ext>
             </a:extLst>
           </p:cNvPr>
@@ -4370,7 +4382,7 @@
           <p:nvPr>
             <p:extLst>
               <p:ext uri="{386F3935-93C4-4BCD-93E2-E3B085C9AB24}">
-                <p16:designElem xmlns:p16="http://schemas.microsoft.com/office/powerpoint/2015/main" xmlns="" val="1"/>
+                <p16:designElem xmlns="" xmlns:p16="http://schemas.microsoft.com/office/powerpoint/2015/main" val="1"/>
               </p:ext>
             </p:extLst>
           </p:nvPr>
@@ -4483,7 +4495,7 @@
           <p:cNvPr id="40" name="Freeform 31">
             <a:extLst>
               <a:ext uri="{FF2B5EF4-FFF2-40B4-BE49-F238E27FC236}">
-                <a16:creationId xmlns:a16="http://schemas.microsoft.com/office/drawing/2014/main" xmlns="" id="{A2AEA782-0EA4-42E9-871D-7401D6A09739}"/>
+                <a16:creationId xmlns="" xmlns:a16="http://schemas.microsoft.com/office/drawing/2014/main" id="{A2AEA782-0EA4-42E9-871D-7401D6A09739}"/>
               </a:ext>
             </a:extLst>
           </p:cNvPr>
@@ -4493,7 +4505,7 @@
           <p:nvPr>
             <p:extLst>
               <p:ext uri="{386F3935-93C4-4BCD-93E2-E3B085C9AB24}">
-                <p16:designElem xmlns:p16="http://schemas.microsoft.com/office/powerpoint/2015/main" xmlns="" val="1"/>
+                <p16:designElem xmlns="" xmlns:p16="http://schemas.microsoft.com/office/powerpoint/2015/main" val="1"/>
               </p:ext>
             </p:extLst>
           </p:nvPr>
@@ -4825,13 +4837,13 @@
   <p:clrMapOvr>
     <a:masterClrMapping/>
   </p:clrMapOvr>
-  <mc:AlternateContent xmlns:mc="http://schemas.openxmlformats.org/markup-compatibility/2006">
-    <mc:Choice xmlns:p14="http://schemas.microsoft.com/office/powerpoint/2010/main" Requires="p14">
+  <mc:AlternateContent xmlns:mc="http://schemas.openxmlformats.org/markup-compatibility/2006" xmlns:p14="http://schemas.microsoft.com/office/powerpoint/2010/main">
+    <mc:Choice Requires="p14">
       <p:transition spd="med" p14:dur="700">
         <p:fade/>
       </p:transition>
     </mc:Choice>
-    <mc:Fallback>
+    <mc:Fallback xmlns="">
       <p:transition spd="med">
         <p:fade/>
       </p:transition>
@@ -4890,13 +4902,13 @@
   <p:clrMapOvr>
     <a:masterClrMapping/>
   </p:clrMapOvr>
-  <mc:AlternateContent xmlns:mc="http://schemas.openxmlformats.org/markup-compatibility/2006">
-    <mc:Choice xmlns:p14="http://schemas.microsoft.com/office/powerpoint/2010/main" Requires="p14">
+  <mc:AlternateContent xmlns:mc="http://schemas.openxmlformats.org/markup-compatibility/2006" xmlns:p14="http://schemas.microsoft.com/office/powerpoint/2010/main">
+    <mc:Choice Requires="p14">
       <p:transition spd="med" p14:dur="700">
         <p:fade/>
       </p:transition>
     </mc:Choice>
-    <mc:Fallback>
+    <mc:Fallback xmlns="">
       <p:transition spd="med">
         <p:fade/>
       </p:transition>
@@ -5038,7 +5050,7 @@
           <p:cNvPr id="9" name="Grafik 10" descr="fingerabdruck.jpg">
             <a:extLst>
               <a:ext uri="{FF2B5EF4-FFF2-40B4-BE49-F238E27FC236}">
-                <a16:creationId xmlns:a16="http://schemas.microsoft.com/office/drawing/2014/main" xmlns="" id="{A8CD33F8-C2D7-4686-8E6B-6D0ECE6A17CB}"/>
+                <a16:creationId xmlns="" xmlns:a16="http://schemas.microsoft.com/office/drawing/2014/main" id="{A8CD33F8-C2D7-4686-8E6B-6D0ECE6A17CB}"/>
               </a:ext>
             </a:extLst>
           </p:cNvPr>
@@ -5070,7 +5082,7 @@
           <p:cNvPr id="3" name="Grafik 3" descr="campuscard.png">
             <a:extLst>
               <a:ext uri="{FF2B5EF4-FFF2-40B4-BE49-F238E27FC236}">
-                <a16:creationId xmlns:a16="http://schemas.microsoft.com/office/drawing/2014/main" xmlns="" id="{4E82C527-09DD-4025-85FB-8537695C0154}"/>
+                <a16:creationId xmlns="" xmlns:a16="http://schemas.microsoft.com/office/drawing/2014/main" id="{4E82C527-09DD-4025-85FB-8537695C0154}"/>
               </a:ext>
             </a:extLst>
           </p:cNvPr>
@@ -5102,7 +5114,7 @@
           <p:cNvPr id="6" name="Textfeld 5">
             <a:extLst>
               <a:ext uri="{FF2B5EF4-FFF2-40B4-BE49-F238E27FC236}">
-                <a16:creationId xmlns:a16="http://schemas.microsoft.com/office/drawing/2014/main" xmlns="" id="{874B1B94-42E0-4AA1-A5BB-0A30BF51CE56}"/>
+                <a16:creationId xmlns="" xmlns:a16="http://schemas.microsoft.com/office/drawing/2014/main" id="{874B1B94-42E0-4AA1-A5BB-0A30BF51CE56}"/>
               </a:ext>
             </a:extLst>
           </p:cNvPr>
@@ -5140,7 +5152,7 @@
           <p:cNvPr id="13" name="Textfeld 12">
             <a:extLst>
               <a:ext uri="{FF2B5EF4-FFF2-40B4-BE49-F238E27FC236}">
-                <a16:creationId xmlns:a16="http://schemas.microsoft.com/office/drawing/2014/main" xmlns="" id="{058DE313-F8DA-4C97-A8D6-00F2D73E7870}"/>
+                <a16:creationId xmlns="" xmlns:a16="http://schemas.microsoft.com/office/drawing/2014/main" id="{058DE313-F8DA-4C97-A8D6-00F2D73E7870}"/>
               </a:ext>
             </a:extLst>
           </p:cNvPr>
@@ -5184,13 +5196,13 @@
   <p:clrMapOvr>
     <a:masterClrMapping/>
   </p:clrMapOvr>
-  <mc:AlternateContent xmlns:mc="http://schemas.openxmlformats.org/markup-compatibility/2006">
-    <mc:Choice xmlns:p14="http://schemas.microsoft.com/office/powerpoint/2010/main" Requires="p14">
+  <mc:AlternateContent xmlns:mc="http://schemas.openxmlformats.org/markup-compatibility/2006" xmlns:p14="http://schemas.microsoft.com/office/powerpoint/2010/main">
+    <mc:Choice Requires="p14">
       <p:transition spd="med" p14:dur="700">
         <p:fade/>
       </p:transition>
     </mc:Choice>
-    <mc:Fallback>
+    <mc:Fallback xmlns="">
       <p:transition spd="med">
         <p:fade/>
       </p:transition>
@@ -5228,7 +5240,7 @@
           <p:cNvPr id="30" name="Rechteck: eine Ecke abgeschnitten 29">
             <a:extLst>
               <a:ext uri="{FF2B5EF4-FFF2-40B4-BE49-F238E27FC236}">
-                <a16:creationId xmlns:a16="http://schemas.microsoft.com/office/drawing/2014/main" xmlns="" id="{6836F953-AF4B-4F88-B6CB-D3B8A280B257}"/>
+                <a16:creationId xmlns="" xmlns:a16="http://schemas.microsoft.com/office/drawing/2014/main" id="{6836F953-AF4B-4F88-B6CB-D3B8A280B257}"/>
               </a:ext>
             </a:extLst>
           </p:cNvPr>
@@ -5274,7 +5286,7 @@
           <p:cNvPr id="3" name="Titel 2">
             <a:extLst>
               <a:ext uri="{FF2B5EF4-FFF2-40B4-BE49-F238E27FC236}">
-                <a16:creationId xmlns:a16="http://schemas.microsoft.com/office/drawing/2014/main" xmlns="" id="{63C7D172-FC92-434E-B470-FAA094A59867}"/>
+                <a16:creationId xmlns="" xmlns:a16="http://schemas.microsoft.com/office/drawing/2014/main" id="{63C7D172-FC92-434E-B470-FAA094A59867}"/>
               </a:ext>
             </a:extLst>
           </p:cNvPr>
@@ -5316,7 +5328,7 @@
           <p:cNvPr id="8" name="Grafik 8">
             <a:extLst>
               <a:ext uri="{FF2B5EF4-FFF2-40B4-BE49-F238E27FC236}">
-                <a16:creationId xmlns:a16="http://schemas.microsoft.com/office/drawing/2014/main" xmlns="" id="{0227CB6A-E9C8-4756-80E5-5D029593321B}"/>
+                <a16:creationId xmlns="" xmlns:a16="http://schemas.microsoft.com/office/drawing/2014/main" id="{0227CB6A-E9C8-4756-80E5-5D029593321B}"/>
               </a:ext>
             </a:extLst>
           </p:cNvPr>
@@ -5346,7 +5358,7 @@
           <p:cNvPr id="11" name="Smiley 10">
             <a:extLst>
               <a:ext uri="{FF2B5EF4-FFF2-40B4-BE49-F238E27FC236}">
-                <a16:creationId xmlns:a16="http://schemas.microsoft.com/office/drawing/2014/main" xmlns="" id="{3D30F9ED-DB74-4E83-9D2A-A3B00AB49147}"/>
+                <a16:creationId xmlns="" xmlns:a16="http://schemas.microsoft.com/office/drawing/2014/main" id="{3D30F9ED-DB74-4E83-9D2A-A3B00AB49147}"/>
               </a:ext>
             </a:extLst>
           </p:cNvPr>
@@ -5391,7 +5403,7 @@
           <p:cNvPr id="12" name="Gerade Verbindung mit Pfeil 11">
             <a:extLst>
               <a:ext uri="{FF2B5EF4-FFF2-40B4-BE49-F238E27FC236}">
-                <a16:creationId xmlns:a16="http://schemas.microsoft.com/office/drawing/2014/main" xmlns="" id="{D1A6EDD4-F889-46F7-B6BA-080BE36FF931}"/>
+                <a16:creationId xmlns="" xmlns:a16="http://schemas.microsoft.com/office/drawing/2014/main" id="{D1A6EDD4-F889-46F7-B6BA-080BE36FF931}"/>
               </a:ext>
             </a:extLst>
           </p:cNvPr>
@@ -5427,7 +5439,7 @@
           <p:cNvPr id="13" name="Gerade Verbindung mit Pfeil 12">
             <a:extLst>
               <a:ext uri="{FF2B5EF4-FFF2-40B4-BE49-F238E27FC236}">
-                <a16:creationId xmlns:a16="http://schemas.microsoft.com/office/drawing/2014/main" xmlns="" id="{0AA4D6A8-3C9B-4F53-8592-7FD6AF8EEBB9}"/>
+                <a16:creationId xmlns="" xmlns:a16="http://schemas.microsoft.com/office/drawing/2014/main" id="{0AA4D6A8-3C9B-4F53-8592-7FD6AF8EEBB9}"/>
               </a:ext>
             </a:extLst>
           </p:cNvPr>
@@ -5465,7 +5477,7 @@
           <p:cNvPr id="14" name="Gerade Verbindung mit Pfeil 13">
             <a:extLst>
               <a:ext uri="{FF2B5EF4-FFF2-40B4-BE49-F238E27FC236}">
-                <a16:creationId xmlns:a16="http://schemas.microsoft.com/office/drawing/2014/main" xmlns="" id="{A2AEE719-9727-4C33-8632-86A10D08A860}"/>
+                <a16:creationId xmlns="" xmlns:a16="http://schemas.microsoft.com/office/drawing/2014/main" id="{A2AEE719-9727-4C33-8632-86A10D08A860}"/>
               </a:ext>
             </a:extLst>
           </p:cNvPr>
@@ -5503,7 +5515,7 @@
           <p:cNvPr id="15" name="Gerade Verbindung mit Pfeil 14">
             <a:extLst>
               <a:ext uri="{FF2B5EF4-FFF2-40B4-BE49-F238E27FC236}">
-                <a16:creationId xmlns:a16="http://schemas.microsoft.com/office/drawing/2014/main" xmlns="" id="{FCAE322F-D7DB-49CD-8567-68C6642F24EF}"/>
+                <a16:creationId xmlns="" xmlns:a16="http://schemas.microsoft.com/office/drawing/2014/main" id="{FCAE322F-D7DB-49CD-8567-68C6642F24EF}"/>
               </a:ext>
             </a:extLst>
           </p:cNvPr>
@@ -5541,7 +5553,7 @@
           <p:cNvPr id="16" name="Pfeil: nach rechts 15">
             <a:extLst>
               <a:ext uri="{FF2B5EF4-FFF2-40B4-BE49-F238E27FC236}">
-                <a16:creationId xmlns:a16="http://schemas.microsoft.com/office/drawing/2014/main" xmlns="" id="{E9C98C95-F90D-43A0-B847-F0962F74C355}"/>
+                <a16:creationId xmlns="" xmlns:a16="http://schemas.microsoft.com/office/drawing/2014/main" id="{E9C98C95-F90D-43A0-B847-F0962F74C355}"/>
               </a:ext>
             </a:extLst>
           </p:cNvPr>
@@ -5587,7 +5599,7 @@
           <p:cNvPr id="19" name="Rechteck 18">
             <a:extLst>
               <a:ext uri="{FF2B5EF4-FFF2-40B4-BE49-F238E27FC236}">
-                <a16:creationId xmlns:a16="http://schemas.microsoft.com/office/drawing/2014/main" xmlns="" id="{FC9950AB-66A5-43EF-AF86-B761D1C567D9}"/>
+                <a16:creationId xmlns="" xmlns:a16="http://schemas.microsoft.com/office/drawing/2014/main" id="{FC9950AB-66A5-43EF-AF86-B761D1C567D9}"/>
               </a:ext>
             </a:extLst>
           </p:cNvPr>
@@ -5633,7 +5645,7 @@
           <p:cNvPr id="21" name="Grafik 4" descr="tierpark-OG-1200x630.jpg">
             <a:extLst>
               <a:ext uri="{FF2B5EF4-FFF2-40B4-BE49-F238E27FC236}">
-                <a16:creationId xmlns:a16="http://schemas.microsoft.com/office/drawing/2014/main" xmlns="" id="{95B02345-A5FF-4A60-95BD-801A44405C12}"/>
+                <a16:creationId xmlns="" xmlns:a16="http://schemas.microsoft.com/office/drawing/2014/main" id="{95B02345-A5FF-4A60-95BD-801A44405C12}"/>
               </a:ext>
             </a:extLst>
           </p:cNvPr>
@@ -5663,7 +5675,7 @@
           <p:cNvPr id="22" name="Gerade Verbindung mit Pfeil 21">
             <a:extLst>
               <a:ext uri="{FF2B5EF4-FFF2-40B4-BE49-F238E27FC236}">
-                <a16:creationId xmlns:a16="http://schemas.microsoft.com/office/drawing/2014/main" xmlns="" id="{396ED79D-6200-403A-92C0-A5D43C32E1D7}"/>
+                <a16:creationId xmlns="" xmlns:a16="http://schemas.microsoft.com/office/drawing/2014/main" id="{396ED79D-6200-403A-92C0-A5D43C32E1D7}"/>
               </a:ext>
             </a:extLst>
           </p:cNvPr>
@@ -5706,7 +5718,7 @@
           <p:cNvPr id="24" name="Smiley 23">
             <a:extLst>
               <a:ext uri="{FF2B5EF4-FFF2-40B4-BE49-F238E27FC236}">
-                <a16:creationId xmlns:a16="http://schemas.microsoft.com/office/drawing/2014/main" xmlns="" id="{71F60721-97CF-4D49-8989-A40CA4AA7108}"/>
+                <a16:creationId xmlns="" xmlns:a16="http://schemas.microsoft.com/office/drawing/2014/main" id="{71F60721-97CF-4D49-8989-A40CA4AA7108}"/>
               </a:ext>
             </a:extLst>
           </p:cNvPr>
@@ -5751,7 +5763,7 @@
           <p:cNvPr id="25" name="Gerade Verbindung mit Pfeil 24">
             <a:extLst>
               <a:ext uri="{FF2B5EF4-FFF2-40B4-BE49-F238E27FC236}">
-                <a16:creationId xmlns:a16="http://schemas.microsoft.com/office/drawing/2014/main" xmlns="" id="{BB8B357B-80CE-4EE5-B55A-F029492B3225}"/>
+                <a16:creationId xmlns="" xmlns:a16="http://schemas.microsoft.com/office/drawing/2014/main" id="{BB8B357B-80CE-4EE5-B55A-F029492B3225}"/>
               </a:ext>
             </a:extLst>
           </p:cNvPr>
@@ -5789,7 +5801,7 @@
           <p:cNvPr id="26" name="Gerade Verbindung mit Pfeil 25">
             <a:extLst>
               <a:ext uri="{FF2B5EF4-FFF2-40B4-BE49-F238E27FC236}">
-                <a16:creationId xmlns:a16="http://schemas.microsoft.com/office/drawing/2014/main" xmlns="" id="{2C811DCF-3BD9-4651-9F5C-A76982318C99}"/>
+                <a16:creationId xmlns="" xmlns:a16="http://schemas.microsoft.com/office/drawing/2014/main" id="{2C811DCF-3BD9-4651-9F5C-A76982318C99}"/>
               </a:ext>
             </a:extLst>
           </p:cNvPr>
@@ -5827,7 +5839,7 @@
           <p:cNvPr id="27" name="Gerade Verbindung mit Pfeil 26">
             <a:extLst>
               <a:ext uri="{FF2B5EF4-FFF2-40B4-BE49-F238E27FC236}">
-                <a16:creationId xmlns:a16="http://schemas.microsoft.com/office/drawing/2014/main" xmlns="" id="{C2C0FBB5-592B-4481-B4D0-8F9B1C437461}"/>
+                <a16:creationId xmlns="" xmlns:a16="http://schemas.microsoft.com/office/drawing/2014/main" id="{C2C0FBB5-592B-4481-B4D0-8F9B1C437461}"/>
               </a:ext>
             </a:extLst>
           </p:cNvPr>
@@ -5865,7 +5877,7 @@
           <p:cNvPr id="28" name="Gerade Verbindung mit Pfeil 27">
             <a:extLst>
               <a:ext uri="{FF2B5EF4-FFF2-40B4-BE49-F238E27FC236}">
-                <a16:creationId xmlns:a16="http://schemas.microsoft.com/office/drawing/2014/main" xmlns="" id="{C453B098-6B02-4D48-9A2A-02754D201E56}"/>
+                <a16:creationId xmlns="" xmlns:a16="http://schemas.microsoft.com/office/drawing/2014/main" id="{C453B098-6B02-4D48-9A2A-02754D201E56}"/>
               </a:ext>
             </a:extLst>
           </p:cNvPr>
@@ -5903,7 +5915,7 @@
           <p:cNvPr id="34" name="Rechteck 33">
             <a:extLst>
               <a:ext uri="{FF2B5EF4-FFF2-40B4-BE49-F238E27FC236}">
-                <a16:creationId xmlns:a16="http://schemas.microsoft.com/office/drawing/2014/main" xmlns="" id="{66F9CB01-BD65-45A8-A6AC-C0B7602650BF}"/>
+                <a16:creationId xmlns="" xmlns:a16="http://schemas.microsoft.com/office/drawing/2014/main" id="{66F9CB01-BD65-45A8-A6AC-C0B7602650BF}"/>
               </a:ext>
             </a:extLst>
           </p:cNvPr>
@@ -5959,7 +5971,7 @@
           <p:cNvPr id="35" name="Gerade Verbindung mit Pfeil 34">
             <a:extLst>
               <a:ext uri="{FF2B5EF4-FFF2-40B4-BE49-F238E27FC236}">
-                <a16:creationId xmlns:a16="http://schemas.microsoft.com/office/drawing/2014/main" xmlns="" id="{22C4C6D5-2F1B-4FD5-96FB-325440EA9B76}"/>
+                <a16:creationId xmlns="" xmlns:a16="http://schemas.microsoft.com/office/drawing/2014/main" id="{22C4C6D5-2F1B-4FD5-96FB-325440EA9B76}"/>
               </a:ext>
             </a:extLst>
           </p:cNvPr>
@@ -5997,7 +6009,7 @@
           <p:cNvPr id="38" name="Grafik 38" descr="fingerabdruck_transparent.png">
             <a:extLst>
               <a:ext uri="{FF2B5EF4-FFF2-40B4-BE49-F238E27FC236}">
-                <a16:creationId xmlns:a16="http://schemas.microsoft.com/office/drawing/2014/main" xmlns="" id="{167F1758-4204-4068-BAFE-F34B3CD731FF}"/>
+                <a16:creationId xmlns="" xmlns:a16="http://schemas.microsoft.com/office/drawing/2014/main" id="{167F1758-4204-4068-BAFE-F34B3CD731FF}"/>
               </a:ext>
             </a:extLst>
           </p:cNvPr>
@@ -6027,7 +6039,7 @@
           <p:cNvPr id="66" name="Pfeil: nach rechts 65">
             <a:extLst>
               <a:ext uri="{FF2B5EF4-FFF2-40B4-BE49-F238E27FC236}">
-                <a16:creationId xmlns:a16="http://schemas.microsoft.com/office/drawing/2014/main" xmlns="" id="{2E265073-330E-4E2A-99E7-F7101EA37C81}"/>
+                <a16:creationId xmlns="" xmlns:a16="http://schemas.microsoft.com/office/drawing/2014/main" id="{2E265073-330E-4E2A-99E7-F7101EA37C81}"/>
               </a:ext>
             </a:extLst>
           </p:cNvPr>
@@ -6073,7 +6085,7 @@
           <p:cNvPr id="67" name="Rechteck: eine Ecke abgeschnitten 66">
             <a:extLst>
               <a:ext uri="{FF2B5EF4-FFF2-40B4-BE49-F238E27FC236}">
-                <a16:creationId xmlns:a16="http://schemas.microsoft.com/office/drawing/2014/main" xmlns="" id="{F103BEDB-422E-4521-B7ED-52DA685BB004}"/>
+                <a16:creationId xmlns="" xmlns:a16="http://schemas.microsoft.com/office/drawing/2014/main" id="{F103BEDB-422E-4521-B7ED-52DA685BB004}"/>
               </a:ext>
             </a:extLst>
           </p:cNvPr>
@@ -6119,7 +6131,7 @@
           <p:cNvPr id="68" name="Grafik 8">
             <a:extLst>
               <a:ext uri="{FF2B5EF4-FFF2-40B4-BE49-F238E27FC236}">
-                <a16:creationId xmlns:a16="http://schemas.microsoft.com/office/drawing/2014/main" xmlns="" id="{3223F3DB-B783-4705-8CD4-7A492F1CFD13}"/>
+                <a16:creationId xmlns="" xmlns:a16="http://schemas.microsoft.com/office/drawing/2014/main" id="{3223F3DB-B783-4705-8CD4-7A492F1CFD13}"/>
               </a:ext>
             </a:extLst>
           </p:cNvPr>
@@ -6149,7 +6161,7 @@
           <p:cNvPr id="69" name="Rechteck 68">
             <a:extLst>
               <a:ext uri="{FF2B5EF4-FFF2-40B4-BE49-F238E27FC236}">
-                <a16:creationId xmlns:a16="http://schemas.microsoft.com/office/drawing/2014/main" xmlns="" id="{D60DA193-FA57-46A0-9D38-DB43FFD12DAD}"/>
+                <a16:creationId xmlns="" xmlns:a16="http://schemas.microsoft.com/office/drawing/2014/main" id="{D60DA193-FA57-46A0-9D38-DB43FFD12DAD}"/>
               </a:ext>
             </a:extLst>
           </p:cNvPr>
@@ -6195,7 +6207,7 @@
           <p:cNvPr id="70" name="Grafik 4" descr="tierpark-OG-1200x630.jpg">
             <a:extLst>
               <a:ext uri="{FF2B5EF4-FFF2-40B4-BE49-F238E27FC236}">
-                <a16:creationId xmlns:a16="http://schemas.microsoft.com/office/drawing/2014/main" xmlns="" id="{F007FAF7-BBBB-434D-BAA3-B7B95D771F03}"/>
+                <a16:creationId xmlns="" xmlns:a16="http://schemas.microsoft.com/office/drawing/2014/main" id="{F007FAF7-BBBB-434D-BAA3-B7B95D771F03}"/>
               </a:ext>
             </a:extLst>
           </p:cNvPr>
@@ -6225,7 +6237,7 @@
           <p:cNvPr id="71" name="Gerade Verbindung mit Pfeil 70">
             <a:extLst>
               <a:ext uri="{FF2B5EF4-FFF2-40B4-BE49-F238E27FC236}">
-                <a16:creationId xmlns:a16="http://schemas.microsoft.com/office/drawing/2014/main" xmlns="" id="{0C6F6A54-0C92-4B77-93CE-628D0AFEAF9B}"/>
+                <a16:creationId xmlns="" xmlns:a16="http://schemas.microsoft.com/office/drawing/2014/main" id="{0C6F6A54-0C92-4B77-93CE-628D0AFEAF9B}"/>
               </a:ext>
             </a:extLst>
           </p:cNvPr>
@@ -6268,7 +6280,7 @@
           <p:cNvPr id="74" name="Smiley 73">
             <a:extLst>
               <a:ext uri="{FF2B5EF4-FFF2-40B4-BE49-F238E27FC236}">
-                <a16:creationId xmlns:a16="http://schemas.microsoft.com/office/drawing/2014/main" xmlns="" id="{B002DF9E-89D3-4DEE-9475-AFAD93564F16}"/>
+                <a16:creationId xmlns="" xmlns:a16="http://schemas.microsoft.com/office/drawing/2014/main" id="{B002DF9E-89D3-4DEE-9475-AFAD93564F16}"/>
               </a:ext>
             </a:extLst>
           </p:cNvPr>
@@ -6313,7 +6325,7 @@
           <p:cNvPr id="75" name="Gerade Verbindung mit Pfeil 74">
             <a:extLst>
               <a:ext uri="{FF2B5EF4-FFF2-40B4-BE49-F238E27FC236}">
-                <a16:creationId xmlns:a16="http://schemas.microsoft.com/office/drawing/2014/main" xmlns="" id="{8F0D36E4-459D-45E9-999F-8AD48438C73D}"/>
+                <a16:creationId xmlns="" xmlns:a16="http://schemas.microsoft.com/office/drawing/2014/main" id="{8F0D36E4-459D-45E9-999F-8AD48438C73D}"/>
               </a:ext>
             </a:extLst>
           </p:cNvPr>
@@ -6351,7 +6363,7 @@
           <p:cNvPr id="76" name="Gerade Verbindung mit Pfeil 75">
             <a:extLst>
               <a:ext uri="{FF2B5EF4-FFF2-40B4-BE49-F238E27FC236}">
-                <a16:creationId xmlns:a16="http://schemas.microsoft.com/office/drawing/2014/main" xmlns="" id="{ADB47E65-362C-4988-9C11-34CC86C33EA8}"/>
+                <a16:creationId xmlns="" xmlns:a16="http://schemas.microsoft.com/office/drawing/2014/main" id="{ADB47E65-362C-4988-9C11-34CC86C33EA8}"/>
               </a:ext>
             </a:extLst>
           </p:cNvPr>
@@ -6389,7 +6401,7 @@
           <p:cNvPr id="77" name="Gerade Verbindung mit Pfeil 76">
             <a:extLst>
               <a:ext uri="{FF2B5EF4-FFF2-40B4-BE49-F238E27FC236}">
-                <a16:creationId xmlns:a16="http://schemas.microsoft.com/office/drawing/2014/main" xmlns="" id="{7013C630-BFBD-41C3-8E40-C3CDD14BFCEF}"/>
+                <a16:creationId xmlns="" xmlns:a16="http://schemas.microsoft.com/office/drawing/2014/main" id="{7013C630-BFBD-41C3-8E40-C3CDD14BFCEF}"/>
               </a:ext>
             </a:extLst>
           </p:cNvPr>
@@ -6427,7 +6439,7 @@
           <p:cNvPr id="78" name="Gerade Verbindung mit Pfeil 77">
             <a:extLst>
               <a:ext uri="{FF2B5EF4-FFF2-40B4-BE49-F238E27FC236}">
-                <a16:creationId xmlns:a16="http://schemas.microsoft.com/office/drawing/2014/main" xmlns="" id="{216D73C1-5B9D-40D8-BA13-F8B105053219}"/>
+                <a16:creationId xmlns="" xmlns:a16="http://schemas.microsoft.com/office/drawing/2014/main" id="{216D73C1-5B9D-40D8-BA13-F8B105053219}"/>
               </a:ext>
             </a:extLst>
           </p:cNvPr>
@@ -6470,13 +6482,13 @@
   <p:clrMapOvr>
     <a:masterClrMapping/>
   </p:clrMapOvr>
-  <mc:AlternateContent xmlns:mc="http://schemas.openxmlformats.org/markup-compatibility/2006">
-    <mc:Choice xmlns:p14="http://schemas.microsoft.com/office/powerpoint/2010/main" Requires="p14">
+  <mc:AlternateContent xmlns:mc="http://schemas.openxmlformats.org/markup-compatibility/2006" xmlns:p14="http://schemas.microsoft.com/office/powerpoint/2010/main">
+    <mc:Choice Requires="p14">
       <p:transition spd="med" p14:dur="700">
         <p:fade/>
       </p:transition>
     </mc:Choice>
-    <mc:Fallback>
+    <mc:Fallback xmlns="">
       <p:transition spd="med">
         <p:fade/>
       </p:transition>
@@ -7647,13 +7659,13 @@
   <p:clrMapOvr>
     <a:masterClrMapping/>
   </p:clrMapOvr>
-  <mc:AlternateContent xmlns:mc="http://schemas.openxmlformats.org/markup-compatibility/2006">
-    <mc:Choice xmlns:p14="http://schemas.microsoft.com/office/powerpoint/2010/main" Requires="p14">
+  <mc:AlternateContent xmlns:mc="http://schemas.openxmlformats.org/markup-compatibility/2006" xmlns:p14="http://schemas.microsoft.com/office/powerpoint/2010/main">
+    <mc:Choice Requires="p14">
       <p:transition spd="med" p14:dur="700">
         <p:fade/>
       </p:transition>
     </mc:Choice>
-    <mc:Fallback>
+    <mc:Fallback xmlns="">
       <p:transition spd="med">
         <p:fade/>
       </p:transition>
@@ -7691,7 +7703,7 @@
           <p:cNvPr id="3" name="Titel 2">
             <a:extLst>
               <a:ext uri="{FF2B5EF4-FFF2-40B4-BE49-F238E27FC236}">
-                <a16:creationId xmlns:a16="http://schemas.microsoft.com/office/drawing/2014/main" xmlns="" id="{63C7D172-FC92-434E-B470-FAA094A59867}"/>
+                <a16:creationId xmlns="" xmlns:a16="http://schemas.microsoft.com/office/drawing/2014/main" id="{63C7D172-FC92-434E-B470-FAA094A59867}"/>
               </a:ext>
             </a:extLst>
           </p:cNvPr>
@@ -7733,7 +7745,7 @@
           <p:cNvPr id="11" name="Smiley 10">
             <a:extLst>
               <a:ext uri="{FF2B5EF4-FFF2-40B4-BE49-F238E27FC236}">
-                <a16:creationId xmlns:a16="http://schemas.microsoft.com/office/drawing/2014/main" xmlns="" id="{3D30F9ED-DB74-4E83-9D2A-A3B00AB49147}"/>
+                <a16:creationId xmlns="" xmlns:a16="http://schemas.microsoft.com/office/drawing/2014/main" id="{3D30F9ED-DB74-4E83-9D2A-A3B00AB49147}"/>
               </a:ext>
             </a:extLst>
           </p:cNvPr>
@@ -7778,7 +7790,7 @@
           <p:cNvPr id="12" name="Gerade Verbindung mit Pfeil 11">
             <a:extLst>
               <a:ext uri="{FF2B5EF4-FFF2-40B4-BE49-F238E27FC236}">
-                <a16:creationId xmlns:a16="http://schemas.microsoft.com/office/drawing/2014/main" xmlns="" id="{D1A6EDD4-F889-46F7-B6BA-080BE36FF931}"/>
+                <a16:creationId xmlns="" xmlns:a16="http://schemas.microsoft.com/office/drawing/2014/main" id="{D1A6EDD4-F889-46F7-B6BA-080BE36FF931}"/>
               </a:ext>
             </a:extLst>
           </p:cNvPr>
@@ -7814,7 +7826,7 @@
           <p:cNvPr id="13" name="Gerade Verbindung mit Pfeil 12">
             <a:extLst>
               <a:ext uri="{FF2B5EF4-FFF2-40B4-BE49-F238E27FC236}">
-                <a16:creationId xmlns:a16="http://schemas.microsoft.com/office/drawing/2014/main" xmlns="" id="{0AA4D6A8-3C9B-4F53-8592-7FD6AF8EEBB9}"/>
+                <a16:creationId xmlns="" xmlns:a16="http://schemas.microsoft.com/office/drawing/2014/main" id="{0AA4D6A8-3C9B-4F53-8592-7FD6AF8EEBB9}"/>
               </a:ext>
             </a:extLst>
           </p:cNvPr>
@@ -7852,7 +7864,7 @@
           <p:cNvPr id="14" name="Gerade Verbindung mit Pfeil 13">
             <a:extLst>
               <a:ext uri="{FF2B5EF4-FFF2-40B4-BE49-F238E27FC236}">
-                <a16:creationId xmlns:a16="http://schemas.microsoft.com/office/drawing/2014/main" xmlns="" id="{A2AEE719-9727-4C33-8632-86A10D08A860}"/>
+                <a16:creationId xmlns="" xmlns:a16="http://schemas.microsoft.com/office/drawing/2014/main" id="{A2AEE719-9727-4C33-8632-86A10D08A860}"/>
               </a:ext>
             </a:extLst>
           </p:cNvPr>
@@ -7890,7 +7902,7 @@
           <p:cNvPr id="15" name="Gerade Verbindung mit Pfeil 14">
             <a:extLst>
               <a:ext uri="{FF2B5EF4-FFF2-40B4-BE49-F238E27FC236}">
-                <a16:creationId xmlns:a16="http://schemas.microsoft.com/office/drawing/2014/main" xmlns="" id="{FCAE322F-D7DB-49CD-8567-68C6642F24EF}"/>
+                <a16:creationId xmlns="" xmlns:a16="http://schemas.microsoft.com/office/drawing/2014/main" id="{FCAE322F-D7DB-49CD-8567-68C6642F24EF}"/>
               </a:ext>
             </a:extLst>
           </p:cNvPr>
@@ -7928,7 +7940,7 @@
           <p:cNvPr id="16" name="Pfeil: nach rechts 15">
             <a:extLst>
               <a:ext uri="{FF2B5EF4-FFF2-40B4-BE49-F238E27FC236}">
-                <a16:creationId xmlns:a16="http://schemas.microsoft.com/office/drawing/2014/main" xmlns="" id="{E9C98C95-F90D-43A0-B847-F0962F74C355}"/>
+                <a16:creationId xmlns="" xmlns:a16="http://schemas.microsoft.com/office/drawing/2014/main" id="{E9C98C95-F90D-43A0-B847-F0962F74C355}"/>
               </a:ext>
             </a:extLst>
           </p:cNvPr>
@@ -7974,7 +7986,7 @@
           <p:cNvPr id="7" name="Rechteck: eine Ecke abgeschnitten 6">
             <a:extLst>
               <a:ext uri="{FF2B5EF4-FFF2-40B4-BE49-F238E27FC236}">
-                <a16:creationId xmlns:a16="http://schemas.microsoft.com/office/drawing/2014/main" xmlns="" id="{C332EF0C-9212-49C7-9288-4A9CF76D0742}"/>
+                <a16:creationId xmlns="" xmlns:a16="http://schemas.microsoft.com/office/drawing/2014/main" id="{C332EF0C-9212-49C7-9288-4A9CF76D0742}"/>
               </a:ext>
             </a:extLst>
           </p:cNvPr>
@@ -8020,7 +8032,7 @@
           <p:cNvPr id="10" name="Rechteck 9">
             <a:extLst>
               <a:ext uri="{FF2B5EF4-FFF2-40B4-BE49-F238E27FC236}">
-                <a16:creationId xmlns:a16="http://schemas.microsoft.com/office/drawing/2014/main" xmlns="" id="{CA9EC685-C690-4E92-892C-B6657EED5B4E}"/>
+                <a16:creationId xmlns="" xmlns:a16="http://schemas.microsoft.com/office/drawing/2014/main" id="{CA9EC685-C690-4E92-892C-B6657EED5B4E}"/>
               </a:ext>
             </a:extLst>
           </p:cNvPr>
@@ -8066,7 +8078,7 @@
           <p:cNvPr id="17" name="Grafik 4" descr="tierpark-OG-1200x630.jpg">
             <a:extLst>
               <a:ext uri="{FF2B5EF4-FFF2-40B4-BE49-F238E27FC236}">
-                <a16:creationId xmlns:a16="http://schemas.microsoft.com/office/drawing/2014/main" xmlns="" id="{2C4ACE4A-A2CD-48FE-BB67-CA18A574DA07}"/>
+                <a16:creationId xmlns="" xmlns:a16="http://schemas.microsoft.com/office/drawing/2014/main" id="{2C4ACE4A-A2CD-48FE-BB67-CA18A574DA07}"/>
               </a:ext>
             </a:extLst>
           </p:cNvPr>
@@ -8096,7 +8108,7 @@
           <p:cNvPr id="18" name="Gerade Verbindung mit Pfeil 17">
             <a:extLst>
               <a:ext uri="{FF2B5EF4-FFF2-40B4-BE49-F238E27FC236}">
-                <a16:creationId xmlns:a16="http://schemas.microsoft.com/office/drawing/2014/main" xmlns="" id="{57753FE4-9033-42B7-8A5C-FD6AF91A0F9A}"/>
+                <a16:creationId xmlns="" xmlns:a16="http://schemas.microsoft.com/office/drawing/2014/main" id="{57753FE4-9033-42B7-8A5C-FD6AF91A0F9A}"/>
               </a:ext>
             </a:extLst>
           </p:cNvPr>
@@ -8139,7 +8151,7 @@
           <p:cNvPr id="29" name="Textfeld 28">
             <a:extLst>
               <a:ext uri="{FF2B5EF4-FFF2-40B4-BE49-F238E27FC236}">
-                <a16:creationId xmlns:a16="http://schemas.microsoft.com/office/drawing/2014/main" xmlns="" id="{A7D22440-12B3-4230-9F5B-1A3BEB39C0CB}"/>
+                <a16:creationId xmlns="" xmlns:a16="http://schemas.microsoft.com/office/drawing/2014/main" id="{A7D22440-12B3-4230-9F5B-1A3BEB39C0CB}"/>
               </a:ext>
             </a:extLst>
           </p:cNvPr>
@@ -8181,7 +8193,7 @@
           <p:cNvPr id="54" name="Smiley 53">
             <a:extLst>
               <a:ext uri="{FF2B5EF4-FFF2-40B4-BE49-F238E27FC236}">
-                <a16:creationId xmlns:a16="http://schemas.microsoft.com/office/drawing/2014/main" xmlns="" id="{E3036ED6-DC5E-4170-8BA2-A4937D501DE6}"/>
+                <a16:creationId xmlns="" xmlns:a16="http://schemas.microsoft.com/office/drawing/2014/main" id="{E3036ED6-DC5E-4170-8BA2-A4937D501DE6}"/>
               </a:ext>
             </a:extLst>
           </p:cNvPr>
@@ -8226,7 +8238,7 @@
           <p:cNvPr id="55" name="Gerade Verbindung mit Pfeil 54">
             <a:extLst>
               <a:ext uri="{FF2B5EF4-FFF2-40B4-BE49-F238E27FC236}">
-                <a16:creationId xmlns:a16="http://schemas.microsoft.com/office/drawing/2014/main" xmlns="" id="{8F67A56F-FC7F-47BB-8705-34FD7CC3B3A7}"/>
+                <a16:creationId xmlns="" xmlns:a16="http://schemas.microsoft.com/office/drawing/2014/main" id="{8F67A56F-FC7F-47BB-8705-34FD7CC3B3A7}"/>
               </a:ext>
             </a:extLst>
           </p:cNvPr>
@@ -8264,7 +8276,7 @@
           <p:cNvPr id="56" name="Gerade Verbindung mit Pfeil 55">
             <a:extLst>
               <a:ext uri="{FF2B5EF4-FFF2-40B4-BE49-F238E27FC236}">
-                <a16:creationId xmlns:a16="http://schemas.microsoft.com/office/drawing/2014/main" xmlns="" id="{00D21BE4-633B-46BA-A119-8949EA3102D2}"/>
+                <a16:creationId xmlns="" xmlns:a16="http://schemas.microsoft.com/office/drawing/2014/main" id="{00D21BE4-633B-46BA-A119-8949EA3102D2}"/>
               </a:ext>
             </a:extLst>
           </p:cNvPr>
@@ -8302,7 +8314,7 @@
           <p:cNvPr id="57" name="Gerade Verbindung mit Pfeil 56">
             <a:extLst>
               <a:ext uri="{FF2B5EF4-FFF2-40B4-BE49-F238E27FC236}">
-                <a16:creationId xmlns:a16="http://schemas.microsoft.com/office/drawing/2014/main" xmlns="" id="{0B22F998-9168-4E1C-A237-A5321FD7A24C}"/>
+                <a16:creationId xmlns="" xmlns:a16="http://schemas.microsoft.com/office/drawing/2014/main" id="{0B22F998-9168-4E1C-A237-A5321FD7A24C}"/>
               </a:ext>
             </a:extLst>
           </p:cNvPr>
@@ -8340,7 +8352,7 @@
           <p:cNvPr id="58" name="Gerade Verbindung mit Pfeil 57">
             <a:extLst>
               <a:ext uri="{FF2B5EF4-FFF2-40B4-BE49-F238E27FC236}">
-                <a16:creationId xmlns:a16="http://schemas.microsoft.com/office/drawing/2014/main" xmlns="" id="{3EE83913-F6D5-444E-84CA-F87482D54DED}"/>
+                <a16:creationId xmlns="" xmlns:a16="http://schemas.microsoft.com/office/drawing/2014/main" id="{3EE83913-F6D5-444E-84CA-F87482D54DED}"/>
               </a:ext>
             </a:extLst>
           </p:cNvPr>
@@ -8378,7 +8390,7 @@
           <p:cNvPr id="59" name="Grafik 5" descr="campuscard_transparent.png">
             <a:extLst>
               <a:ext uri="{FF2B5EF4-FFF2-40B4-BE49-F238E27FC236}">
-                <a16:creationId xmlns:a16="http://schemas.microsoft.com/office/drawing/2014/main" xmlns="" id="{FE4F6AE1-3AC2-48D8-9FA1-B80F910289B0}"/>
+                <a16:creationId xmlns="" xmlns:a16="http://schemas.microsoft.com/office/drawing/2014/main" id="{FE4F6AE1-3AC2-48D8-9FA1-B80F910289B0}"/>
               </a:ext>
             </a:extLst>
           </p:cNvPr>
@@ -8408,7 +8420,7 @@
           <p:cNvPr id="31" name="Rechteck: eine Ecke abgeschnitten 30">
             <a:extLst>
               <a:ext uri="{FF2B5EF4-FFF2-40B4-BE49-F238E27FC236}">
-                <a16:creationId xmlns:a16="http://schemas.microsoft.com/office/drawing/2014/main" xmlns="" id="{5E3B18A7-1A37-410B-9B21-3096B76671D3}"/>
+                <a16:creationId xmlns="" xmlns:a16="http://schemas.microsoft.com/office/drawing/2014/main" id="{5E3B18A7-1A37-410B-9B21-3096B76671D3}"/>
               </a:ext>
             </a:extLst>
           </p:cNvPr>
@@ -8454,7 +8466,7 @@
           <p:cNvPr id="37" name="Rechteck 36">
             <a:extLst>
               <a:ext uri="{FF2B5EF4-FFF2-40B4-BE49-F238E27FC236}">
-                <a16:creationId xmlns:a16="http://schemas.microsoft.com/office/drawing/2014/main" xmlns="" id="{27DE0943-E07F-4E04-9EA0-BF569B94DA3B}"/>
+                <a16:creationId xmlns="" xmlns:a16="http://schemas.microsoft.com/office/drawing/2014/main" id="{27DE0943-E07F-4E04-9EA0-BF569B94DA3B}"/>
               </a:ext>
             </a:extLst>
           </p:cNvPr>
@@ -8500,7 +8512,7 @@
           <p:cNvPr id="40" name="Grafik 4" descr="tierpark-OG-1200x630.jpg">
             <a:extLst>
               <a:ext uri="{FF2B5EF4-FFF2-40B4-BE49-F238E27FC236}">
-                <a16:creationId xmlns:a16="http://schemas.microsoft.com/office/drawing/2014/main" xmlns="" id="{0A7A5A46-465A-4496-A018-F6BDAEA1DECA}"/>
+                <a16:creationId xmlns="" xmlns:a16="http://schemas.microsoft.com/office/drawing/2014/main" id="{0A7A5A46-465A-4496-A018-F6BDAEA1DECA}"/>
               </a:ext>
             </a:extLst>
           </p:cNvPr>
@@ -8530,7 +8542,7 @@
           <p:cNvPr id="42" name="Gerade Verbindung mit Pfeil 41">
             <a:extLst>
               <a:ext uri="{FF2B5EF4-FFF2-40B4-BE49-F238E27FC236}">
-                <a16:creationId xmlns:a16="http://schemas.microsoft.com/office/drawing/2014/main" xmlns="" id="{D493C170-C11D-4C81-8DD2-A425893E8DC4}"/>
+                <a16:creationId xmlns="" xmlns:a16="http://schemas.microsoft.com/office/drawing/2014/main" id="{D493C170-C11D-4C81-8DD2-A425893E8DC4}"/>
               </a:ext>
             </a:extLst>
           </p:cNvPr>
@@ -8573,7 +8585,7 @@
           <p:cNvPr id="98" name="Pfeil: nach rechts 97">
             <a:extLst>
               <a:ext uri="{FF2B5EF4-FFF2-40B4-BE49-F238E27FC236}">
-                <a16:creationId xmlns:a16="http://schemas.microsoft.com/office/drawing/2014/main" xmlns="" id="{A71E3ACE-B424-4472-B342-2D3D82A0C577}"/>
+                <a16:creationId xmlns="" xmlns:a16="http://schemas.microsoft.com/office/drawing/2014/main" id="{A71E3ACE-B424-4472-B342-2D3D82A0C577}"/>
               </a:ext>
             </a:extLst>
           </p:cNvPr>
@@ -8619,7 +8631,7 @@
           <p:cNvPr id="27" name="Smiley 26">
             <a:extLst>
               <a:ext uri="{FF2B5EF4-FFF2-40B4-BE49-F238E27FC236}">
-                <a16:creationId xmlns:a16="http://schemas.microsoft.com/office/drawing/2014/main" xmlns="" id="{F1D5CDE1-27BC-4346-BC96-CB4E22B41EDF}"/>
+                <a16:creationId xmlns="" xmlns:a16="http://schemas.microsoft.com/office/drawing/2014/main" id="{F1D5CDE1-27BC-4346-BC96-CB4E22B41EDF}"/>
               </a:ext>
             </a:extLst>
           </p:cNvPr>
@@ -8664,7 +8676,7 @@
           <p:cNvPr id="28" name="Gerade Verbindung mit Pfeil 27">
             <a:extLst>
               <a:ext uri="{FF2B5EF4-FFF2-40B4-BE49-F238E27FC236}">
-                <a16:creationId xmlns:a16="http://schemas.microsoft.com/office/drawing/2014/main" xmlns="" id="{108B5AB6-E0F7-4467-A1A4-6A220E1845CB}"/>
+                <a16:creationId xmlns="" xmlns:a16="http://schemas.microsoft.com/office/drawing/2014/main" id="{108B5AB6-E0F7-4467-A1A4-6A220E1845CB}"/>
               </a:ext>
             </a:extLst>
           </p:cNvPr>
@@ -8702,7 +8714,7 @@
           <p:cNvPr id="30" name="Gerade Verbindung mit Pfeil 29">
             <a:extLst>
               <a:ext uri="{FF2B5EF4-FFF2-40B4-BE49-F238E27FC236}">
-                <a16:creationId xmlns:a16="http://schemas.microsoft.com/office/drawing/2014/main" xmlns="" id="{9AB3FC85-AC67-4555-BEDC-8882CDC5BC52}"/>
+                <a16:creationId xmlns="" xmlns:a16="http://schemas.microsoft.com/office/drawing/2014/main" id="{9AB3FC85-AC67-4555-BEDC-8882CDC5BC52}"/>
               </a:ext>
             </a:extLst>
           </p:cNvPr>
@@ -8740,7 +8752,7 @@
           <p:cNvPr id="33" name="Gerade Verbindung mit Pfeil 32">
             <a:extLst>
               <a:ext uri="{FF2B5EF4-FFF2-40B4-BE49-F238E27FC236}">
-                <a16:creationId xmlns:a16="http://schemas.microsoft.com/office/drawing/2014/main" xmlns="" id="{46A8A674-911F-4337-964F-FE13E5741230}"/>
+                <a16:creationId xmlns="" xmlns:a16="http://schemas.microsoft.com/office/drawing/2014/main" id="{46A8A674-911F-4337-964F-FE13E5741230}"/>
               </a:ext>
             </a:extLst>
           </p:cNvPr>
@@ -8778,7 +8790,7 @@
           <p:cNvPr id="34" name="Gerade Verbindung mit Pfeil 33">
             <a:extLst>
               <a:ext uri="{FF2B5EF4-FFF2-40B4-BE49-F238E27FC236}">
-                <a16:creationId xmlns:a16="http://schemas.microsoft.com/office/drawing/2014/main" xmlns="" id="{DEF6B1D3-E7AE-48D1-B389-D338D4A04070}"/>
+                <a16:creationId xmlns="" xmlns:a16="http://schemas.microsoft.com/office/drawing/2014/main" id="{DEF6B1D3-E7AE-48D1-B389-D338D4A04070}"/>
               </a:ext>
             </a:extLst>
           </p:cNvPr>
@@ -8816,7 +8828,7 @@
           <p:cNvPr id="35" name="Grafik 5" descr="campuscard_transparent.png">
             <a:extLst>
               <a:ext uri="{FF2B5EF4-FFF2-40B4-BE49-F238E27FC236}">
-                <a16:creationId xmlns:a16="http://schemas.microsoft.com/office/drawing/2014/main" xmlns="" id="{D638E752-64FB-4140-ADFD-85F665B91A85}"/>
+                <a16:creationId xmlns="" xmlns:a16="http://schemas.microsoft.com/office/drawing/2014/main" id="{D638E752-64FB-4140-ADFD-85F665B91A85}"/>
               </a:ext>
             </a:extLst>
           </p:cNvPr>
@@ -8846,7 +8858,7 @@
           <p:cNvPr id="4" name="Grafik 5" descr="campuscard_transparent.png">
             <a:extLst>
               <a:ext uri="{FF2B5EF4-FFF2-40B4-BE49-F238E27FC236}">
-                <a16:creationId xmlns:a16="http://schemas.microsoft.com/office/drawing/2014/main" xmlns="" id="{5B245F61-BA44-40EC-9B1A-33D9CE9E363F}"/>
+                <a16:creationId xmlns="" xmlns:a16="http://schemas.microsoft.com/office/drawing/2014/main" id="{5B245F61-BA44-40EC-9B1A-33D9CE9E363F}"/>
               </a:ext>
             </a:extLst>
           </p:cNvPr>
@@ -8876,7 +8888,7 @@
           <p:cNvPr id="38" name="Pfeil: nach rechts 37">
             <a:extLst>
               <a:ext uri="{FF2B5EF4-FFF2-40B4-BE49-F238E27FC236}">
-                <a16:creationId xmlns:a16="http://schemas.microsoft.com/office/drawing/2014/main" xmlns="" id="{E252883F-BB5E-44D0-8B4C-C629CB8EDCBC}"/>
+                <a16:creationId xmlns="" xmlns:a16="http://schemas.microsoft.com/office/drawing/2014/main" id="{E252883F-BB5E-44D0-8B4C-C629CB8EDCBC}"/>
               </a:ext>
             </a:extLst>
           </p:cNvPr>
@@ -8922,7 +8934,7 @@
           <p:cNvPr id="39" name="Rechteck: eine Ecke abgeschnitten 38">
             <a:extLst>
               <a:ext uri="{FF2B5EF4-FFF2-40B4-BE49-F238E27FC236}">
-                <a16:creationId xmlns:a16="http://schemas.microsoft.com/office/drawing/2014/main" xmlns="" id="{35A1CA5D-A98E-4E51-8F6A-21040C3F3A89}"/>
+                <a16:creationId xmlns="" xmlns:a16="http://schemas.microsoft.com/office/drawing/2014/main" id="{35A1CA5D-A98E-4E51-8F6A-21040C3F3A89}"/>
               </a:ext>
             </a:extLst>
           </p:cNvPr>
@@ -8968,7 +8980,7 @@
           <p:cNvPr id="41" name="Rechteck 40">
             <a:extLst>
               <a:ext uri="{FF2B5EF4-FFF2-40B4-BE49-F238E27FC236}">
-                <a16:creationId xmlns:a16="http://schemas.microsoft.com/office/drawing/2014/main" xmlns="" id="{683F4D17-097B-4D4B-9CE9-EA31A03EB1B9}"/>
+                <a16:creationId xmlns="" xmlns:a16="http://schemas.microsoft.com/office/drawing/2014/main" id="{683F4D17-097B-4D4B-9CE9-EA31A03EB1B9}"/>
               </a:ext>
             </a:extLst>
           </p:cNvPr>
@@ -9014,7 +9026,7 @@
           <p:cNvPr id="43" name="Grafik 4" descr="tierpark-OG-1200x630.jpg">
             <a:extLst>
               <a:ext uri="{FF2B5EF4-FFF2-40B4-BE49-F238E27FC236}">
-                <a16:creationId xmlns:a16="http://schemas.microsoft.com/office/drawing/2014/main" xmlns="" id="{2987B278-887D-48DA-B85D-5A65B257CB03}"/>
+                <a16:creationId xmlns="" xmlns:a16="http://schemas.microsoft.com/office/drawing/2014/main" id="{2987B278-887D-48DA-B85D-5A65B257CB03}"/>
               </a:ext>
             </a:extLst>
           </p:cNvPr>
@@ -9044,7 +9056,7 @@
           <p:cNvPr id="44" name="Gerade Verbindung mit Pfeil 43">
             <a:extLst>
               <a:ext uri="{FF2B5EF4-FFF2-40B4-BE49-F238E27FC236}">
-                <a16:creationId xmlns:a16="http://schemas.microsoft.com/office/drawing/2014/main" xmlns="" id="{D2CA3D24-4045-4BFC-A038-0B0E43F8FAE9}"/>
+                <a16:creationId xmlns="" xmlns:a16="http://schemas.microsoft.com/office/drawing/2014/main" id="{D2CA3D24-4045-4BFC-A038-0B0E43F8FAE9}"/>
               </a:ext>
             </a:extLst>
           </p:cNvPr>
@@ -9087,7 +9099,7 @@
           <p:cNvPr id="45" name="Grafik 5" descr="campuscard_transparent.png">
             <a:extLst>
               <a:ext uri="{FF2B5EF4-FFF2-40B4-BE49-F238E27FC236}">
-                <a16:creationId xmlns:a16="http://schemas.microsoft.com/office/drawing/2014/main" xmlns="" id="{9BA6D212-75FE-4AA6-9E00-3F88CEA41FF3}"/>
+                <a16:creationId xmlns="" xmlns:a16="http://schemas.microsoft.com/office/drawing/2014/main" id="{9BA6D212-75FE-4AA6-9E00-3F88CEA41FF3}"/>
               </a:ext>
             </a:extLst>
           </p:cNvPr>
@@ -9117,7 +9129,7 @@
           <p:cNvPr id="46" name="Smiley 45">
             <a:extLst>
               <a:ext uri="{FF2B5EF4-FFF2-40B4-BE49-F238E27FC236}">
-                <a16:creationId xmlns:a16="http://schemas.microsoft.com/office/drawing/2014/main" xmlns="" id="{AFA5CBC4-6D03-4BE0-A8D9-CE845C6C42D3}"/>
+                <a16:creationId xmlns="" xmlns:a16="http://schemas.microsoft.com/office/drawing/2014/main" id="{AFA5CBC4-6D03-4BE0-A8D9-CE845C6C42D3}"/>
               </a:ext>
             </a:extLst>
           </p:cNvPr>
@@ -9162,7 +9174,7 @@
           <p:cNvPr id="47" name="Gerade Verbindung mit Pfeil 46">
             <a:extLst>
               <a:ext uri="{FF2B5EF4-FFF2-40B4-BE49-F238E27FC236}">
-                <a16:creationId xmlns:a16="http://schemas.microsoft.com/office/drawing/2014/main" xmlns="" id="{7ACB201A-8BCA-4BE9-A20E-B6FA2467C4DB}"/>
+                <a16:creationId xmlns="" xmlns:a16="http://schemas.microsoft.com/office/drawing/2014/main" id="{7ACB201A-8BCA-4BE9-A20E-B6FA2467C4DB}"/>
               </a:ext>
             </a:extLst>
           </p:cNvPr>
@@ -9200,7 +9212,7 @@
           <p:cNvPr id="48" name="Gerade Verbindung mit Pfeil 47">
             <a:extLst>
               <a:ext uri="{FF2B5EF4-FFF2-40B4-BE49-F238E27FC236}">
-                <a16:creationId xmlns:a16="http://schemas.microsoft.com/office/drawing/2014/main" xmlns="" id="{B66439A2-1DD6-48E1-8FA3-D49AFB788C86}"/>
+                <a16:creationId xmlns="" xmlns:a16="http://schemas.microsoft.com/office/drawing/2014/main" id="{B66439A2-1DD6-48E1-8FA3-D49AFB788C86}"/>
               </a:ext>
             </a:extLst>
           </p:cNvPr>
@@ -9238,7 +9250,7 @@
           <p:cNvPr id="49" name="Gerade Verbindung mit Pfeil 48">
             <a:extLst>
               <a:ext uri="{FF2B5EF4-FFF2-40B4-BE49-F238E27FC236}">
-                <a16:creationId xmlns:a16="http://schemas.microsoft.com/office/drawing/2014/main" xmlns="" id="{9FE3CF39-AA90-4D97-B41C-BF45D930FF24}"/>
+                <a16:creationId xmlns="" xmlns:a16="http://schemas.microsoft.com/office/drawing/2014/main" id="{9FE3CF39-AA90-4D97-B41C-BF45D930FF24}"/>
               </a:ext>
             </a:extLst>
           </p:cNvPr>
@@ -9276,7 +9288,7 @@
           <p:cNvPr id="50" name="Gerade Verbindung mit Pfeil 49">
             <a:extLst>
               <a:ext uri="{FF2B5EF4-FFF2-40B4-BE49-F238E27FC236}">
-                <a16:creationId xmlns:a16="http://schemas.microsoft.com/office/drawing/2014/main" xmlns="" id="{0AC1D7CA-B603-42BB-AC32-114FA90F78C0}"/>
+                <a16:creationId xmlns="" xmlns:a16="http://schemas.microsoft.com/office/drawing/2014/main" id="{0AC1D7CA-B603-42BB-AC32-114FA90F78C0}"/>
               </a:ext>
             </a:extLst>
           </p:cNvPr>
@@ -9314,7 +9326,7 @@
           <p:cNvPr id="8" name="Textfeld 7">
             <a:extLst>
               <a:ext uri="{FF2B5EF4-FFF2-40B4-BE49-F238E27FC236}">
-                <a16:creationId xmlns:a16="http://schemas.microsoft.com/office/drawing/2014/main" xmlns="" id="{2D5CCBC8-7186-4991-A2E3-B3855AC54E87}"/>
+                <a16:creationId xmlns="" xmlns:a16="http://schemas.microsoft.com/office/drawing/2014/main" id="{2D5CCBC8-7186-4991-A2E3-B3855AC54E87}"/>
               </a:ext>
             </a:extLst>
           </p:cNvPr>
@@ -9363,7 +9375,7 @@
           <p:cNvPr id="51" name="Textfeld 50">
             <a:extLst>
               <a:ext uri="{FF2B5EF4-FFF2-40B4-BE49-F238E27FC236}">
-                <a16:creationId xmlns:a16="http://schemas.microsoft.com/office/drawing/2014/main" xmlns="" id="{2BB91139-9A4C-4F55-A8DD-0DFBCAF09794}"/>
+                <a16:creationId xmlns="" xmlns:a16="http://schemas.microsoft.com/office/drawing/2014/main" id="{2BB91139-9A4C-4F55-A8DD-0DFBCAF09794}"/>
               </a:ext>
             </a:extLst>
           </p:cNvPr>
@@ -9401,7 +9413,7 @@
           <p:cNvPr id="9" name="Textfeld 8">
             <a:extLst>
               <a:ext uri="{FF2B5EF4-FFF2-40B4-BE49-F238E27FC236}">
-                <a16:creationId xmlns:a16="http://schemas.microsoft.com/office/drawing/2014/main" xmlns="" id="{C76F4517-B819-4DDE-96DA-A06BE46E7C9B}"/>
+                <a16:creationId xmlns="" xmlns:a16="http://schemas.microsoft.com/office/drawing/2014/main" id="{C76F4517-B819-4DDE-96DA-A06BE46E7C9B}"/>
               </a:ext>
             </a:extLst>
           </p:cNvPr>
@@ -9444,13 +9456,13 @@
   <p:clrMapOvr>
     <a:masterClrMapping/>
   </p:clrMapOvr>
-  <mc:AlternateContent xmlns:mc="http://schemas.openxmlformats.org/markup-compatibility/2006">
-    <mc:Choice xmlns:p14="http://schemas.microsoft.com/office/powerpoint/2010/main" Requires="p14">
+  <mc:AlternateContent xmlns:mc="http://schemas.openxmlformats.org/markup-compatibility/2006" xmlns:p14="http://schemas.microsoft.com/office/powerpoint/2010/main">
+    <mc:Choice Requires="p14">
       <p:transition spd="med" p14:dur="700">
         <p:fade/>
       </p:transition>
     </mc:Choice>
-    <mc:Fallback>
+    <mc:Fallback xmlns="">
       <p:transition spd="med">
         <p:fade/>
       </p:transition>
@@ -10931,7 +10943,7 @@
           <p:cNvPr id="3" name="Titel 2">
             <a:extLst>
               <a:ext uri="{FF2B5EF4-FFF2-40B4-BE49-F238E27FC236}">
-                <a16:creationId xmlns:a16="http://schemas.microsoft.com/office/drawing/2014/main" xmlns="" id="{63C7D172-FC92-434E-B470-FAA094A59867}"/>
+                <a16:creationId xmlns="" xmlns:a16="http://schemas.microsoft.com/office/drawing/2014/main" id="{63C7D172-FC92-434E-B470-FAA094A59867}"/>
               </a:ext>
             </a:extLst>
           </p:cNvPr>
@@ -10973,7 +10985,7 @@
           <p:cNvPr id="39" name="Rechteck: eine Ecke abgeschnitten 38">
             <a:extLst>
               <a:ext uri="{FF2B5EF4-FFF2-40B4-BE49-F238E27FC236}">
-                <a16:creationId xmlns:a16="http://schemas.microsoft.com/office/drawing/2014/main" xmlns="" id="{35A1CA5D-A98E-4E51-8F6A-21040C3F3A89}"/>
+                <a16:creationId xmlns="" xmlns:a16="http://schemas.microsoft.com/office/drawing/2014/main" id="{35A1CA5D-A98E-4E51-8F6A-21040C3F3A89}"/>
               </a:ext>
             </a:extLst>
           </p:cNvPr>
@@ -11019,7 +11031,7 @@
           <p:cNvPr id="41" name="Rechteck 40">
             <a:extLst>
               <a:ext uri="{FF2B5EF4-FFF2-40B4-BE49-F238E27FC236}">
-                <a16:creationId xmlns:a16="http://schemas.microsoft.com/office/drawing/2014/main" xmlns="" id="{683F4D17-097B-4D4B-9CE9-EA31A03EB1B9}"/>
+                <a16:creationId xmlns="" xmlns:a16="http://schemas.microsoft.com/office/drawing/2014/main" id="{683F4D17-097B-4D4B-9CE9-EA31A03EB1B9}"/>
               </a:ext>
             </a:extLst>
           </p:cNvPr>
@@ -11065,7 +11077,7 @@
           <p:cNvPr id="43" name="Grafik 4" descr="tierpark-OG-1200x630.jpg">
             <a:extLst>
               <a:ext uri="{FF2B5EF4-FFF2-40B4-BE49-F238E27FC236}">
-                <a16:creationId xmlns:a16="http://schemas.microsoft.com/office/drawing/2014/main" xmlns="" id="{2987B278-887D-48DA-B85D-5A65B257CB03}"/>
+                <a16:creationId xmlns="" xmlns:a16="http://schemas.microsoft.com/office/drawing/2014/main" id="{2987B278-887D-48DA-B85D-5A65B257CB03}"/>
               </a:ext>
             </a:extLst>
           </p:cNvPr>
@@ -11095,7 +11107,7 @@
           <p:cNvPr id="44" name="Gerade Verbindung mit Pfeil 43">
             <a:extLst>
               <a:ext uri="{FF2B5EF4-FFF2-40B4-BE49-F238E27FC236}">
-                <a16:creationId xmlns:a16="http://schemas.microsoft.com/office/drawing/2014/main" xmlns="" id="{D2CA3D24-4045-4BFC-A038-0B0E43F8FAE9}"/>
+                <a16:creationId xmlns="" xmlns:a16="http://schemas.microsoft.com/office/drawing/2014/main" id="{D2CA3D24-4045-4BFC-A038-0B0E43F8FAE9}"/>
               </a:ext>
             </a:extLst>
           </p:cNvPr>
@@ -11138,7 +11150,7 @@
           <p:cNvPr id="45" name="Grafik 5" descr="campuscard_transparent.png">
             <a:extLst>
               <a:ext uri="{FF2B5EF4-FFF2-40B4-BE49-F238E27FC236}">
-                <a16:creationId xmlns:a16="http://schemas.microsoft.com/office/drawing/2014/main" xmlns="" id="{9BA6D212-75FE-4AA6-9E00-3F88CEA41FF3}"/>
+                <a16:creationId xmlns="" xmlns:a16="http://schemas.microsoft.com/office/drawing/2014/main" id="{9BA6D212-75FE-4AA6-9E00-3F88CEA41FF3}"/>
               </a:ext>
             </a:extLst>
           </p:cNvPr>
@@ -11168,7 +11180,7 @@
           <p:cNvPr id="46" name="Smiley 45">
             <a:extLst>
               <a:ext uri="{FF2B5EF4-FFF2-40B4-BE49-F238E27FC236}">
-                <a16:creationId xmlns:a16="http://schemas.microsoft.com/office/drawing/2014/main" xmlns="" id="{AFA5CBC4-6D03-4BE0-A8D9-CE845C6C42D3}"/>
+                <a16:creationId xmlns="" xmlns:a16="http://schemas.microsoft.com/office/drawing/2014/main" id="{AFA5CBC4-6D03-4BE0-A8D9-CE845C6C42D3}"/>
               </a:ext>
             </a:extLst>
           </p:cNvPr>
@@ -11213,7 +11225,7 @@
           <p:cNvPr id="47" name="Gerade Verbindung mit Pfeil 46">
             <a:extLst>
               <a:ext uri="{FF2B5EF4-FFF2-40B4-BE49-F238E27FC236}">
-                <a16:creationId xmlns:a16="http://schemas.microsoft.com/office/drawing/2014/main" xmlns="" id="{7ACB201A-8BCA-4BE9-A20E-B6FA2467C4DB}"/>
+                <a16:creationId xmlns="" xmlns:a16="http://schemas.microsoft.com/office/drawing/2014/main" id="{7ACB201A-8BCA-4BE9-A20E-B6FA2467C4DB}"/>
               </a:ext>
             </a:extLst>
           </p:cNvPr>
@@ -11251,7 +11263,7 @@
           <p:cNvPr id="48" name="Gerade Verbindung mit Pfeil 47">
             <a:extLst>
               <a:ext uri="{FF2B5EF4-FFF2-40B4-BE49-F238E27FC236}">
-                <a16:creationId xmlns:a16="http://schemas.microsoft.com/office/drawing/2014/main" xmlns="" id="{B66439A2-1DD6-48E1-8FA3-D49AFB788C86}"/>
+                <a16:creationId xmlns="" xmlns:a16="http://schemas.microsoft.com/office/drawing/2014/main" id="{B66439A2-1DD6-48E1-8FA3-D49AFB788C86}"/>
               </a:ext>
             </a:extLst>
           </p:cNvPr>
@@ -11289,7 +11301,7 @@
           <p:cNvPr id="49" name="Gerade Verbindung mit Pfeil 48">
             <a:extLst>
               <a:ext uri="{FF2B5EF4-FFF2-40B4-BE49-F238E27FC236}">
-                <a16:creationId xmlns:a16="http://schemas.microsoft.com/office/drawing/2014/main" xmlns="" id="{9FE3CF39-AA90-4D97-B41C-BF45D930FF24}"/>
+                <a16:creationId xmlns="" xmlns:a16="http://schemas.microsoft.com/office/drawing/2014/main" id="{9FE3CF39-AA90-4D97-B41C-BF45D930FF24}"/>
               </a:ext>
             </a:extLst>
           </p:cNvPr>
@@ -11327,7 +11339,7 @@
           <p:cNvPr id="50" name="Gerade Verbindung mit Pfeil 49">
             <a:extLst>
               <a:ext uri="{FF2B5EF4-FFF2-40B4-BE49-F238E27FC236}">
-                <a16:creationId xmlns:a16="http://schemas.microsoft.com/office/drawing/2014/main" xmlns="" id="{0AC1D7CA-B603-42BB-AC32-114FA90F78C0}"/>
+                <a16:creationId xmlns="" xmlns:a16="http://schemas.microsoft.com/office/drawing/2014/main" id="{0AC1D7CA-B603-42BB-AC32-114FA90F78C0}"/>
               </a:ext>
             </a:extLst>
           </p:cNvPr>
@@ -11365,7 +11377,7 @@
           <p:cNvPr id="2" name="Grafik 5" descr="campuscard_transparent.png">
             <a:extLst>
               <a:ext uri="{FF2B5EF4-FFF2-40B4-BE49-F238E27FC236}">
-                <a16:creationId xmlns:a16="http://schemas.microsoft.com/office/drawing/2014/main" xmlns="" id="{2CFA70B4-5409-46FD-A93B-873B900B61CE}"/>
+                <a16:creationId xmlns="" xmlns:a16="http://schemas.microsoft.com/office/drawing/2014/main" id="{2CFA70B4-5409-46FD-A93B-873B900B61CE}"/>
               </a:ext>
             </a:extLst>
           </p:cNvPr>
@@ -11395,7 +11407,7 @@
           <p:cNvPr id="5" name="Textfeld 4">
             <a:extLst>
               <a:ext uri="{FF2B5EF4-FFF2-40B4-BE49-F238E27FC236}">
-                <a16:creationId xmlns:a16="http://schemas.microsoft.com/office/drawing/2014/main" xmlns="" id="{2C1B0166-9D52-4627-AC35-9FDE948ED390}"/>
+                <a16:creationId xmlns="" xmlns:a16="http://schemas.microsoft.com/office/drawing/2014/main" id="{2C1B0166-9D52-4627-AC35-9FDE948ED390}"/>
               </a:ext>
             </a:extLst>
           </p:cNvPr>
@@ -11433,7 +11445,7 @@
           <p:cNvPr id="6" name="Pfeil: nach rechts 5">
             <a:extLst>
               <a:ext uri="{FF2B5EF4-FFF2-40B4-BE49-F238E27FC236}">
-                <a16:creationId xmlns:a16="http://schemas.microsoft.com/office/drawing/2014/main" xmlns="" id="{68EDDD2D-2FD4-454C-9636-756ED50585E5}"/>
+                <a16:creationId xmlns="" xmlns:a16="http://schemas.microsoft.com/office/drawing/2014/main" id="{68EDDD2D-2FD4-454C-9636-756ED50585E5}"/>
               </a:ext>
             </a:extLst>
           </p:cNvPr>
@@ -11479,7 +11491,7 @@
           <p:cNvPr id="60" name="Rechteck: eine Ecke abgeschnitten 59">
             <a:extLst>
               <a:ext uri="{FF2B5EF4-FFF2-40B4-BE49-F238E27FC236}">
-                <a16:creationId xmlns:a16="http://schemas.microsoft.com/office/drawing/2014/main" xmlns="" id="{E4803B89-5138-4A4A-8BF7-67D8D6B7BBAC}"/>
+                <a16:creationId xmlns="" xmlns:a16="http://schemas.microsoft.com/office/drawing/2014/main" id="{E4803B89-5138-4A4A-8BF7-67D8D6B7BBAC}"/>
               </a:ext>
             </a:extLst>
           </p:cNvPr>
@@ -11525,7 +11537,7 @@
           <p:cNvPr id="61" name="Rechteck 60">
             <a:extLst>
               <a:ext uri="{FF2B5EF4-FFF2-40B4-BE49-F238E27FC236}">
-                <a16:creationId xmlns:a16="http://schemas.microsoft.com/office/drawing/2014/main" xmlns="" id="{517A8F7F-22E0-414A-A07D-465CA09DDC81}"/>
+                <a16:creationId xmlns="" xmlns:a16="http://schemas.microsoft.com/office/drawing/2014/main" id="{517A8F7F-22E0-414A-A07D-465CA09DDC81}"/>
               </a:ext>
             </a:extLst>
           </p:cNvPr>
@@ -11571,7 +11583,7 @@
           <p:cNvPr id="62" name="Grafik 4" descr="tierpark-OG-1200x630.jpg">
             <a:extLst>
               <a:ext uri="{FF2B5EF4-FFF2-40B4-BE49-F238E27FC236}">
-                <a16:creationId xmlns:a16="http://schemas.microsoft.com/office/drawing/2014/main" xmlns="" id="{A08FCA8F-E3C4-424C-9B7A-7D4F837E48E7}"/>
+                <a16:creationId xmlns="" xmlns:a16="http://schemas.microsoft.com/office/drawing/2014/main" id="{A08FCA8F-E3C4-424C-9B7A-7D4F837E48E7}"/>
               </a:ext>
             </a:extLst>
           </p:cNvPr>
@@ -11601,7 +11613,7 @@
           <p:cNvPr id="63" name="Gerade Verbindung mit Pfeil 62">
             <a:extLst>
               <a:ext uri="{FF2B5EF4-FFF2-40B4-BE49-F238E27FC236}">
-                <a16:creationId xmlns:a16="http://schemas.microsoft.com/office/drawing/2014/main" xmlns="" id="{86A6C3C2-BDB7-4B3C-B649-85B83C133503}"/>
+                <a16:creationId xmlns="" xmlns:a16="http://schemas.microsoft.com/office/drawing/2014/main" id="{86A6C3C2-BDB7-4B3C-B649-85B83C133503}"/>
               </a:ext>
             </a:extLst>
           </p:cNvPr>
@@ -11644,7 +11656,7 @@
           <p:cNvPr id="64" name="Grafik 5" descr="campuscard_transparent.png">
             <a:extLst>
               <a:ext uri="{FF2B5EF4-FFF2-40B4-BE49-F238E27FC236}">
-                <a16:creationId xmlns:a16="http://schemas.microsoft.com/office/drawing/2014/main" xmlns="" id="{E99DD33B-52DE-4779-BE61-0CAD5A07DE42}"/>
+                <a16:creationId xmlns="" xmlns:a16="http://schemas.microsoft.com/office/drawing/2014/main" id="{E99DD33B-52DE-4779-BE61-0CAD5A07DE42}"/>
               </a:ext>
             </a:extLst>
           </p:cNvPr>
@@ -11674,7 +11686,7 @@
           <p:cNvPr id="65" name="Smiley 64">
             <a:extLst>
               <a:ext uri="{FF2B5EF4-FFF2-40B4-BE49-F238E27FC236}">
-                <a16:creationId xmlns:a16="http://schemas.microsoft.com/office/drawing/2014/main" xmlns="" id="{7C522E88-59D0-4341-961B-C49990B4189F}"/>
+                <a16:creationId xmlns="" xmlns:a16="http://schemas.microsoft.com/office/drawing/2014/main" id="{7C522E88-59D0-4341-961B-C49990B4189F}"/>
               </a:ext>
             </a:extLst>
           </p:cNvPr>
@@ -11719,7 +11731,7 @@
           <p:cNvPr id="66" name="Gerade Verbindung mit Pfeil 65">
             <a:extLst>
               <a:ext uri="{FF2B5EF4-FFF2-40B4-BE49-F238E27FC236}">
-                <a16:creationId xmlns:a16="http://schemas.microsoft.com/office/drawing/2014/main" xmlns="" id="{405A4D64-691B-41F0-9794-EBA74AE6E0FC}"/>
+                <a16:creationId xmlns="" xmlns:a16="http://schemas.microsoft.com/office/drawing/2014/main" id="{405A4D64-691B-41F0-9794-EBA74AE6E0FC}"/>
               </a:ext>
             </a:extLst>
           </p:cNvPr>
@@ -11757,7 +11769,7 @@
           <p:cNvPr id="67" name="Gerade Verbindung mit Pfeil 66">
             <a:extLst>
               <a:ext uri="{FF2B5EF4-FFF2-40B4-BE49-F238E27FC236}">
-                <a16:creationId xmlns:a16="http://schemas.microsoft.com/office/drawing/2014/main" xmlns="" id="{5325ED61-BD91-4CBD-A9A2-7BD9071813BE}"/>
+                <a16:creationId xmlns="" xmlns:a16="http://schemas.microsoft.com/office/drawing/2014/main" id="{5325ED61-BD91-4CBD-A9A2-7BD9071813BE}"/>
               </a:ext>
             </a:extLst>
           </p:cNvPr>
@@ -11795,7 +11807,7 @@
           <p:cNvPr id="68" name="Gerade Verbindung mit Pfeil 67">
             <a:extLst>
               <a:ext uri="{FF2B5EF4-FFF2-40B4-BE49-F238E27FC236}">
-                <a16:creationId xmlns:a16="http://schemas.microsoft.com/office/drawing/2014/main" xmlns="" id="{B0AAAECA-1437-4F3A-B389-FB50C68CD22A}"/>
+                <a16:creationId xmlns="" xmlns:a16="http://schemas.microsoft.com/office/drawing/2014/main" id="{B0AAAECA-1437-4F3A-B389-FB50C68CD22A}"/>
               </a:ext>
             </a:extLst>
           </p:cNvPr>
@@ -11833,7 +11845,7 @@
           <p:cNvPr id="69" name="Gerade Verbindung mit Pfeil 68">
             <a:extLst>
               <a:ext uri="{FF2B5EF4-FFF2-40B4-BE49-F238E27FC236}">
-                <a16:creationId xmlns:a16="http://schemas.microsoft.com/office/drawing/2014/main" xmlns="" id="{6A008AF9-137D-4F45-A5E9-872457677029}"/>
+                <a16:creationId xmlns="" xmlns:a16="http://schemas.microsoft.com/office/drawing/2014/main" id="{6A008AF9-137D-4F45-A5E9-872457677029}"/>
               </a:ext>
             </a:extLst>
           </p:cNvPr>
@@ -11871,7 +11883,7 @@
           <p:cNvPr id="71" name="Textfeld 70">
             <a:extLst>
               <a:ext uri="{FF2B5EF4-FFF2-40B4-BE49-F238E27FC236}">
-                <a16:creationId xmlns:a16="http://schemas.microsoft.com/office/drawing/2014/main" xmlns="" id="{5A0DA4AC-566B-446C-B491-FECB51B30F5C}"/>
+                <a16:creationId xmlns="" xmlns:a16="http://schemas.microsoft.com/office/drawing/2014/main" id="{5A0DA4AC-566B-446C-B491-FECB51B30F5C}"/>
               </a:ext>
             </a:extLst>
           </p:cNvPr>
@@ -11921,7 +11933,7 @@
           <p:cNvPr id="72" name="Pfeil: nach rechts 71">
             <a:extLst>
               <a:ext uri="{FF2B5EF4-FFF2-40B4-BE49-F238E27FC236}">
-                <a16:creationId xmlns:a16="http://schemas.microsoft.com/office/drawing/2014/main" xmlns="" id="{2B33269B-477A-4438-A8C6-59488524CCA9}"/>
+                <a16:creationId xmlns="" xmlns:a16="http://schemas.microsoft.com/office/drawing/2014/main" id="{2B33269B-477A-4438-A8C6-59488524CCA9}"/>
               </a:ext>
             </a:extLst>
           </p:cNvPr>
@@ -11967,7 +11979,7 @@
           <p:cNvPr id="73" name="Smiley 72">
             <a:extLst>
               <a:ext uri="{FF2B5EF4-FFF2-40B4-BE49-F238E27FC236}">
-                <a16:creationId xmlns:a16="http://schemas.microsoft.com/office/drawing/2014/main" xmlns="" id="{1EDC022F-091C-4C55-9E36-559CF0EFDAC6}"/>
+                <a16:creationId xmlns="" xmlns:a16="http://schemas.microsoft.com/office/drawing/2014/main" id="{1EDC022F-091C-4C55-9E36-559CF0EFDAC6}"/>
               </a:ext>
             </a:extLst>
           </p:cNvPr>
@@ -12012,7 +12024,7 @@
           <p:cNvPr id="74" name="Gerade Verbindung mit Pfeil 73">
             <a:extLst>
               <a:ext uri="{FF2B5EF4-FFF2-40B4-BE49-F238E27FC236}">
-                <a16:creationId xmlns:a16="http://schemas.microsoft.com/office/drawing/2014/main" xmlns="" id="{C0575A62-EDE5-4FD7-8C4E-7A0BF3F6CB5D}"/>
+                <a16:creationId xmlns="" xmlns:a16="http://schemas.microsoft.com/office/drawing/2014/main" id="{C0575A62-EDE5-4FD7-8C4E-7A0BF3F6CB5D}"/>
               </a:ext>
             </a:extLst>
           </p:cNvPr>
@@ -12050,7 +12062,7 @@
           <p:cNvPr id="75" name="Gerade Verbindung mit Pfeil 74">
             <a:extLst>
               <a:ext uri="{FF2B5EF4-FFF2-40B4-BE49-F238E27FC236}">
-                <a16:creationId xmlns:a16="http://schemas.microsoft.com/office/drawing/2014/main" xmlns="" id="{5BEC47D8-4806-4B0E-9DB5-67930846B1BA}"/>
+                <a16:creationId xmlns="" xmlns:a16="http://schemas.microsoft.com/office/drawing/2014/main" id="{5BEC47D8-4806-4B0E-9DB5-67930846B1BA}"/>
               </a:ext>
             </a:extLst>
           </p:cNvPr>
@@ -12088,7 +12100,7 @@
           <p:cNvPr id="76" name="Gerade Verbindung mit Pfeil 75">
             <a:extLst>
               <a:ext uri="{FF2B5EF4-FFF2-40B4-BE49-F238E27FC236}">
-                <a16:creationId xmlns:a16="http://schemas.microsoft.com/office/drawing/2014/main" xmlns="" id="{EC78D543-1CEA-4DB2-B084-5052014A90C9}"/>
+                <a16:creationId xmlns="" xmlns:a16="http://schemas.microsoft.com/office/drawing/2014/main" id="{EC78D543-1CEA-4DB2-B084-5052014A90C9}"/>
               </a:ext>
             </a:extLst>
           </p:cNvPr>
@@ -12126,7 +12138,7 @@
           <p:cNvPr id="77" name="Gerade Verbindung mit Pfeil 76">
             <a:extLst>
               <a:ext uri="{FF2B5EF4-FFF2-40B4-BE49-F238E27FC236}">
-                <a16:creationId xmlns:a16="http://schemas.microsoft.com/office/drawing/2014/main" xmlns="" id="{550F6B19-EDCA-4793-9459-D527FEA411F5}"/>
+                <a16:creationId xmlns="" xmlns:a16="http://schemas.microsoft.com/office/drawing/2014/main" id="{550F6B19-EDCA-4793-9459-D527FEA411F5}"/>
               </a:ext>
             </a:extLst>
           </p:cNvPr>
@@ -12169,13 +12181,13 @@
   <p:clrMapOvr>
     <a:masterClrMapping/>
   </p:clrMapOvr>
-  <mc:AlternateContent xmlns:mc="http://schemas.openxmlformats.org/markup-compatibility/2006">
-    <mc:Choice xmlns:p14="http://schemas.microsoft.com/office/powerpoint/2010/main" Requires="p14">
+  <mc:AlternateContent xmlns:mc="http://schemas.openxmlformats.org/markup-compatibility/2006" xmlns:p14="http://schemas.microsoft.com/office/powerpoint/2010/main">
+    <mc:Choice Requires="p14">
       <p:transition spd="med" p14:dur="700">
         <p:fade/>
       </p:transition>
     </mc:Choice>
-    <mc:Fallback>
+    <mc:Fallback xmlns="">
       <p:transition spd="med">
         <p:fade/>
       </p:transition>
@@ -12946,13 +12958,13 @@
   <p:clrMapOvr>
     <a:masterClrMapping/>
   </p:clrMapOvr>
-  <mc:AlternateContent xmlns:mc="http://schemas.openxmlformats.org/markup-compatibility/2006">
-    <mc:Choice xmlns:p14="http://schemas.microsoft.com/office/powerpoint/2010/main" Requires="p14">
+  <mc:AlternateContent xmlns:mc="http://schemas.openxmlformats.org/markup-compatibility/2006" xmlns:p14="http://schemas.microsoft.com/office/powerpoint/2010/main">
+    <mc:Choice Requires="p14">
       <p:transition spd="med" p14:dur="700">
         <p:fade/>
       </p:transition>
     </mc:Choice>
-    <mc:Fallback>
+    <mc:Fallback xmlns="">
       <p:transition spd="med">
         <p:fade/>
       </p:transition>
@@ -12998,7 +13010,7 @@
           <p:cNvPr id="6" name="Grafik 6" descr="pfau.jpg">
             <a:extLst>
               <a:ext uri="{FF2B5EF4-FFF2-40B4-BE49-F238E27FC236}">
-                <a16:creationId xmlns:a16="http://schemas.microsoft.com/office/drawing/2014/main" xmlns="" id="{B43D1FDD-7217-4A8A-AA29-B86EB54E976A}"/>
+                <a16:creationId xmlns="" xmlns:a16="http://schemas.microsoft.com/office/drawing/2014/main" id="{B43D1FDD-7217-4A8A-AA29-B86EB54E976A}"/>
               </a:ext>
             </a:extLst>
           </p:cNvPr>
@@ -13029,7 +13041,7 @@
           <p:cNvPr id="12" name="Rectangle 12">
             <a:extLst>
               <a:ext uri="{FF2B5EF4-FFF2-40B4-BE49-F238E27FC236}">
-                <a16:creationId xmlns:a16="http://schemas.microsoft.com/office/drawing/2014/main" xmlns="" id="{6F772A9A-A923-4EE2-95F3-8BB66C13D1D2}"/>
+                <a16:creationId xmlns="" xmlns:a16="http://schemas.microsoft.com/office/drawing/2014/main" id="{6F772A9A-A923-4EE2-95F3-8BB66C13D1D2}"/>
               </a:ext>
             </a:extLst>
           </p:cNvPr>
@@ -13180,7 +13192,7 @@
           <p:cNvPr id="3" name="Titel 2">
             <a:extLst>
               <a:ext uri="{FF2B5EF4-FFF2-40B4-BE49-F238E27FC236}">
-                <a16:creationId xmlns:a16="http://schemas.microsoft.com/office/drawing/2014/main" xmlns="" id="{26599F58-DBAF-456B-AF48-4E620E7B0F92}"/>
+                <a16:creationId xmlns="" xmlns:a16="http://schemas.microsoft.com/office/drawing/2014/main" id="{26599F58-DBAF-456B-AF48-4E620E7B0F92}"/>
               </a:ext>
             </a:extLst>
           </p:cNvPr>
@@ -13220,7 +13232,7 @@
           <p:cNvPr id="9" name="Textfeld 8">
             <a:extLst>
               <a:ext uri="{FF2B5EF4-FFF2-40B4-BE49-F238E27FC236}">
-                <a16:creationId xmlns:a16="http://schemas.microsoft.com/office/drawing/2014/main" xmlns="" id="{029E4C71-1868-40E6-B2C6-2F2E4E9AFB25}"/>
+                <a16:creationId xmlns="" xmlns:a16="http://schemas.microsoft.com/office/drawing/2014/main" id="{029E4C71-1868-40E6-B2C6-2F2E4E9AFB25}"/>
               </a:ext>
             </a:extLst>
           </p:cNvPr>
@@ -13267,13 +13279,13 @@
   <p:clrMapOvr>
     <a:masterClrMapping/>
   </p:clrMapOvr>
-  <mc:AlternateContent xmlns:mc="http://schemas.openxmlformats.org/markup-compatibility/2006">
-    <mc:Choice xmlns:p14="http://schemas.microsoft.com/office/powerpoint/2010/main" Requires="p14">
+  <mc:AlternateContent xmlns:mc="http://schemas.openxmlformats.org/markup-compatibility/2006" xmlns:p14="http://schemas.microsoft.com/office/powerpoint/2010/main">
+    <mc:Choice Requires="p14">
       <p:transition spd="med" p14:dur="700">
         <p:fade/>
       </p:transition>
     </mc:Choice>
-    <mc:Fallback>
+    <mc:Fallback xmlns="">
       <p:transition spd="med">
         <p:fade/>
       </p:transition>
@@ -13537,7 +13549,7 @@
   <a:extraClrSchemeLst/>
   <a:extLst>
     <a:ext uri="{05A4C25C-085E-4340-85A3-A5531E510DB2}">
-      <thm15:themeFamily xmlns:thm15="http://schemas.microsoft.com/office/thememl/2012/main" xmlns="" name="Office Theme" id="{62F939B6-93AF-4DB8-9C6B-D6C7DFDC589F}" vid="{4A3C46E8-61CC-4603-A589-7422A47A8E4A}"/>
+      <thm15:themeFamily xmlns="" xmlns:thm15="http://schemas.microsoft.com/office/thememl/2012/main" name="Office Theme" id="{62F939B6-93AF-4DB8-9C6B-D6C7DFDC589F}" vid="{4A3C46E8-61CC-4603-A589-7422A47A8E4A}"/>
     </a:ext>
   </a:extLst>
 </a:theme>
@@ -13832,7 +13844,7 @@
   <a:extraClrSchemeLst/>
   <a:extLst>
     <a:ext uri="{05A4C25C-085E-4340-85A3-A5531E510DB2}">
-      <thm15:themeFamily xmlns:thm15="http://schemas.microsoft.com/office/thememl/2012/main" xmlns="" name="Office Theme" id="{62F939B6-93AF-4DB8-9C6B-D6C7DFDC589F}" vid="{4A3C46E8-61CC-4603-A589-7422A47A8E4A}"/>
+      <thm15:themeFamily xmlns="" xmlns:thm15="http://schemas.microsoft.com/office/thememl/2012/main" name="Office Theme" id="{62F939B6-93AF-4DB8-9C6B-D6C7DFDC589F}" vid="{4A3C46E8-61CC-4603-A589-7422A47A8E4A}"/>
     </a:ext>
   </a:extLst>
 </a:theme>

--- a/Endvortrag/Endpräsentation.pptx
+++ b/Endvortrag/Endpräsentation.pptx
@@ -118,7 +118,7 @@
   </p:defaultTextStyle>
   <p:extLst>
     <p:ext uri="{EFAFB233-063F-42B5-8137-9DF3F51BA10A}">
-      <p15:sldGuideLst xmlns="" xmlns:p15="http://schemas.microsoft.com/office/powerpoint/2012/main">
+      <p15:sldGuideLst xmlns:p15="http://schemas.microsoft.com/office/powerpoint/2012/main">
         <p15:guide id="1" orient="horz" pos="2160">
           <p15:clr>
             <a:srgbClr val="A4A3A4"/>
@@ -133,6 +133,10 @@
     </p:ext>
   </p:extLst>
 </p:presentation>
+</file>
+
+<file path=ppt/revisionInfo.xml><?xml version="1.0" encoding="utf-8"?>
+<p1510:revInfo xmlns:a="http://schemas.openxmlformats.org/drawingml/2006/main" xmlns:r="http://schemas.openxmlformats.org/officeDocument/2006/relationships" xmlns:p1510="http://schemas.microsoft.com/office/powerpoint/2015/10/main"/>
 </file>
 
 <file path=ppt/notesMasters/notesMaster1.xml><?xml version="1.0" encoding="utf-8"?>
@@ -217,7 +221,7 @@
           <a:p>
             <a:fld id="{683D44F8-09BE-4E2C-8664-003F66647BE5}" type="datetimeFigureOut">
               <a:rPr lang="de-DE"/>
-              <a:t>07.12.2017</a:t>
+              <a:t>09.12.2017</a:t>
             </a:fld>
             <a:endParaRPr lang="de-DE"/>
           </a:p>
@@ -529,23 +533,23 @@
           <a:lstStyle/>
           <a:p>
             <a:r>
-              <a:rPr lang="de-DE" noProof="0" dirty="0" smtClean="0"/>
+              <a:rPr lang="de-DE" noProof="0" dirty="0"/>
               <a:t>“Ich bin Student,</a:t>
             </a:r>
             <a:r>
-              <a:rPr lang="de-DE" baseline="0" noProof="0" dirty="0" smtClean="0"/>
+              <a:rPr lang="de-DE" baseline="0" noProof="0" dirty="0"/>
               <a:t> habe Pause und möchte gerne in den Tierpark, weil schön”</a:t>
             </a:r>
           </a:p>
           <a:p>
             <a:r>
-              <a:rPr lang="de-DE" baseline="0" noProof="0" dirty="0" smtClean="0"/>
+              <a:rPr lang="de-DE" baseline="0" noProof="0" dirty="0"/>
               <a:t>“Es gab doch so ein Zeitkartensystem, wo jeder 1h Test-Stunde bekommen hat…”</a:t>
             </a:r>
           </a:p>
           <a:p>
             <a:r>
-              <a:rPr lang="de-DE" baseline="0" noProof="0" dirty="0" smtClean="0"/>
+              <a:rPr lang="de-DE" baseline="0" noProof="0" dirty="0"/>
               <a:t>“Probiere ich mal aus…”</a:t>
             </a:r>
             <a:endParaRPr lang="de-DE" noProof="0" dirty="0"/>
@@ -637,11 +641,11 @@
               <a:buChar char="-"/>
             </a:pPr>
             <a:r>
-              <a:rPr lang="de-DE" dirty="0" smtClean="0"/>
+              <a:rPr lang="de-DE" dirty="0"/>
               <a:t>Kooperation zwischen HWR</a:t>
             </a:r>
             <a:r>
-              <a:rPr lang="de-DE" baseline="0" dirty="0" smtClean="0"/>
+              <a:rPr lang="de-DE" baseline="0" dirty="0"/>
               <a:t> und Tierpark</a:t>
             </a:r>
           </a:p>
@@ -651,7 +655,7 @@
               <a:buChar char="-"/>
             </a:pPr>
             <a:r>
-              <a:rPr lang="de-DE" baseline="0" dirty="0" smtClean="0"/>
+              <a:rPr lang="de-DE" baseline="0" dirty="0"/>
               <a:t>Ziel: Campusattraktivität erhöhen, höhere Besucherzahlen</a:t>
             </a:r>
           </a:p>
@@ -661,15 +665,15 @@
               <a:buChar char="-"/>
             </a:pPr>
             <a:r>
-              <a:rPr lang="de-DE" baseline="0" dirty="0" smtClean="0"/>
+              <a:rPr lang="de-DE" baseline="0" dirty="0"/>
               <a:t>Gespräche zwischen HWR-</a:t>
             </a:r>
             <a:r>
-              <a:rPr lang="de-DE" baseline="0" dirty="0" err="1" smtClean="0"/>
+              <a:rPr lang="de-DE" baseline="0" dirty="0" err="1"/>
               <a:t>Präsi</a:t>
             </a:r>
             <a:r>
-              <a:rPr lang="de-DE" baseline="0" dirty="0" smtClean="0"/>
+              <a:rPr lang="de-DE" baseline="0" dirty="0"/>
               <a:t>, Tierpark, Politikern =&gt; Ziel Studienprojekt</a:t>
             </a:r>
           </a:p>
@@ -679,31 +683,31 @@
               <a:buChar char="-"/>
             </a:pPr>
             <a:r>
-              <a:rPr lang="de-DE" baseline="0" dirty="0" smtClean="0"/>
+              <a:rPr lang="de-DE" baseline="0" dirty="0"/>
               <a:t>wir sind nur Teil </a:t>
             </a:r>
             <a:r>
-              <a:rPr lang="de-DE" baseline="0" smtClean="0"/>
+              <a:rPr lang="de-DE" baseline="0"/>
               <a:t>des </a:t>
             </a:r>
             <a:r>
-              <a:rPr lang="de-DE" baseline="0" dirty="0" err="1" smtClean="0"/>
+              <a:rPr lang="de-DE" baseline="0" dirty="0" err="1"/>
               <a:t>P</a:t>
             </a:r>
             <a:r>
-              <a:rPr lang="de-DE" baseline="0" smtClean="0"/>
+              <a:rPr lang="de-DE" baseline="0"/>
               <a:t>rojektes </a:t>
             </a:r>
             <a:r>
-              <a:rPr lang="de-DE" baseline="0" dirty="0" smtClean="0"/>
+              <a:rPr lang="de-DE" baseline="0" dirty="0"/>
               <a:t>(mit FM und </a:t>
             </a:r>
             <a:r>
-              <a:rPr lang="de-DE" baseline="0" dirty="0" err="1" smtClean="0"/>
+              <a:rPr lang="de-DE" baseline="0" dirty="0" err="1"/>
               <a:t>Bauinge</a:t>
             </a:r>
             <a:r>
-              <a:rPr lang="de-DE" baseline="0" dirty="0" smtClean="0"/>
+              <a:rPr lang="de-DE" baseline="0" dirty="0"/>
               <a:t>)</a:t>
             </a:r>
           </a:p>
@@ -713,7 +717,7 @@
               <a:buChar char="-"/>
             </a:pPr>
             <a:r>
-              <a:rPr lang="de-DE" baseline="0" dirty="0" smtClean="0"/>
+              <a:rPr lang="de-DE" baseline="0" dirty="0"/>
               <a:t>Anforderungen: Jahreskarte, personenbezogen</a:t>
             </a:r>
             <a:endParaRPr lang="de-DE" dirty="0"/>
@@ -1139,7 +1143,7 @@
           <a:p>
             <a:fld id="{D3EB3054-B75A-4BD7-8B3E-8DC0F614FAF3}" type="datetimeFigureOut">
               <a:rPr lang="de-DE" smtClean="0"/>
-              <a:t>07.12.2017</a:t>
+              <a:t>09.12.2017</a:t>
             </a:fld>
             <a:endParaRPr lang="de-DE"/>
           </a:p>
@@ -1307,7 +1311,7 @@
           <a:p>
             <a:fld id="{D3EB3054-B75A-4BD7-8B3E-8DC0F614FAF3}" type="datetimeFigureOut">
               <a:rPr lang="de-DE" smtClean="0"/>
-              <a:t>07.12.2017</a:t>
+              <a:t>09.12.2017</a:t>
             </a:fld>
             <a:endParaRPr lang="de-DE"/>
           </a:p>
@@ -1485,7 +1489,7 @@
           <a:p>
             <a:fld id="{D3EB3054-B75A-4BD7-8B3E-8DC0F614FAF3}" type="datetimeFigureOut">
               <a:rPr lang="de-DE" smtClean="0"/>
-              <a:t>07.12.2017</a:t>
+              <a:t>09.12.2017</a:t>
             </a:fld>
             <a:endParaRPr lang="de-DE"/>
           </a:p>
@@ -1653,7 +1657,7 @@
           <a:p>
             <a:fld id="{D3EB3054-B75A-4BD7-8B3E-8DC0F614FAF3}" type="datetimeFigureOut">
               <a:rPr lang="de-DE" smtClean="0"/>
-              <a:t>07.12.2017</a:t>
+              <a:t>09.12.2017</a:t>
             </a:fld>
             <a:endParaRPr lang="de-DE"/>
           </a:p>
@@ -1898,7 +1902,7 @@
           <a:p>
             <a:fld id="{D3EB3054-B75A-4BD7-8B3E-8DC0F614FAF3}" type="datetimeFigureOut">
               <a:rPr lang="de-DE" smtClean="0"/>
-              <a:t>07.12.2017</a:t>
+              <a:t>09.12.2017</a:t>
             </a:fld>
             <a:endParaRPr lang="de-DE"/>
           </a:p>
@@ -2127,7 +2131,7 @@
           <a:p>
             <a:fld id="{D3EB3054-B75A-4BD7-8B3E-8DC0F614FAF3}" type="datetimeFigureOut">
               <a:rPr lang="de-DE" smtClean="0"/>
-              <a:t>07.12.2017</a:t>
+              <a:t>09.12.2017</a:t>
             </a:fld>
             <a:endParaRPr lang="de-DE"/>
           </a:p>
@@ -2491,7 +2495,7 @@
           <a:p>
             <a:fld id="{D3EB3054-B75A-4BD7-8B3E-8DC0F614FAF3}" type="datetimeFigureOut">
               <a:rPr lang="de-DE" smtClean="0"/>
-              <a:t>07.12.2017</a:t>
+              <a:t>09.12.2017</a:t>
             </a:fld>
             <a:endParaRPr lang="de-DE"/>
           </a:p>
@@ -2608,7 +2612,7 @@
           <a:p>
             <a:fld id="{D3EB3054-B75A-4BD7-8B3E-8DC0F614FAF3}" type="datetimeFigureOut">
               <a:rPr lang="de-DE" smtClean="0"/>
-              <a:t>07.12.2017</a:t>
+              <a:t>09.12.2017</a:t>
             </a:fld>
             <a:endParaRPr lang="de-DE"/>
           </a:p>
@@ -2703,7 +2707,7 @@
           <a:p>
             <a:fld id="{D3EB3054-B75A-4BD7-8B3E-8DC0F614FAF3}" type="datetimeFigureOut">
               <a:rPr lang="de-DE" smtClean="0"/>
-              <a:t>07.12.2017</a:t>
+              <a:t>09.12.2017</a:t>
             </a:fld>
             <a:endParaRPr lang="de-DE"/>
           </a:p>
@@ -2978,7 +2982,7 @@
           <a:p>
             <a:fld id="{D3EB3054-B75A-4BD7-8B3E-8DC0F614FAF3}" type="datetimeFigureOut">
               <a:rPr lang="de-DE" smtClean="0"/>
-              <a:t>07.12.2017</a:t>
+              <a:t>09.12.2017</a:t>
             </a:fld>
             <a:endParaRPr lang="de-DE"/>
           </a:p>
@@ -3230,7 +3234,7 @@
           <a:p>
             <a:fld id="{D3EB3054-B75A-4BD7-8B3E-8DC0F614FAF3}" type="datetimeFigureOut">
               <a:rPr lang="de-DE" smtClean="0"/>
-              <a:t>07.12.2017</a:t>
+              <a:t>09.12.2017</a:t>
             </a:fld>
             <a:endParaRPr lang="de-DE"/>
           </a:p>
@@ -3441,7 +3445,7 @@
           <a:p>
             <a:fld id="{D3EB3054-B75A-4BD7-8B3E-8DC0F614FAF3}" type="datetimeFigureOut">
               <a:rPr lang="de-DE" smtClean="0"/>
-              <a:t>07.12.2017</a:t>
+              <a:t>09.12.2017</a:t>
             </a:fld>
             <a:endParaRPr lang="de-DE"/>
           </a:p>
@@ -3899,7 +3903,7 @@
           <p:cNvPr id="11" name="Freeform 3">
             <a:extLst>
               <a:ext uri="{FF2B5EF4-FFF2-40B4-BE49-F238E27FC236}">
-                <a16:creationId xmlns="" xmlns:a16="http://schemas.microsoft.com/office/drawing/2014/main" id="{F6429F11-64E2-4420-9B0C-F3F81BF0D15B}"/>
+                <a16:creationId xmlns:a16="http://schemas.microsoft.com/office/drawing/2014/main" id="{F6429F11-64E2-4420-9B0C-F3F81BF0D15B}"/>
               </a:ext>
             </a:extLst>
           </p:cNvPr>
@@ -3909,7 +3913,7 @@
           <p:nvPr>
             <p:extLst>
               <p:ext uri="{386F3935-93C4-4BCD-93E2-E3B085C9AB24}">
-                <p16:designElem xmlns="" xmlns:p16="http://schemas.microsoft.com/office/powerpoint/2015/main" val="1"/>
+                <p16:designElem xmlns:p16="http://schemas.microsoft.com/office/powerpoint/2015/main" val="1"/>
               </p:ext>
             </p:extLst>
           </p:nvPr>
@@ -4064,7 +4068,7 @@
           <p:cNvPr id="13" name="Freeform 4">
             <a:extLst>
               <a:ext uri="{FF2B5EF4-FFF2-40B4-BE49-F238E27FC236}">
-                <a16:creationId xmlns="" xmlns:a16="http://schemas.microsoft.com/office/drawing/2014/main" id="{62785A07-F203-435E-8E76-BB97680C2FCA}"/>
+                <a16:creationId xmlns:a16="http://schemas.microsoft.com/office/drawing/2014/main" id="{62785A07-F203-435E-8E76-BB97680C2FCA}"/>
               </a:ext>
             </a:extLst>
           </p:cNvPr>
@@ -4074,7 +4078,7 @@
           <p:nvPr>
             <p:extLst>
               <p:ext uri="{386F3935-93C4-4BCD-93E2-E3B085C9AB24}">
-                <p16:designElem xmlns="" xmlns:p16="http://schemas.microsoft.com/office/powerpoint/2015/main" val="1"/>
+                <p16:designElem xmlns:p16="http://schemas.microsoft.com/office/powerpoint/2015/main" val="1"/>
               </p:ext>
             </p:extLst>
           </p:nvPr>
@@ -4340,13 +4344,6 @@
       </p:transition>
     </mc:Fallback>
   </mc:AlternateContent>
-  <p:timing>
-    <p:tnLst>
-      <p:par>
-        <p:cTn id="1" dur="indefinite" restart="never" nodeType="tmRoot"/>
-      </p:par>
-    </p:tnLst>
-  </p:timing>
 </p:sld>
 </file>
 
@@ -4372,7 +4369,7 @@
           <p:cNvPr id="38" name="Freeform 34">
             <a:extLst>
               <a:ext uri="{FF2B5EF4-FFF2-40B4-BE49-F238E27FC236}">
-                <a16:creationId xmlns="" xmlns:a16="http://schemas.microsoft.com/office/drawing/2014/main" id="{B0992639-1CDA-4FE6-BB95-E13221490740}"/>
+                <a16:creationId xmlns:a16="http://schemas.microsoft.com/office/drawing/2014/main" id="{B0992639-1CDA-4FE6-BB95-E13221490740}"/>
               </a:ext>
             </a:extLst>
           </p:cNvPr>
@@ -4382,7 +4379,7 @@
           <p:nvPr>
             <p:extLst>
               <p:ext uri="{386F3935-93C4-4BCD-93E2-E3B085C9AB24}">
-                <p16:designElem xmlns="" xmlns:p16="http://schemas.microsoft.com/office/powerpoint/2015/main" val="1"/>
+                <p16:designElem xmlns:p16="http://schemas.microsoft.com/office/powerpoint/2015/main" val="1"/>
               </p:ext>
             </p:extLst>
           </p:nvPr>
@@ -4495,7 +4492,7 @@
           <p:cNvPr id="40" name="Freeform 31">
             <a:extLst>
               <a:ext uri="{FF2B5EF4-FFF2-40B4-BE49-F238E27FC236}">
-                <a16:creationId xmlns="" xmlns:a16="http://schemas.microsoft.com/office/drawing/2014/main" id="{A2AEA782-0EA4-42E9-871D-7401D6A09739}"/>
+                <a16:creationId xmlns:a16="http://schemas.microsoft.com/office/drawing/2014/main" id="{A2AEA782-0EA4-42E9-871D-7401D6A09739}"/>
               </a:ext>
             </a:extLst>
           </p:cNvPr>
@@ -4505,7 +4502,7 @@
           <p:nvPr>
             <p:extLst>
               <p:ext uri="{386F3935-93C4-4BCD-93E2-E3B085C9AB24}">
-                <p16:designElem xmlns="" xmlns:p16="http://schemas.microsoft.com/office/powerpoint/2015/main" val="1"/>
+                <p16:designElem xmlns:p16="http://schemas.microsoft.com/office/powerpoint/2015/main" val="1"/>
               </p:ext>
             </p:extLst>
           </p:nvPr>
@@ -4914,13 +4911,6 @@
       </p:transition>
     </mc:Fallback>
   </mc:AlternateContent>
-  <p:timing>
-    <p:tnLst>
-      <p:par>
-        <p:cTn id="1" dur="indefinite" restart="never" nodeType="tmRoot"/>
-      </p:par>
-    </p:tnLst>
-  </p:timing>
 </p:sld>
 </file>
 
@@ -5050,7 +5040,7 @@
           <p:cNvPr id="9" name="Grafik 10" descr="fingerabdruck.jpg">
             <a:extLst>
               <a:ext uri="{FF2B5EF4-FFF2-40B4-BE49-F238E27FC236}">
-                <a16:creationId xmlns="" xmlns:a16="http://schemas.microsoft.com/office/drawing/2014/main" id="{A8CD33F8-C2D7-4686-8E6B-6D0ECE6A17CB}"/>
+                <a16:creationId xmlns:a16="http://schemas.microsoft.com/office/drawing/2014/main" id="{A8CD33F8-C2D7-4686-8E6B-6D0ECE6A17CB}"/>
               </a:ext>
             </a:extLst>
           </p:cNvPr>
@@ -5082,7 +5072,7 @@
           <p:cNvPr id="3" name="Grafik 3" descr="campuscard.png">
             <a:extLst>
               <a:ext uri="{FF2B5EF4-FFF2-40B4-BE49-F238E27FC236}">
-                <a16:creationId xmlns="" xmlns:a16="http://schemas.microsoft.com/office/drawing/2014/main" id="{4E82C527-09DD-4025-85FB-8537695C0154}"/>
+                <a16:creationId xmlns:a16="http://schemas.microsoft.com/office/drawing/2014/main" id="{4E82C527-09DD-4025-85FB-8537695C0154}"/>
               </a:ext>
             </a:extLst>
           </p:cNvPr>
@@ -5114,7 +5104,7 @@
           <p:cNvPr id="6" name="Textfeld 5">
             <a:extLst>
               <a:ext uri="{FF2B5EF4-FFF2-40B4-BE49-F238E27FC236}">
-                <a16:creationId xmlns="" xmlns:a16="http://schemas.microsoft.com/office/drawing/2014/main" id="{874B1B94-42E0-4AA1-A5BB-0A30BF51CE56}"/>
+                <a16:creationId xmlns:a16="http://schemas.microsoft.com/office/drawing/2014/main" id="{874B1B94-42E0-4AA1-A5BB-0A30BF51CE56}"/>
               </a:ext>
             </a:extLst>
           </p:cNvPr>
@@ -5152,7 +5142,7 @@
           <p:cNvPr id="13" name="Textfeld 12">
             <a:extLst>
               <a:ext uri="{FF2B5EF4-FFF2-40B4-BE49-F238E27FC236}">
-                <a16:creationId xmlns="" xmlns:a16="http://schemas.microsoft.com/office/drawing/2014/main" id="{058DE313-F8DA-4C97-A8D6-00F2D73E7870}"/>
+                <a16:creationId xmlns:a16="http://schemas.microsoft.com/office/drawing/2014/main" id="{058DE313-F8DA-4C97-A8D6-00F2D73E7870}"/>
               </a:ext>
             </a:extLst>
           </p:cNvPr>
@@ -5208,13 +5198,6 @@
       </p:transition>
     </mc:Fallback>
   </mc:AlternateContent>
-  <p:timing>
-    <p:tnLst>
-      <p:par>
-        <p:cTn id="1" dur="indefinite" restart="never" nodeType="tmRoot"/>
-      </p:par>
-    </p:tnLst>
-  </p:timing>
 </p:sld>
 </file>
 
@@ -5240,7 +5223,7 @@
           <p:cNvPr id="30" name="Rechteck: eine Ecke abgeschnitten 29">
             <a:extLst>
               <a:ext uri="{FF2B5EF4-FFF2-40B4-BE49-F238E27FC236}">
-                <a16:creationId xmlns="" xmlns:a16="http://schemas.microsoft.com/office/drawing/2014/main" id="{6836F953-AF4B-4F88-B6CB-D3B8A280B257}"/>
+                <a16:creationId xmlns:a16="http://schemas.microsoft.com/office/drawing/2014/main" id="{6836F953-AF4B-4F88-B6CB-D3B8A280B257}"/>
               </a:ext>
             </a:extLst>
           </p:cNvPr>
@@ -5286,7 +5269,7 @@
           <p:cNvPr id="3" name="Titel 2">
             <a:extLst>
               <a:ext uri="{FF2B5EF4-FFF2-40B4-BE49-F238E27FC236}">
-                <a16:creationId xmlns="" xmlns:a16="http://schemas.microsoft.com/office/drawing/2014/main" id="{63C7D172-FC92-434E-B470-FAA094A59867}"/>
+                <a16:creationId xmlns:a16="http://schemas.microsoft.com/office/drawing/2014/main" id="{63C7D172-FC92-434E-B470-FAA094A59867}"/>
               </a:ext>
             </a:extLst>
           </p:cNvPr>
@@ -5328,7 +5311,7 @@
           <p:cNvPr id="8" name="Grafik 8">
             <a:extLst>
               <a:ext uri="{FF2B5EF4-FFF2-40B4-BE49-F238E27FC236}">
-                <a16:creationId xmlns="" xmlns:a16="http://schemas.microsoft.com/office/drawing/2014/main" id="{0227CB6A-E9C8-4756-80E5-5D029593321B}"/>
+                <a16:creationId xmlns:a16="http://schemas.microsoft.com/office/drawing/2014/main" id="{0227CB6A-E9C8-4756-80E5-5D029593321B}"/>
               </a:ext>
             </a:extLst>
           </p:cNvPr>
@@ -5358,7 +5341,7 @@
           <p:cNvPr id="11" name="Smiley 10">
             <a:extLst>
               <a:ext uri="{FF2B5EF4-FFF2-40B4-BE49-F238E27FC236}">
-                <a16:creationId xmlns="" xmlns:a16="http://schemas.microsoft.com/office/drawing/2014/main" id="{3D30F9ED-DB74-4E83-9D2A-A3B00AB49147}"/>
+                <a16:creationId xmlns:a16="http://schemas.microsoft.com/office/drawing/2014/main" id="{3D30F9ED-DB74-4E83-9D2A-A3B00AB49147}"/>
               </a:ext>
             </a:extLst>
           </p:cNvPr>
@@ -5403,7 +5386,7 @@
           <p:cNvPr id="12" name="Gerade Verbindung mit Pfeil 11">
             <a:extLst>
               <a:ext uri="{FF2B5EF4-FFF2-40B4-BE49-F238E27FC236}">
-                <a16:creationId xmlns="" xmlns:a16="http://schemas.microsoft.com/office/drawing/2014/main" id="{D1A6EDD4-F889-46F7-B6BA-080BE36FF931}"/>
+                <a16:creationId xmlns:a16="http://schemas.microsoft.com/office/drawing/2014/main" id="{D1A6EDD4-F889-46F7-B6BA-080BE36FF931}"/>
               </a:ext>
             </a:extLst>
           </p:cNvPr>
@@ -5439,7 +5422,7 @@
           <p:cNvPr id="13" name="Gerade Verbindung mit Pfeil 12">
             <a:extLst>
               <a:ext uri="{FF2B5EF4-FFF2-40B4-BE49-F238E27FC236}">
-                <a16:creationId xmlns="" xmlns:a16="http://schemas.microsoft.com/office/drawing/2014/main" id="{0AA4D6A8-3C9B-4F53-8592-7FD6AF8EEBB9}"/>
+                <a16:creationId xmlns:a16="http://schemas.microsoft.com/office/drawing/2014/main" id="{0AA4D6A8-3C9B-4F53-8592-7FD6AF8EEBB9}"/>
               </a:ext>
             </a:extLst>
           </p:cNvPr>
@@ -5477,7 +5460,7 @@
           <p:cNvPr id="14" name="Gerade Verbindung mit Pfeil 13">
             <a:extLst>
               <a:ext uri="{FF2B5EF4-FFF2-40B4-BE49-F238E27FC236}">
-                <a16:creationId xmlns="" xmlns:a16="http://schemas.microsoft.com/office/drawing/2014/main" id="{A2AEE719-9727-4C33-8632-86A10D08A860}"/>
+                <a16:creationId xmlns:a16="http://schemas.microsoft.com/office/drawing/2014/main" id="{A2AEE719-9727-4C33-8632-86A10D08A860}"/>
               </a:ext>
             </a:extLst>
           </p:cNvPr>
@@ -5515,7 +5498,7 @@
           <p:cNvPr id="15" name="Gerade Verbindung mit Pfeil 14">
             <a:extLst>
               <a:ext uri="{FF2B5EF4-FFF2-40B4-BE49-F238E27FC236}">
-                <a16:creationId xmlns="" xmlns:a16="http://schemas.microsoft.com/office/drawing/2014/main" id="{FCAE322F-D7DB-49CD-8567-68C6642F24EF}"/>
+                <a16:creationId xmlns:a16="http://schemas.microsoft.com/office/drawing/2014/main" id="{FCAE322F-D7DB-49CD-8567-68C6642F24EF}"/>
               </a:ext>
             </a:extLst>
           </p:cNvPr>
@@ -5553,7 +5536,7 @@
           <p:cNvPr id="16" name="Pfeil: nach rechts 15">
             <a:extLst>
               <a:ext uri="{FF2B5EF4-FFF2-40B4-BE49-F238E27FC236}">
-                <a16:creationId xmlns="" xmlns:a16="http://schemas.microsoft.com/office/drawing/2014/main" id="{E9C98C95-F90D-43A0-B847-F0962F74C355}"/>
+                <a16:creationId xmlns:a16="http://schemas.microsoft.com/office/drawing/2014/main" id="{E9C98C95-F90D-43A0-B847-F0962F74C355}"/>
               </a:ext>
             </a:extLst>
           </p:cNvPr>
@@ -5599,7 +5582,7 @@
           <p:cNvPr id="19" name="Rechteck 18">
             <a:extLst>
               <a:ext uri="{FF2B5EF4-FFF2-40B4-BE49-F238E27FC236}">
-                <a16:creationId xmlns="" xmlns:a16="http://schemas.microsoft.com/office/drawing/2014/main" id="{FC9950AB-66A5-43EF-AF86-B761D1C567D9}"/>
+                <a16:creationId xmlns:a16="http://schemas.microsoft.com/office/drawing/2014/main" id="{FC9950AB-66A5-43EF-AF86-B761D1C567D9}"/>
               </a:ext>
             </a:extLst>
           </p:cNvPr>
@@ -5645,7 +5628,7 @@
           <p:cNvPr id="21" name="Grafik 4" descr="tierpark-OG-1200x630.jpg">
             <a:extLst>
               <a:ext uri="{FF2B5EF4-FFF2-40B4-BE49-F238E27FC236}">
-                <a16:creationId xmlns="" xmlns:a16="http://schemas.microsoft.com/office/drawing/2014/main" id="{95B02345-A5FF-4A60-95BD-801A44405C12}"/>
+                <a16:creationId xmlns:a16="http://schemas.microsoft.com/office/drawing/2014/main" id="{95B02345-A5FF-4A60-95BD-801A44405C12}"/>
               </a:ext>
             </a:extLst>
           </p:cNvPr>
@@ -5675,7 +5658,7 @@
           <p:cNvPr id="22" name="Gerade Verbindung mit Pfeil 21">
             <a:extLst>
               <a:ext uri="{FF2B5EF4-FFF2-40B4-BE49-F238E27FC236}">
-                <a16:creationId xmlns="" xmlns:a16="http://schemas.microsoft.com/office/drawing/2014/main" id="{396ED79D-6200-403A-92C0-A5D43C32E1D7}"/>
+                <a16:creationId xmlns:a16="http://schemas.microsoft.com/office/drawing/2014/main" id="{396ED79D-6200-403A-92C0-A5D43C32E1D7}"/>
               </a:ext>
             </a:extLst>
           </p:cNvPr>
@@ -5718,7 +5701,7 @@
           <p:cNvPr id="24" name="Smiley 23">
             <a:extLst>
               <a:ext uri="{FF2B5EF4-FFF2-40B4-BE49-F238E27FC236}">
-                <a16:creationId xmlns="" xmlns:a16="http://schemas.microsoft.com/office/drawing/2014/main" id="{71F60721-97CF-4D49-8989-A40CA4AA7108}"/>
+                <a16:creationId xmlns:a16="http://schemas.microsoft.com/office/drawing/2014/main" id="{71F60721-97CF-4D49-8989-A40CA4AA7108}"/>
               </a:ext>
             </a:extLst>
           </p:cNvPr>
@@ -5763,7 +5746,7 @@
           <p:cNvPr id="25" name="Gerade Verbindung mit Pfeil 24">
             <a:extLst>
               <a:ext uri="{FF2B5EF4-FFF2-40B4-BE49-F238E27FC236}">
-                <a16:creationId xmlns="" xmlns:a16="http://schemas.microsoft.com/office/drawing/2014/main" id="{BB8B357B-80CE-4EE5-B55A-F029492B3225}"/>
+                <a16:creationId xmlns:a16="http://schemas.microsoft.com/office/drawing/2014/main" id="{BB8B357B-80CE-4EE5-B55A-F029492B3225}"/>
               </a:ext>
             </a:extLst>
           </p:cNvPr>
@@ -5801,7 +5784,7 @@
           <p:cNvPr id="26" name="Gerade Verbindung mit Pfeil 25">
             <a:extLst>
               <a:ext uri="{FF2B5EF4-FFF2-40B4-BE49-F238E27FC236}">
-                <a16:creationId xmlns="" xmlns:a16="http://schemas.microsoft.com/office/drawing/2014/main" id="{2C811DCF-3BD9-4651-9F5C-A76982318C99}"/>
+                <a16:creationId xmlns:a16="http://schemas.microsoft.com/office/drawing/2014/main" id="{2C811DCF-3BD9-4651-9F5C-A76982318C99}"/>
               </a:ext>
             </a:extLst>
           </p:cNvPr>
@@ -5839,7 +5822,7 @@
           <p:cNvPr id="27" name="Gerade Verbindung mit Pfeil 26">
             <a:extLst>
               <a:ext uri="{FF2B5EF4-FFF2-40B4-BE49-F238E27FC236}">
-                <a16:creationId xmlns="" xmlns:a16="http://schemas.microsoft.com/office/drawing/2014/main" id="{C2C0FBB5-592B-4481-B4D0-8F9B1C437461}"/>
+                <a16:creationId xmlns:a16="http://schemas.microsoft.com/office/drawing/2014/main" id="{C2C0FBB5-592B-4481-B4D0-8F9B1C437461}"/>
               </a:ext>
             </a:extLst>
           </p:cNvPr>
@@ -5877,7 +5860,7 @@
           <p:cNvPr id="28" name="Gerade Verbindung mit Pfeil 27">
             <a:extLst>
               <a:ext uri="{FF2B5EF4-FFF2-40B4-BE49-F238E27FC236}">
-                <a16:creationId xmlns="" xmlns:a16="http://schemas.microsoft.com/office/drawing/2014/main" id="{C453B098-6B02-4D48-9A2A-02754D201E56}"/>
+                <a16:creationId xmlns:a16="http://schemas.microsoft.com/office/drawing/2014/main" id="{C453B098-6B02-4D48-9A2A-02754D201E56}"/>
               </a:ext>
             </a:extLst>
           </p:cNvPr>
@@ -5915,7 +5898,7 @@
           <p:cNvPr id="34" name="Rechteck 33">
             <a:extLst>
               <a:ext uri="{FF2B5EF4-FFF2-40B4-BE49-F238E27FC236}">
-                <a16:creationId xmlns="" xmlns:a16="http://schemas.microsoft.com/office/drawing/2014/main" id="{66F9CB01-BD65-45A8-A6AC-C0B7602650BF}"/>
+                <a16:creationId xmlns:a16="http://schemas.microsoft.com/office/drawing/2014/main" id="{66F9CB01-BD65-45A8-A6AC-C0B7602650BF}"/>
               </a:ext>
             </a:extLst>
           </p:cNvPr>
@@ -5971,7 +5954,7 @@
           <p:cNvPr id="35" name="Gerade Verbindung mit Pfeil 34">
             <a:extLst>
               <a:ext uri="{FF2B5EF4-FFF2-40B4-BE49-F238E27FC236}">
-                <a16:creationId xmlns="" xmlns:a16="http://schemas.microsoft.com/office/drawing/2014/main" id="{22C4C6D5-2F1B-4FD5-96FB-325440EA9B76}"/>
+                <a16:creationId xmlns:a16="http://schemas.microsoft.com/office/drawing/2014/main" id="{22C4C6D5-2F1B-4FD5-96FB-325440EA9B76}"/>
               </a:ext>
             </a:extLst>
           </p:cNvPr>
@@ -6009,7 +5992,7 @@
           <p:cNvPr id="38" name="Grafik 38" descr="fingerabdruck_transparent.png">
             <a:extLst>
               <a:ext uri="{FF2B5EF4-FFF2-40B4-BE49-F238E27FC236}">
-                <a16:creationId xmlns="" xmlns:a16="http://schemas.microsoft.com/office/drawing/2014/main" id="{167F1758-4204-4068-BAFE-F34B3CD731FF}"/>
+                <a16:creationId xmlns:a16="http://schemas.microsoft.com/office/drawing/2014/main" id="{167F1758-4204-4068-BAFE-F34B3CD731FF}"/>
               </a:ext>
             </a:extLst>
           </p:cNvPr>
@@ -6039,7 +6022,7 @@
           <p:cNvPr id="66" name="Pfeil: nach rechts 65">
             <a:extLst>
               <a:ext uri="{FF2B5EF4-FFF2-40B4-BE49-F238E27FC236}">
-                <a16:creationId xmlns="" xmlns:a16="http://schemas.microsoft.com/office/drawing/2014/main" id="{2E265073-330E-4E2A-99E7-F7101EA37C81}"/>
+                <a16:creationId xmlns:a16="http://schemas.microsoft.com/office/drawing/2014/main" id="{2E265073-330E-4E2A-99E7-F7101EA37C81}"/>
               </a:ext>
             </a:extLst>
           </p:cNvPr>
@@ -6085,7 +6068,7 @@
           <p:cNvPr id="67" name="Rechteck: eine Ecke abgeschnitten 66">
             <a:extLst>
               <a:ext uri="{FF2B5EF4-FFF2-40B4-BE49-F238E27FC236}">
-                <a16:creationId xmlns="" xmlns:a16="http://schemas.microsoft.com/office/drawing/2014/main" id="{F103BEDB-422E-4521-B7ED-52DA685BB004}"/>
+                <a16:creationId xmlns:a16="http://schemas.microsoft.com/office/drawing/2014/main" id="{F103BEDB-422E-4521-B7ED-52DA685BB004}"/>
               </a:ext>
             </a:extLst>
           </p:cNvPr>
@@ -6131,7 +6114,7 @@
           <p:cNvPr id="68" name="Grafik 8">
             <a:extLst>
               <a:ext uri="{FF2B5EF4-FFF2-40B4-BE49-F238E27FC236}">
-                <a16:creationId xmlns="" xmlns:a16="http://schemas.microsoft.com/office/drawing/2014/main" id="{3223F3DB-B783-4705-8CD4-7A492F1CFD13}"/>
+                <a16:creationId xmlns:a16="http://schemas.microsoft.com/office/drawing/2014/main" id="{3223F3DB-B783-4705-8CD4-7A492F1CFD13}"/>
               </a:ext>
             </a:extLst>
           </p:cNvPr>
@@ -6161,7 +6144,7 @@
           <p:cNvPr id="69" name="Rechteck 68">
             <a:extLst>
               <a:ext uri="{FF2B5EF4-FFF2-40B4-BE49-F238E27FC236}">
-                <a16:creationId xmlns="" xmlns:a16="http://schemas.microsoft.com/office/drawing/2014/main" id="{D60DA193-FA57-46A0-9D38-DB43FFD12DAD}"/>
+                <a16:creationId xmlns:a16="http://schemas.microsoft.com/office/drawing/2014/main" id="{D60DA193-FA57-46A0-9D38-DB43FFD12DAD}"/>
               </a:ext>
             </a:extLst>
           </p:cNvPr>
@@ -6207,7 +6190,7 @@
           <p:cNvPr id="70" name="Grafik 4" descr="tierpark-OG-1200x630.jpg">
             <a:extLst>
               <a:ext uri="{FF2B5EF4-FFF2-40B4-BE49-F238E27FC236}">
-                <a16:creationId xmlns="" xmlns:a16="http://schemas.microsoft.com/office/drawing/2014/main" id="{F007FAF7-BBBB-434D-BAA3-B7B95D771F03}"/>
+                <a16:creationId xmlns:a16="http://schemas.microsoft.com/office/drawing/2014/main" id="{F007FAF7-BBBB-434D-BAA3-B7B95D771F03}"/>
               </a:ext>
             </a:extLst>
           </p:cNvPr>
@@ -6237,7 +6220,7 @@
           <p:cNvPr id="71" name="Gerade Verbindung mit Pfeil 70">
             <a:extLst>
               <a:ext uri="{FF2B5EF4-FFF2-40B4-BE49-F238E27FC236}">
-                <a16:creationId xmlns="" xmlns:a16="http://schemas.microsoft.com/office/drawing/2014/main" id="{0C6F6A54-0C92-4B77-93CE-628D0AFEAF9B}"/>
+                <a16:creationId xmlns:a16="http://schemas.microsoft.com/office/drawing/2014/main" id="{0C6F6A54-0C92-4B77-93CE-628D0AFEAF9B}"/>
               </a:ext>
             </a:extLst>
           </p:cNvPr>
@@ -6280,7 +6263,7 @@
           <p:cNvPr id="74" name="Smiley 73">
             <a:extLst>
               <a:ext uri="{FF2B5EF4-FFF2-40B4-BE49-F238E27FC236}">
-                <a16:creationId xmlns="" xmlns:a16="http://schemas.microsoft.com/office/drawing/2014/main" id="{B002DF9E-89D3-4DEE-9475-AFAD93564F16}"/>
+                <a16:creationId xmlns:a16="http://schemas.microsoft.com/office/drawing/2014/main" id="{B002DF9E-89D3-4DEE-9475-AFAD93564F16}"/>
               </a:ext>
             </a:extLst>
           </p:cNvPr>
@@ -6325,7 +6308,7 @@
           <p:cNvPr id="75" name="Gerade Verbindung mit Pfeil 74">
             <a:extLst>
               <a:ext uri="{FF2B5EF4-FFF2-40B4-BE49-F238E27FC236}">
-                <a16:creationId xmlns="" xmlns:a16="http://schemas.microsoft.com/office/drawing/2014/main" id="{8F0D36E4-459D-45E9-999F-8AD48438C73D}"/>
+                <a16:creationId xmlns:a16="http://schemas.microsoft.com/office/drawing/2014/main" id="{8F0D36E4-459D-45E9-999F-8AD48438C73D}"/>
               </a:ext>
             </a:extLst>
           </p:cNvPr>
@@ -6363,7 +6346,7 @@
           <p:cNvPr id="76" name="Gerade Verbindung mit Pfeil 75">
             <a:extLst>
               <a:ext uri="{FF2B5EF4-FFF2-40B4-BE49-F238E27FC236}">
-                <a16:creationId xmlns="" xmlns:a16="http://schemas.microsoft.com/office/drawing/2014/main" id="{ADB47E65-362C-4988-9C11-34CC86C33EA8}"/>
+                <a16:creationId xmlns:a16="http://schemas.microsoft.com/office/drawing/2014/main" id="{ADB47E65-362C-4988-9C11-34CC86C33EA8}"/>
               </a:ext>
             </a:extLst>
           </p:cNvPr>
@@ -6401,7 +6384,7 @@
           <p:cNvPr id="77" name="Gerade Verbindung mit Pfeil 76">
             <a:extLst>
               <a:ext uri="{FF2B5EF4-FFF2-40B4-BE49-F238E27FC236}">
-                <a16:creationId xmlns="" xmlns:a16="http://schemas.microsoft.com/office/drawing/2014/main" id="{7013C630-BFBD-41C3-8E40-C3CDD14BFCEF}"/>
+                <a16:creationId xmlns:a16="http://schemas.microsoft.com/office/drawing/2014/main" id="{7013C630-BFBD-41C3-8E40-C3CDD14BFCEF}"/>
               </a:ext>
             </a:extLst>
           </p:cNvPr>
@@ -6439,7 +6422,7 @@
           <p:cNvPr id="78" name="Gerade Verbindung mit Pfeil 77">
             <a:extLst>
               <a:ext uri="{FF2B5EF4-FFF2-40B4-BE49-F238E27FC236}">
-                <a16:creationId xmlns="" xmlns:a16="http://schemas.microsoft.com/office/drawing/2014/main" id="{216D73C1-5B9D-40D8-BA13-F8B105053219}"/>
+                <a16:creationId xmlns:a16="http://schemas.microsoft.com/office/drawing/2014/main" id="{216D73C1-5B9D-40D8-BA13-F8B105053219}"/>
               </a:ext>
             </a:extLst>
           </p:cNvPr>
@@ -7545,24 +7528,24 @@
           <a:p>
             <a:r>
               <a:rPr lang="de-DE"/>
-              <a:t>keine sensible Kommunikation zwischen Sever und Tor nötig</a:t>
+              <a:t>keine sensible Kommunikation zwischen Server und Tor nötig</a:t>
             </a:r>
           </a:p>
           <a:p>
-            <a:endParaRPr lang="de-DE"/>
+            <a:endParaRPr lang="de-DE" dirty="0"/>
           </a:p>
           <a:p>
             <a:r>
-              <a:rPr lang="de-DE"/>
+              <a:rPr lang="de-DE" dirty="0"/>
               <a:t>nicht so datenschutzkritisch</a:t>
             </a:r>
           </a:p>
           <a:p>
-            <a:endParaRPr lang="de-DE"/>
+            <a:endParaRPr lang="de-DE" dirty="0"/>
           </a:p>
           <a:p>
             <a:r>
-              <a:rPr lang="de-DE"/>
+              <a:rPr lang="de-DE" dirty="0"/>
               <a:t>kein Hochsicherheitsserver notwendig</a:t>
             </a:r>
           </a:p>
@@ -7671,13 +7654,6 @@
       </p:transition>
     </mc:Fallback>
   </mc:AlternateContent>
-  <p:timing>
-    <p:tnLst>
-      <p:par>
-        <p:cTn id="1" dur="indefinite" restart="never" nodeType="tmRoot"/>
-      </p:par>
-    </p:tnLst>
-  </p:timing>
 </p:sld>
 </file>
 
@@ -7703,7 +7679,7 @@
           <p:cNvPr id="3" name="Titel 2">
             <a:extLst>
               <a:ext uri="{FF2B5EF4-FFF2-40B4-BE49-F238E27FC236}">
-                <a16:creationId xmlns="" xmlns:a16="http://schemas.microsoft.com/office/drawing/2014/main" id="{63C7D172-FC92-434E-B470-FAA094A59867}"/>
+                <a16:creationId xmlns:a16="http://schemas.microsoft.com/office/drawing/2014/main" id="{63C7D172-FC92-434E-B470-FAA094A59867}"/>
               </a:ext>
             </a:extLst>
           </p:cNvPr>
@@ -7745,7 +7721,7 @@
           <p:cNvPr id="11" name="Smiley 10">
             <a:extLst>
               <a:ext uri="{FF2B5EF4-FFF2-40B4-BE49-F238E27FC236}">
-                <a16:creationId xmlns="" xmlns:a16="http://schemas.microsoft.com/office/drawing/2014/main" id="{3D30F9ED-DB74-4E83-9D2A-A3B00AB49147}"/>
+                <a16:creationId xmlns:a16="http://schemas.microsoft.com/office/drawing/2014/main" id="{3D30F9ED-DB74-4E83-9D2A-A3B00AB49147}"/>
               </a:ext>
             </a:extLst>
           </p:cNvPr>
@@ -7790,7 +7766,7 @@
           <p:cNvPr id="12" name="Gerade Verbindung mit Pfeil 11">
             <a:extLst>
               <a:ext uri="{FF2B5EF4-FFF2-40B4-BE49-F238E27FC236}">
-                <a16:creationId xmlns="" xmlns:a16="http://schemas.microsoft.com/office/drawing/2014/main" id="{D1A6EDD4-F889-46F7-B6BA-080BE36FF931}"/>
+                <a16:creationId xmlns:a16="http://schemas.microsoft.com/office/drawing/2014/main" id="{D1A6EDD4-F889-46F7-B6BA-080BE36FF931}"/>
               </a:ext>
             </a:extLst>
           </p:cNvPr>
@@ -7826,7 +7802,7 @@
           <p:cNvPr id="13" name="Gerade Verbindung mit Pfeil 12">
             <a:extLst>
               <a:ext uri="{FF2B5EF4-FFF2-40B4-BE49-F238E27FC236}">
-                <a16:creationId xmlns="" xmlns:a16="http://schemas.microsoft.com/office/drawing/2014/main" id="{0AA4D6A8-3C9B-4F53-8592-7FD6AF8EEBB9}"/>
+                <a16:creationId xmlns:a16="http://schemas.microsoft.com/office/drawing/2014/main" id="{0AA4D6A8-3C9B-4F53-8592-7FD6AF8EEBB9}"/>
               </a:ext>
             </a:extLst>
           </p:cNvPr>
@@ -7864,7 +7840,7 @@
           <p:cNvPr id="14" name="Gerade Verbindung mit Pfeil 13">
             <a:extLst>
               <a:ext uri="{FF2B5EF4-FFF2-40B4-BE49-F238E27FC236}">
-                <a16:creationId xmlns="" xmlns:a16="http://schemas.microsoft.com/office/drawing/2014/main" id="{A2AEE719-9727-4C33-8632-86A10D08A860}"/>
+                <a16:creationId xmlns:a16="http://schemas.microsoft.com/office/drawing/2014/main" id="{A2AEE719-9727-4C33-8632-86A10D08A860}"/>
               </a:ext>
             </a:extLst>
           </p:cNvPr>
@@ -7902,7 +7878,7 @@
           <p:cNvPr id="15" name="Gerade Verbindung mit Pfeil 14">
             <a:extLst>
               <a:ext uri="{FF2B5EF4-FFF2-40B4-BE49-F238E27FC236}">
-                <a16:creationId xmlns="" xmlns:a16="http://schemas.microsoft.com/office/drawing/2014/main" id="{FCAE322F-D7DB-49CD-8567-68C6642F24EF}"/>
+                <a16:creationId xmlns:a16="http://schemas.microsoft.com/office/drawing/2014/main" id="{FCAE322F-D7DB-49CD-8567-68C6642F24EF}"/>
               </a:ext>
             </a:extLst>
           </p:cNvPr>
@@ -7940,7 +7916,7 @@
           <p:cNvPr id="16" name="Pfeil: nach rechts 15">
             <a:extLst>
               <a:ext uri="{FF2B5EF4-FFF2-40B4-BE49-F238E27FC236}">
-                <a16:creationId xmlns="" xmlns:a16="http://schemas.microsoft.com/office/drawing/2014/main" id="{E9C98C95-F90D-43A0-B847-F0962F74C355}"/>
+                <a16:creationId xmlns:a16="http://schemas.microsoft.com/office/drawing/2014/main" id="{E9C98C95-F90D-43A0-B847-F0962F74C355}"/>
               </a:ext>
             </a:extLst>
           </p:cNvPr>
@@ -7986,7 +7962,7 @@
           <p:cNvPr id="7" name="Rechteck: eine Ecke abgeschnitten 6">
             <a:extLst>
               <a:ext uri="{FF2B5EF4-FFF2-40B4-BE49-F238E27FC236}">
-                <a16:creationId xmlns="" xmlns:a16="http://schemas.microsoft.com/office/drawing/2014/main" id="{C332EF0C-9212-49C7-9288-4A9CF76D0742}"/>
+                <a16:creationId xmlns:a16="http://schemas.microsoft.com/office/drawing/2014/main" id="{C332EF0C-9212-49C7-9288-4A9CF76D0742}"/>
               </a:ext>
             </a:extLst>
           </p:cNvPr>
@@ -8032,7 +8008,7 @@
           <p:cNvPr id="10" name="Rechteck 9">
             <a:extLst>
               <a:ext uri="{FF2B5EF4-FFF2-40B4-BE49-F238E27FC236}">
-                <a16:creationId xmlns="" xmlns:a16="http://schemas.microsoft.com/office/drawing/2014/main" id="{CA9EC685-C690-4E92-892C-B6657EED5B4E}"/>
+                <a16:creationId xmlns:a16="http://schemas.microsoft.com/office/drawing/2014/main" id="{CA9EC685-C690-4E92-892C-B6657EED5B4E}"/>
               </a:ext>
             </a:extLst>
           </p:cNvPr>
@@ -8078,7 +8054,7 @@
           <p:cNvPr id="17" name="Grafik 4" descr="tierpark-OG-1200x630.jpg">
             <a:extLst>
               <a:ext uri="{FF2B5EF4-FFF2-40B4-BE49-F238E27FC236}">
-                <a16:creationId xmlns="" xmlns:a16="http://schemas.microsoft.com/office/drawing/2014/main" id="{2C4ACE4A-A2CD-48FE-BB67-CA18A574DA07}"/>
+                <a16:creationId xmlns:a16="http://schemas.microsoft.com/office/drawing/2014/main" id="{2C4ACE4A-A2CD-48FE-BB67-CA18A574DA07}"/>
               </a:ext>
             </a:extLst>
           </p:cNvPr>
@@ -8108,7 +8084,7 @@
           <p:cNvPr id="18" name="Gerade Verbindung mit Pfeil 17">
             <a:extLst>
               <a:ext uri="{FF2B5EF4-FFF2-40B4-BE49-F238E27FC236}">
-                <a16:creationId xmlns="" xmlns:a16="http://schemas.microsoft.com/office/drawing/2014/main" id="{57753FE4-9033-42B7-8A5C-FD6AF91A0F9A}"/>
+                <a16:creationId xmlns:a16="http://schemas.microsoft.com/office/drawing/2014/main" id="{57753FE4-9033-42B7-8A5C-FD6AF91A0F9A}"/>
               </a:ext>
             </a:extLst>
           </p:cNvPr>
@@ -8151,7 +8127,7 @@
           <p:cNvPr id="29" name="Textfeld 28">
             <a:extLst>
               <a:ext uri="{FF2B5EF4-FFF2-40B4-BE49-F238E27FC236}">
-                <a16:creationId xmlns="" xmlns:a16="http://schemas.microsoft.com/office/drawing/2014/main" id="{A7D22440-12B3-4230-9F5B-1A3BEB39C0CB}"/>
+                <a16:creationId xmlns:a16="http://schemas.microsoft.com/office/drawing/2014/main" id="{A7D22440-12B3-4230-9F5B-1A3BEB39C0CB}"/>
               </a:ext>
             </a:extLst>
           </p:cNvPr>
@@ -8193,7 +8169,7 @@
           <p:cNvPr id="54" name="Smiley 53">
             <a:extLst>
               <a:ext uri="{FF2B5EF4-FFF2-40B4-BE49-F238E27FC236}">
-                <a16:creationId xmlns="" xmlns:a16="http://schemas.microsoft.com/office/drawing/2014/main" id="{E3036ED6-DC5E-4170-8BA2-A4937D501DE6}"/>
+                <a16:creationId xmlns:a16="http://schemas.microsoft.com/office/drawing/2014/main" id="{E3036ED6-DC5E-4170-8BA2-A4937D501DE6}"/>
               </a:ext>
             </a:extLst>
           </p:cNvPr>
@@ -8238,7 +8214,7 @@
           <p:cNvPr id="55" name="Gerade Verbindung mit Pfeil 54">
             <a:extLst>
               <a:ext uri="{FF2B5EF4-FFF2-40B4-BE49-F238E27FC236}">
-                <a16:creationId xmlns="" xmlns:a16="http://schemas.microsoft.com/office/drawing/2014/main" id="{8F67A56F-FC7F-47BB-8705-34FD7CC3B3A7}"/>
+                <a16:creationId xmlns:a16="http://schemas.microsoft.com/office/drawing/2014/main" id="{8F67A56F-FC7F-47BB-8705-34FD7CC3B3A7}"/>
               </a:ext>
             </a:extLst>
           </p:cNvPr>
@@ -8276,7 +8252,7 @@
           <p:cNvPr id="56" name="Gerade Verbindung mit Pfeil 55">
             <a:extLst>
               <a:ext uri="{FF2B5EF4-FFF2-40B4-BE49-F238E27FC236}">
-                <a16:creationId xmlns="" xmlns:a16="http://schemas.microsoft.com/office/drawing/2014/main" id="{00D21BE4-633B-46BA-A119-8949EA3102D2}"/>
+                <a16:creationId xmlns:a16="http://schemas.microsoft.com/office/drawing/2014/main" id="{00D21BE4-633B-46BA-A119-8949EA3102D2}"/>
               </a:ext>
             </a:extLst>
           </p:cNvPr>
@@ -8314,7 +8290,7 @@
           <p:cNvPr id="57" name="Gerade Verbindung mit Pfeil 56">
             <a:extLst>
               <a:ext uri="{FF2B5EF4-FFF2-40B4-BE49-F238E27FC236}">
-                <a16:creationId xmlns="" xmlns:a16="http://schemas.microsoft.com/office/drawing/2014/main" id="{0B22F998-9168-4E1C-A237-A5321FD7A24C}"/>
+                <a16:creationId xmlns:a16="http://schemas.microsoft.com/office/drawing/2014/main" id="{0B22F998-9168-4E1C-A237-A5321FD7A24C}"/>
               </a:ext>
             </a:extLst>
           </p:cNvPr>
@@ -8352,7 +8328,7 @@
           <p:cNvPr id="58" name="Gerade Verbindung mit Pfeil 57">
             <a:extLst>
               <a:ext uri="{FF2B5EF4-FFF2-40B4-BE49-F238E27FC236}">
-                <a16:creationId xmlns="" xmlns:a16="http://schemas.microsoft.com/office/drawing/2014/main" id="{3EE83913-F6D5-444E-84CA-F87482D54DED}"/>
+                <a16:creationId xmlns:a16="http://schemas.microsoft.com/office/drawing/2014/main" id="{3EE83913-F6D5-444E-84CA-F87482D54DED}"/>
               </a:ext>
             </a:extLst>
           </p:cNvPr>
@@ -8390,7 +8366,7 @@
           <p:cNvPr id="59" name="Grafik 5" descr="campuscard_transparent.png">
             <a:extLst>
               <a:ext uri="{FF2B5EF4-FFF2-40B4-BE49-F238E27FC236}">
-                <a16:creationId xmlns="" xmlns:a16="http://schemas.microsoft.com/office/drawing/2014/main" id="{FE4F6AE1-3AC2-48D8-9FA1-B80F910289B0}"/>
+                <a16:creationId xmlns:a16="http://schemas.microsoft.com/office/drawing/2014/main" id="{FE4F6AE1-3AC2-48D8-9FA1-B80F910289B0}"/>
               </a:ext>
             </a:extLst>
           </p:cNvPr>
@@ -8420,7 +8396,7 @@
           <p:cNvPr id="31" name="Rechteck: eine Ecke abgeschnitten 30">
             <a:extLst>
               <a:ext uri="{FF2B5EF4-FFF2-40B4-BE49-F238E27FC236}">
-                <a16:creationId xmlns="" xmlns:a16="http://schemas.microsoft.com/office/drawing/2014/main" id="{5E3B18A7-1A37-410B-9B21-3096B76671D3}"/>
+                <a16:creationId xmlns:a16="http://schemas.microsoft.com/office/drawing/2014/main" id="{5E3B18A7-1A37-410B-9B21-3096B76671D3}"/>
               </a:ext>
             </a:extLst>
           </p:cNvPr>
@@ -8466,7 +8442,7 @@
           <p:cNvPr id="37" name="Rechteck 36">
             <a:extLst>
               <a:ext uri="{FF2B5EF4-FFF2-40B4-BE49-F238E27FC236}">
-                <a16:creationId xmlns="" xmlns:a16="http://schemas.microsoft.com/office/drawing/2014/main" id="{27DE0943-E07F-4E04-9EA0-BF569B94DA3B}"/>
+                <a16:creationId xmlns:a16="http://schemas.microsoft.com/office/drawing/2014/main" id="{27DE0943-E07F-4E04-9EA0-BF569B94DA3B}"/>
               </a:ext>
             </a:extLst>
           </p:cNvPr>
@@ -8512,7 +8488,7 @@
           <p:cNvPr id="40" name="Grafik 4" descr="tierpark-OG-1200x630.jpg">
             <a:extLst>
               <a:ext uri="{FF2B5EF4-FFF2-40B4-BE49-F238E27FC236}">
-                <a16:creationId xmlns="" xmlns:a16="http://schemas.microsoft.com/office/drawing/2014/main" id="{0A7A5A46-465A-4496-A018-F6BDAEA1DECA}"/>
+                <a16:creationId xmlns:a16="http://schemas.microsoft.com/office/drawing/2014/main" id="{0A7A5A46-465A-4496-A018-F6BDAEA1DECA}"/>
               </a:ext>
             </a:extLst>
           </p:cNvPr>
@@ -8542,7 +8518,7 @@
           <p:cNvPr id="42" name="Gerade Verbindung mit Pfeil 41">
             <a:extLst>
               <a:ext uri="{FF2B5EF4-FFF2-40B4-BE49-F238E27FC236}">
-                <a16:creationId xmlns="" xmlns:a16="http://schemas.microsoft.com/office/drawing/2014/main" id="{D493C170-C11D-4C81-8DD2-A425893E8DC4}"/>
+                <a16:creationId xmlns:a16="http://schemas.microsoft.com/office/drawing/2014/main" id="{D493C170-C11D-4C81-8DD2-A425893E8DC4}"/>
               </a:ext>
             </a:extLst>
           </p:cNvPr>
@@ -8585,7 +8561,7 @@
           <p:cNvPr id="98" name="Pfeil: nach rechts 97">
             <a:extLst>
               <a:ext uri="{FF2B5EF4-FFF2-40B4-BE49-F238E27FC236}">
-                <a16:creationId xmlns="" xmlns:a16="http://schemas.microsoft.com/office/drawing/2014/main" id="{A71E3ACE-B424-4472-B342-2D3D82A0C577}"/>
+                <a16:creationId xmlns:a16="http://schemas.microsoft.com/office/drawing/2014/main" id="{A71E3ACE-B424-4472-B342-2D3D82A0C577}"/>
               </a:ext>
             </a:extLst>
           </p:cNvPr>
@@ -8631,7 +8607,7 @@
           <p:cNvPr id="27" name="Smiley 26">
             <a:extLst>
               <a:ext uri="{FF2B5EF4-FFF2-40B4-BE49-F238E27FC236}">
-                <a16:creationId xmlns="" xmlns:a16="http://schemas.microsoft.com/office/drawing/2014/main" id="{F1D5CDE1-27BC-4346-BC96-CB4E22B41EDF}"/>
+                <a16:creationId xmlns:a16="http://schemas.microsoft.com/office/drawing/2014/main" id="{F1D5CDE1-27BC-4346-BC96-CB4E22B41EDF}"/>
               </a:ext>
             </a:extLst>
           </p:cNvPr>
@@ -8676,7 +8652,7 @@
           <p:cNvPr id="28" name="Gerade Verbindung mit Pfeil 27">
             <a:extLst>
               <a:ext uri="{FF2B5EF4-FFF2-40B4-BE49-F238E27FC236}">
-                <a16:creationId xmlns="" xmlns:a16="http://schemas.microsoft.com/office/drawing/2014/main" id="{108B5AB6-E0F7-4467-A1A4-6A220E1845CB}"/>
+                <a16:creationId xmlns:a16="http://schemas.microsoft.com/office/drawing/2014/main" id="{108B5AB6-E0F7-4467-A1A4-6A220E1845CB}"/>
               </a:ext>
             </a:extLst>
           </p:cNvPr>
@@ -8714,7 +8690,7 @@
           <p:cNvPr id="30" name="Gerade Verbindung mit Pfeil 29">
             <a:extLst>
               <a:ext uri="{FF2B5EF4-FFF2-40B4-BE49-F238E27FC236}">
-                <a16:creationId xmlns="" xmlns:a16="http://schemas.microsoft.com/office/drawing/2014/main" id="{9AB3FC85-AC67-4555-BEDC-8882CDC5BC52}"/>
+                <a16:creationId xmlns:a16="http://schemas.microsoft.com/office/drawing/2014/main" id="{9AB3FC85-AC67-4555-BEDC-8882CDC5BC52}"/>
               </a:ext>
             </a:extLst>
           </p:cNvPr>
@@ -8752,7 +8728,7 @@
           <p:cNvPr id="33" name="Gerade Verbindung mit Pfeil 32">
             <a:extLst>
               <a:ext uri="{FF2B5EF4-FFF2-40B4-BE49-F238E27FC236}">
-                <a16:creationId xmlns="" xmlns:a16="http://schemas.microsoft.com/office/drawing/2014/main" id="{46A8A674-911F-4337-964F-FE13E5741230}"/>
+                <a16:creationId xmlns:a16="http://schemas.microsoft.com/office/drawing/2014/main" id="{46A8A674-911F-4337-964F-FE13E5741230}"/>
               </a:ext>
             </a:extLst>
           </p:cNvPr>
@@ -8790,7 +8766,7 @@
           <p:cNvPr id="34" name="Gerade Verbindung mit Pfeil 33">
             <a:extLst>
               <a:ext uri="{FF2B5EF4-FFF2-40B4-BE49-F238E27FC236}">
-                <a16:creationId xmlns="" xmlns:a16="http://schemas.microsoft.com/office/drawing/2014/main" id="{DEF6B1D3-E7AE-48D1-B389-D338D4A04070}"/>
+                <a16:creationId xmlns:a16="http://schemas.microsoft.com/office/drawing/2014/main" id="{DEF6B1D3-E7AE-48D1-B389-D338D4A04070}"/>
               </a:ext>
             </a:extLst>
           </p:cNvPr>
@@ -8828,7 +8804,7 @@
           <p:cNvPr id="35" name="Grafik 5" descr="campuscard_transparent.png">
             <a:extLst>
               <a:ext uri="{FF2B5EF4-FFF2-40B4-BE49-F238E27FC236}">
-                <a16:creationId xmlns="" xmlns:a16="http://schemas.microsoft.com/office/drawing/2014/main" id="{D638E752-64FB-4140-ADFD-85F665B91A85}"/>
+                <a16:creationId xmlns:a16="http://schemas.microsoft.com/office/drawing/2014/main" id="{D638E752-64FB-4140-ADFD-85F665B91A85}"/>
               </a:ext>
             </a:extLst>
           </p:cNvPr>
@@ -8858,7 +8834,7 @@
           <p:cNvPr id="4" name="Grafik 5" descr="campuscard_transparent.png">
             <a:extLst>
               <a:ext uri="{FF2B5EF4-FFF2-40B4-BE49-F238E27FC236}">
-                <a16:creationId xmlns="" xmlns:a16="http://schemas.microsoft.com/office/drawing/2014/main" id="{5B245F61-BA44-40EC-9B1A-33D9CE9E363F}"/>
+                <a16:creationId xmlns:a16="http://schemas.microsoft.com/office/drawing/2014/main" id="{5B245F61-BA44-40EC-9B1A-33D9CE9E363F}"/>
               </a:ext>
             </a:extLst>
           </p:cNvPr>
@@ -8888,7 +8864,7 @@
           <p:cNvPr id="38" name="Pfeil: nach rechts 37">
             <a:extLst>
               <a:ext uri="{FF2B5EF4-FFF2-40B4-BE49-F238E27FC236}">
-                <a16:creationId xmlns="" xmlns:a16="http://schemas.microsoft.com/office/drawing/2014/main" id="{E252883F-BB5E-44D0-8B4C-C629CB8EDCBC}"/>
+                <a16:creationId xmlns:a16="http://schemas.microsoft.com/office/drawing/2014/main" id="{E252883F-BB5E-44D0-8B4C-C629CB8EDCBC}"/>
               </a:ext>
             </a:extLst>
           </p:cNvPr>
@@ -8934,7 +8910,7 @@
           <p:cNvPr id="39" name="Rechteck: eine Ecke abgeschnitten 38">
             <a:extLst>
               <a:ext uri="{FF2B5EF4-FFF2-40B4-BE49-F238E27FC236}">
-                <a16:creationId xmlns="" xmlns:a16="http://schemas.microsoft.com/office/drawing/2014/main" id="{35A1CA5D-A98E-4E51-8F6A-21040C3F3A89}"/>
+                <a16:creationId xmlns:a16="http://schemas.microsoft.com/office/drawing/2014/main" id="{35A1CA5D-A98E-4E51-8F6A-21040C3F3A89}"/>
               </a:ext>
             </a:extLst>
           </p:cNvPr>
@@ -8980,7 +8956,7 @@
           <p:cNvPr id="41" name="Rechteck 40">
             <a:extLst>
               <a:ext uri="{FF2B5EF4-FFF2-40B4-BE49-F238E27FC236}">
-                <a16:creationId xmlns="" xmlns:a16="http://schemas.microsoft.com/office/drawing/2014/main" id="{683F4D17-097B-4D4B-9CE9-EA31A03EB1B9}"/>
+                <a16:creationId xmlns:a16="http://schemas.microsoft.com/office/drawing/2014/main" id="{683F4D17-097B-4D4B-9CE9-EA31A03EB1B9}"/>
               </a:ext>
             </a:extLst>
           </p:cNvPr>
@@ -9026,7 +9002,7 @@
           <p:cNvPr id="43" name="Grafik 4" descr="tierpark-OG-1200x630.jpg">
             <a:extLst>
               <a:ext uri="{FF2B5EF4-FFF2-40B4-BE49-F238E27FC236}">
-                <a16:creationId xmlns="" xmlns:a16="http://schemas.microsoft.com/office/drawing/2014/main" id="{2987B278-887D-48DA-B85D-5A65B257CB03}"/>
+                <a16:creationId xmlns:a16="http://schemas.microsoft.com/office/drawing/2014/main" id="{2987B278-887D-48DA-B85D-5A65B257CB03}"/>
               </a:ext>
             </a:extLst>
           </p:cNvPr>
@@ -9056,7 +9032,7 @@
           <p:cNvPr id="44" name="Gerade Verbindung mit Pfeil 43">
             <a:extLst>
               <a:ext uri="{FF2B5EF4-FFF2-40B4-BE49-F238E27FC236}">
-                <a16:creationId xmlns="" xmlns:a16="http://schemas.microsoft.com/office/drawing/2014/main" id="{D2CA3D24-4045-4BFC-A038-0B0E43F8FAE9}"/>
+                <a16:creationId xmlns:a16="http://schemas.microsoft.com/office/drawing/2014/main" id="{D2CA3D24-4045-4BFC-A038-0B0E43F8FAE9}"/>
               </a:ext>
             </a:extLst>
           </p:cNvPr>
@@ -9099,7 +9075,7 @@
           <p:cNvPr id="45" name="Grafik 5" descr="campuscard_transparent.png">
             <a:extLst>
               <a:ext uri="{FF2B5EF4-FFF2-40B4-BE49-F238E27FC236}">
-                <a16:creationId xmlns="" xmlns:a16="http://schemas.microsoft.com/office/drawing/2014/main" id="{9BA6D212-75FE-4AA6-9E00-3F88CEA41FF3}"/>
+                <a16:creationId xmlns:a16="http://schemas.microsoft.com/office/drawing/2014/main" id="{9BA6D212-75FE-4AA6-9E00-3F88CEA41FF3}"/>
               </a:ext>
             </a:extLst>
           </p:cNvPr>
@@ -9129,7 +9105,7 @@
           <p:cNvPr id="46" name="Smiley 45">
             <a:extLst>
               <a:ext uri="{FF2B5EF4-FFF2-40B4-BE49-F238E27FC236}">
-                <a16:creationId xmlns="" xmlns:a16="http://schemas.microsoft.com/office/drawing/2014/main" id="{AFA5CBC4-6D03-4BE0-A8D9-CE845C6C42D3}"/>
+                <a16:creationId xmlns:a16="http://schemas.microsoft.com/office/drawing/2014/main" id="{AFA5CBC4-6D03-4BE0-A8D9-CE845C6C42D3}"/>
               </a:ext>
             </a:extLst>
           </p:cNvPr>
@@ -9174,7 +9150,7 @@
           <p:cNvPr id="47" name="Gerade Verbindung mit Pfeil 46">
             <a:extLst>
               <a:ext uri="{FF2B5EF4-FFF2-40B4-BE49-F238E27FC236}">
-                <a16:creationId xmlns="" xmlns:a16="http://schemas.microsoft.com/office/drawing/2014/main" id="{7ACB201A-8BCA-4BE9-A20E-B6FA2467C4DB}"/>
+                <a16:creationId xmlns:a16="http://schemas.microsoft.com/office/drawing/2014/main" id="{7ACB201A-8BCA-4BE9-A20E-B6FA2467C4DB}"/>
               </a:ext>
             </a:extLst>
           </p:cNvPr>
@@ -9212,7 +9188,7 @@
           <p:cNvPr id="48" name="Gerade Verbindung mit Pfeil 47">
             <a:extLst>
               <a:ext uri="{FF2B5EF4-FFF2-40B4-BE49-F238E27FC236}">
-                <a16:creationId xmlns="" xmlns:a16="http://schemas.microsoft.com/office/drawing/2014/main" id="{B66439A2-1DD6-48E1-8FA3-D49AFB788C86}"/>
+                <a16:creationId xmlns:a16="http://schemas.microsoft.com/office/drawing/2014/main" id="{B66439A2-1DD6-48E1-8FA3-D49AFB788C86}"/>
               </a:ext>
             </a:extLst>
           </p:cNvPr>
@@ -9250,7 +9226,7 @@
           <p:cNvPr id="49" name="Gerade Verbindung mit Pfeil 48">
             <a:extLst>
               <a:ext uri="{FF2B5EF4-FFF2-40B4-BE49-F238E27FC236}">
-                <a16:creationId xmlns="" xmlns:a16="http://schemas.microsoft.com/office/drawing/2014/main" id="{9FE3CF39-AA90-4D97-B41C-BF45D930FF24}"/>
+                <a16:creationId xmlns:a16="http://schemas.microsoft.com/office/drawing/2014/main" id="{9FE3CF39-AA90-4D97-B41C-BF45D930FF24}"/>
               </a:ext>
             </a:extLst>
           </p:cNvPr>
@@ -9288,7 +9264,7 @@
           <p:cNvPr id="50" name="Gerade Verbindung mit Pfeil 49">
             <a:extLst>
               <a:ext uri="{FF2B5EF4-FFF2-40B4-BE49-F238E27FC236}">
-                <a16:creationId xmlns="" xmlns:a16="http://schemas.microsoft.com/office/drawing/2014/main" id="{0AC1D7CA-B603-42BB-AC32-114FA90F78C0}"/>
+                <a16:creationId xmlns:a16="http://schemas.microsoft.com/office/drawing/2014/main" id="{0AC1D7CA-B603-42BB-AC32-114FA90F78C0}"/>
               </a:ext>
             </a:extLst>
           </p:cNvPr>
@@ -9326,7 +9302,7 @@
           <p:cNvPr id="8" name="Textfeld 7">
             <a:extLst>
               <a:ext uri="{FF2B5EF4-FFF2-40B4-BE49-F238E27FC236}">
-                <a16:creationId xmlns="" xmlns:a16="http://schemas.microsoft.com/office/drawing/2014/main" id="{2D5CCBC8-7186-4991-A2E3-B3855AC54E87}"/>
+                <a16:creationId xmlns:a16="http://schemas.microsoft.com/office/drawing/2014/main" id="{2D5CCBC8-7186-4991-A2E3-B3855AC54E87}"/>
               </a:ext>
             </a:extLst>
           </p:cNvPr>
@@ -9375,7 +9351,7 @@
           <p:cNvPr id="51" name="Textfeld 50">
             <a:extLst>
               <a:ext uri="{FF2B5EF4-FFF2-40B4-BE49-F238E27FC236}">
-                <a16:creationId xmlns="" xmlns:a16="http://schemas.microsoft.com/office/drawing/2014/main" id="{2BB91139-9A4C-4F55-A8DD-0DFBCAF09794}"/>
+                <a16:creationId xmlns:a16="http://schemas.microsoft.com/office/drawing/2014/main" id="{2BB91139-9A4C-4F55-A8DD-0DFBCAF09794}"/>
               </a:ext>
             </a:extLst>
           </p:cNvPr>
@@ -9413,7 +9389,7 @@
           <p:cNvPr id="9" name="Textfeld 8">
             <a:extLst>
               <a:ext uri="{FF2B5EF4-FFF2-40B4-BE49-F238E27FC236}">
-                <a16:creationId xmlns="" xmlns:a16="http://schemas.microsoft.com/office/drawing/2014/main" id="{C76F4517-B819-4DDE-96DA-A06BE46E7C9B}"/>
+                <a16:creationId xmlns:a16="http://schemas.microsoft.com/office/drawing/2014/main" id="{C76F4517-B819-4DDE-96DA-A06BE46E7C9B}"/>
               </a:ext>
             </a:extLst>
           </p:cNvPr>
@@ -10943,7 +10919,7 @@
           <p:cNvPr id="3" name="Titel 2">
             <a:extLst>
               <a:ext uri="{FF2B5EF4-FFF2-40B4-BE49-F238E27FC236}">
-                <a16:creationId xmlns="" xmlns:a16="http://schemas.microsoft.com/office/drawing/2014/main" id="{63C7D172-FC92-434E-B470-FAA094A59867}"/>
+                <a16:creationId xmlns:a16="http://schemas.microsoft.com/office/drawing/2014/main" id="{63C7D172-FC92-434E-B470-FAA094A59867}"/>
               </a:ext>
             </a:extLst>
           </p:cNvPr>
@@ -10985,7 +10961,7 @@
           <p:cNvPr id="39" name="Rechteck: eine Ecke abgeschnitten 38">
             <a:extLst>
               <a:ext uri="{FF2B5EF4-FFF2-40B4-BE49-F238E27FC236}">
-                <a16:creationId xmlns="" xmlns:a16="http://schemas.microsoft.com/office/drawing/2014/main" id="{35A1CA5D-A98E-4E51-8F6A-21040C3F3A89}"/>
+                <a16:creationId xmlns:a16="http://schemas.microsoft.com/office/drawing/2014/main" id="{35A1CA5D-A98E-4E51-8F6A-21040C3F3A89}"/>
               </a:ext>
             </a:extLst>
           </p:cNvPr>
@@ -11031,7 +11007,7 @@
           <p:cNvPr id="41" name="Rechteck 40">
             <a:extLst>
               <a:ext uri="{FF2B5EF4-FFF2-40B4-BE49-F238E27FC236}">
-                <a16:creationId xmlns="" xmlns:a16="http://schemas.microsoft.com/office/drawing/2014/main" id="{683F4D17-097B-4D4B-9CE9-EA31A03EB1B9}"/>
+                <a16:creationId xmlns:a16="http://schemas.microsoft.com/office/drawing/2014/main" id="{683F4D17-097B-4D4B-9CE9-EA31A03EB1B9}"/>
               </a:ext>
             </a:extLst>
           </p:cNvPr>
@@ -11077,7 +11053,7 @@
           <p:cNvPr id="43" name="Grafik 4" descr="tierpark-OG-1200x630.jpg">
             <a:extLst>
               <a:ext uri="{FF2B5EF4-FFF2-40B4-BE49-F238E27FC236}">
-                <a16:creationId xmlns="" xmlns:a16="http://schemas.microsoft.com/office/drawing/2014/main" id="{2987B278-887D-48DA-B85D-5A65B257CB03}"/>
+                <a16:creationId xmlns:a16="http://schemas.microsoft.com/office/drawing/2014/main" id="{2987B278-887D-48DA-B85D-5A65B257CB03}"/>
               </a:ext>
             </a:extLst>
           </p:cNvPr>
@@ -11107,7 +11083,7 @@
           <p:cNvPr id="44" name="Gerade Verbindung mit Pfeil 43">
             <a:extLst>
               <a:ext uri="{FF2B5EF4-FFF2-40B4-BE49-F238E27FC236}">
-                <a16:creationId xmlns="" xmlns:a16="http://schemas.microsoft.com/office/drawing/2014/main" id="{D2CA3D24-4045-4BFC-A038-0B0E43F8FAE9}"/>
+                <a16:creationId xmlns:a16="http://schemas.microsoft.com/office/drawing/2014/main" id="{D2CA3D24-4045-4BFC-A038-0B0E43F8FAE9}"/>
               </a:ext>
             </a:extLst>
           </p:cNvPr>
@@ -11150,7 +11126,7 @@
           <p:cNvPr id="45" name="Grafik 5" descr="campuscard_transparent.png">
             <a:extLst>
               <a:ext uri="{FF2B5EF4-FFF2-40B4-BE49-F238E27FC236}">
-                <a16:creationId xmlns="" xmlns:a16="http://schemas.microsoft.com/office/drawing/2014/main" id="{9BA6D212-75FE-4AA6-9E00-3F88CEA41FF3}"/>
+                <a16:creationId xmlns:a16="http://schemas.microsoft.com/office/drawing/2014/main" id="{9BA6D212-75FE-4AA6-9E00-3F88CEA41FF3}"/>
               </a:ext>
             </a:extLst>
           </p:cNvPr>
@@ -11180,7 +11156,7 @@
           <p:cNvPr id="46" name="Smiley 45">
             <a:extLst>
               <a:ext uri="{FF2B5EF4-FFF2-40B4-BE49-F238E27FC236}">
-                <a16:creationId xmlns="" xmlns:a16="http://schemas.microsoft.com/office/drawing/2014/main" id="{AFA5CBC4-6D03-4BE0-A8D9-CE845C6C42D3}"/>
+                <a16:creationId xmlns:a16="http://schemas.microsoft.com/office/drawing/2014/main" id="{AFA5CBC4-6D03-4BE0-A8D9-CE845C6C42D3}"/>
               </a:ext>
             </a:extLst>
           </p:cNvPr>
@@ -11225,7 +11201,7 @@
           <p:cNvPr id="47" name="Gerade Verbindung mit Pfeil 46">
             <a:extLst>
               <a:ext uri="{FF2B5EF4-FFF2-40B4-BE49-F238E27FC236}">
-                <a16:creationId xmlns="" xmlns:a16="http://schemas.microsoft.com/office/drawing/2014/main" id="{7ACB201A-8BCA-4BE9-A20E-B6FA2467C4DB}"/>
+                <a16:creationId xmlns:a16="http://schemas.microsoft.com/office/drawing/2014/main" id="{7ACB201A-8BCA-4BE9-A20E-B6FA2467C4DB}"/>
               </a:ext>
             </a:extLst>
           </p:cNvPr>
@@ -11263,7 +11239,7 @@
           <p:cNvPr id="48" name="Gerade Verbindung mit Pfeil 47">
             <a:extLst>
               <a:ext uri="{FF2B5EF4-FFF2-40B4-BE49-F238E27FC236}">
-                <a16:creationId xmlns="" xmlns:a16="http://schemas.microsoft.com/office/drawing/2014/main" id="{B66439A2-1DD6-48E1-8FA3-D49AFB788C86}"/>
+                <a16:creationId xmlns:a16="http://schemas.microsoft.com/office/drawing/2014/main" id="{B66439A2-1DD6-48E1-8FA3-D49AFB788C86}"/>
               </a:ext>
             </a:extLst>
           </p:cNvPr>
@@ -11301,7 +11277,7 @@
           <p:cNvPr id="49" name="Gerade Verbindung mit Pfeil 48">
             <a:extLst>
               <a:ext uri="{FF2B5EF4-FFF2-40B4-BE49-F238E27FC236}">
-                <a16:creationId xmlns="" xmlns:a16="http://schemas.microsoft.com/office/drawing/2014/main" id="{9FE3CF39-AA90-4D97-B41C-BF45D930FF24}"/>
+                <a16:creationId xmlns:a16="http://schemas.microsoft.com/office/drawing/2014/main" id="{9FE3CF39-AA90-4D97-B41C-BF45D930FF24}"/>
               </a:ext>
             </a:extLst>
           </p:cNvPr>
@@ -11339,7 +11315,7 @@
           <p:cNvPr id="50" name="Gerade Verbindung mit Pfeil 49">
             <a:extLst>
               <a:ext uri="{FF2B5EF4-FFF2-40B4-BE49-F238E27FC236}">
-                <a16:creationId xmlns="" xmlns:a16="http://schemas.microsoft.com/office/drawing/2014/main" id="{0AC1D7CA-B603-42BB-AC32-114FA90F78C0}"/>
+                <a16:creationId xmlns:a16="http://schemas.microsoft.com/office/drawing/2014/main" id="{0AC1D7CA-B603-42BB-AC32-114FA90F78C0}"/>
               </a:ext>
             </a:extLst>
           </p:cNvPr>
@@ -11377,7 +11353,7 @@
           <p:cNvPr id="2" name="Grafik 5" descr="campuscard_transparent.png">
             <a:extLst>
               <a:ext uri="{FF2B5EF4-FFF2-40B4-BE49-F238E27FC236}">
-                <a16:creationId xmlns="" xmlns:a16="http://schemas.microsoft.com/office/drawing/2014/main" id="{2CFA70B4-5409-46FD-A93B-873B900B61CE}"/>
+                <a16:creationId xmlns:a16="http://schemas.microsoft.com/office/drawing/2014/main" id="{2CFA70B4-5409-46FD-A93B-873B900B61CE}"/>
               </a:ext>
             </a:extLst>
           </p:cNvPr>
@@ -11407,7 +11383,7 @@
           <p:cNvPr id="5" name="Textfeld 4">
             <a:extLst>
               <a:ext uri="{FF2B5EF4-FFF2-40B4-BE49-F238E27FC236}">
-                <a16:creationId xmlns="" xmlns:a16="http://schemas.microsoft.com/office/drawing/2014/main" id="{2C1B0166-9D52-4627-AC35-9FDE948ED390}"/>
+                <a16:creationId xmlns:a16="http://schemas.microsoft.com/office/drawing/2014/main" id="{2C1B0166-9D52-4627-AC35-9FDE948ED390}"/>
               </a:ext>
             </a:extLst>
           </p:cNvPr>
@@ -11445,7 +11421,7 @@
           <p:cNvPr id="6" name="Pfeil: nach rechts 5">
             <a:extLst>
               <a:ext uri="{FF2B5EF4-FFF2-40B4-BE49-F238E27FC236}">
-                <a16:creationId xmlns="" xmlns:a16="http://schemas.microsoft.com/office/drawing/2014/main" id="{68EDDD2D-2FD4-454C-9636-756ED50585E5}"/>
+                <a16:creationId xmlns:a16="http://schemas.microsoft.com/office/drawing/2014/main" id="{68EDDD2D-2FD4-454C-9636-756ED50585E5}"/>
               </a:ext>
             </a:extLst>
           </p:cNvPr>
@@ -11491,7 +11467,7 @@
           <p:cNvPr id="60" name="Rechteck: eine Ecke abgeschnitten 59">
             <a:extLst>
               <a:ext uri="{FF2B5EF4-FFF2-40B4-BE49-F238E27FC236}">
-                <a16:creationId xmlns="" xmlns:a16="http://schemas.microsoft.com/office/drawing/2014/main" id="{E4803B89-5138-4A4A-8BF7-67D8D6B7BBAC}"/>
+                <a16:creationId xmlns:a16="http://schemas.microsoft.com/office/drawing/2014/main" id="{E4803B89-5138-4A4A-8BF7-67D8D6B7BBAC}"/>
               </a:ext>
             </a:extLst>
           </p:cNvPr>
@@ -11537,7 +11513,7 @@
           <p:cNvPr id="61" name="Rechteck 60">
             <a:extLst>
               <a:ext uri="{FF2B5EF4-FFF2-40B4-BE49-F238E27FC236}">
-                <a16:creationId xmlns="" xmlns:a16="http://schemas.microsoft.com/office/drawing/2014/main" id="{517A8F7F-22E0-414A-A07D-465CA09DDC81}"/>
+                <a16:creationId xmlns:a16="http://schemas.microsoft.com/office/drawing/2014/main" id="{517A8F7F-22E0-414A-A07D-465CA09DDC81}"/>
               </a:ext>
             </a:extLst>
           </p:cNvPr>
@@ -11583,7 +11559,7 @@
           <p:cNvPr id="62" name="Grafik 4" descr="tierpark-OG-1200x630.jpg">
             <a:extLst>
               <a:ext uri="{FF2B5EF4-FFF2-40B4-BE49-F238E27FC236}">
-                <a16:creationId xmlns="" xmlns:a16="http://schemas.microsoft.com/office/drawing/2014/main" id="{A08FCA8F-E3C4-424C-9B7A-7D4F837E48E7}"/>
+                <a16:creationId xmlns:a16="http://schemas.microsoft.com/office/drawing/2014/main" id="{A08FCA8F-E3C4-424C-9B7A-7D4F837E48E7}"/>
               </a:ext>
             </a:extLst>
           </p:cNvPr>
@@ -11613,7 +11589,7 @@
           <p:cNvPr id="63" name="Gerade Verbindung mit Pfeil 62">
             <a:extLst>
               <a:ext uri="{FF2B5EF4-FFF2-40B4-BE49-F238E27FC236}">
-                <a16:creationId xmlns="" xmlns:a16="http://schemas.microsoft.com/office/drawing/2014/main" id="{86A6C3C2-BDB7-4B3C-B649-85B83C133503}"/>
+                <a16:creationId xmlns:a16="http://schemas.microsoft.com/office/drawing/2014/main" id="{86A6C3C2-BDB7-4B3C-B649-85B83C133503}"/>
               </a:ext>
             </a:extLst>
           </p:cNvPr>
@@ -11656,7 +11632,7 @@
           <p:cNvPr id="64" name="Grafik 5" descr="campuscard_transparent.png">
             <a:extLst>
               <a:ext uri="{FF2B5EF4-FFF2-40B4-BE49-F238E27FC236}">
-                <a16:creationId xmlns="" xmlns:a16="http://schemas.microsoft.com/office/drawing/2014/main" id="{E99DD33B-52DE-4779-BE61-0CAD5A07DE42}"/>
+                <a16:creationId xmlns:a16="http://schemas.microsoft.com/office/drawing/2014/main" id="{E99DD33B-52DE-4779-BE61-0CAD5A07DE42}"/>
               </a:ext>
             </a:extLst>
           </p:cNvPr>
@@ -11686,7 +11662,7 @@
           <p:cNvPr id="65" name="Smiley 64">
             <a:extLst>
               <a:ext uri="{FF2B5EF4-FFF2-40B4-BE49-F238E27FC236}">
-                <a16:creationId xmlns="" xmlns:a16="http://schemas.microsoft.com/office/drawing/2014/main" id="{7C522E88-59D0-4341-961B-C49990B4189F}"/>
+                <a16:creationId xmlns:a16="http://schemas.microsoft.com/office/drawing/2014/main" id="{7C522E88-59D0-4341-961B-C49990B4189F}"/>
               </a:ext>
             </a:extLst>
           </p:cNvPr>
@@ -11731,7 +11707,7 @@
           <p:cNvPr id="66" name="Gerade Verbindung mit Pfeil 65">
             <a:extLst>
               <a:ext uri="{FF2B5EF4-FFF2-40B4-BE49-F238E27FC236}">
-                <a16:creationId xmlns="" xmlns:a16="http://schemas.microsoft.com/office/drawing/2014/main" id="{405A4D64-691B-41F0-9794-EBA74AE6E0FC}"/>
+                <a16:creationId xmlns:a16="http://schemas.microsoft.com/office/drawing/2014/main" id="{405A4D64-691B-41F0-9794-EBA74AE6E0FC}"/>
               </a:ext>
             </a:extLst>
           </p:cNvPr>
@@ -11769,7 +11745,7 @@
           <p:cNvPr id="67" name="Gerade Verbindung mit Pfeil 66">
             <a:extLst>
               <a:ext uri="{FF2B5EF4-FFF2-40B4-BE49-F238E27FC236}">
-                <a16:creationId xmlns="" xmlns:a16="http://schemas.microsoft.com/office/drawing/2014/main" id="{5325ED61-BD91-4CBD-A9A2-7BD9071813BE}"/>
+                <a16:creationId xmlns:a16="http://schemas.microsoft.com/office/drawing/2014/main" id="{5325ED61-BD91-4CBD-A9A2-7BD9071813BE}"/>
               </a:ext>
             </a:extLst>
           </p:cNvPr>
@@ -11807,7 +11783,7 @@
           <p:cNvPr id="68" name="Gerade Verbindung mit Pfeil 67">
             <a:extLst>
               <a:ext uri="{FF2B5EF4-FFF2-40B4-BE49-F238E27FC236}">
-                <a16:creationId xmlns="" xmlns:a16="http://schemas.microsoft.com/office/drawing/2014/main" id="{B0AAAECA-1437-4F3A-B389-FB50C68CD22A}"/>
+                <a16:creationId xmlns:a16="http://schemas.microsoft.com/office/drawing/2014/main" id="{B0AAAECA-1437-4F3A-B389-FB50C68CD22A}"/>
               </a:ext>
             </a:extLst>
           </p:cNvPr>
@@ -11845,7 +11821,7 @@
           <p:cNvPr id="69" name="Gerade Verbindung mit Pfeil 68">
             <a:extLst>
               <a:ext uri="{FF2B5EF4-FFF2-40B4-BE49-F238E27FC236}">
-                <a16:creationId xmlns="" xmlns:a16="http://schemas.microsoft.com/office/drawing/2014/main" id="{6A008AF9-137D-4F45-A5E9-872457677029}"/>
+                <a16:creationId xmlns:a16="http://schemas.microsoft.com/office/drawing/2014/main" id="{6A008AF9-137D-4F45-A5E9-872457677029}"/>
               </a:ext>
             </a:extLst>
           </p:cNvPr>
@@ -11883,7 +11859,7 @@
           <p:cNvPr id="71" name="Textfeld 70">
             <a:extLst>
               <a:ext uri="{FF2B5EF4-FFF2-40B4-BE49-F238E27FC236}">
-                <a16:creationId xmlns="" xmlns:a16="http://schemas.microsoft.com/office/drawing/2014/main" id="{5A0DA4AC-566B-446C-B491-FECB51B30F5C}"/>
+                <a16:creationId xmlns:a16="http://schemas.microsoft.com/office/drawing/2014/main" id="{5A0DA4AC-566B-446C-B491-FECB51B30F5C}"/>
               </a:ext>
             </a:extLst>
           </p:cNvPr>
@@ -11933,7 +11909,7 @@
           <p:cNvPr id="72" name="Pfeil: nach rechts 71">
             <a:extLst>
               <a:ext uri="{FF2B5EF4-FFF2-40B4-BE49-F238E27FC236}">
-                <a16:creationId xmlns="" xmlns:a16="http://schemas.microsoft.com/office/drawing/2014/main" id="{2B33269B-477A-4438-A8C6-59488524CCA9}"/>
+                <a16:creationId xmlns:a16="http://schemas.microsoft.com/office/drawing/2014/main" id="{2B33269B-477A-4438-A8C6-59488524CCA9}"/>
               </a:ext>
             </a:extLst>
           </p:cNvPr>
@@ -11979,7 +11955,7 @@
           <p:cNvPr id="73" name="Smiley 72">
             <a:extLst>
               <a:ext uri="{FF2B5EF4-FFF2-40B4-BE49-F238E27FC236}">
-                <a16:creationId xmlns="" xmlns:a16="http://schemas.microsoft.com/office/drawing/2014/main" id="{1EDC022F-091C-4C55-9E36-559CF0EFDAC6}"/>
+                <a16:creationId xmlns:a16="http://schemas.microsoft.com/office/drawing/2014/main" id="{1EDC022F-091C-4C55-9E36-559CF0EFDAC6}"/>
               </a:ext>
             </a:extLst>
           </p:cNvPr>
@@ -12024,7 +12000,7 @@
           <p:cNvPr id="74" name="Gerade Verbindung mit Pfeil 73">
             <a:extLst>
               <a:ext uri="{FF2B5EF4-FFF2-40B4-BE49-F238E27FC236}">
-                <a16:creationId xmlns="" xmlns:a16="http://schemas.microsoft.com/office/drawing/2014/main" id="{C0575A62-EDE5-4FD7-8C4E-7A0BF3F6CB5D}"/>
+                <a16:creationId xmlns:a16="http://schemas.microsoft.com/office/drawing/2014/main" id="{C0575A62-EDE5-4FD7-8C4E-7A0BF3F6CB5D}"/>
               </a:ext>
             </a:extLst>
           </p:cNvPr>
@@ -12062,7 +12038,7 @@
           <p:cNvPr id="75" name="Gerade Verbindung mit Pfeil 74">
             <a:extLst>
               <a:ext uri="{FF2B5EF4-FFF2-40B4-BE49-F238E27FC236}">
-                <a16:creationId xmlns="" xmlns:a16="http://schemas.microsoft.com/office/drawing/2014/main" id="{5BEC47D8-4806-4B0E-9DB5-67930846B1BA}"/>
+                <a16:creationId xmlns:a16="http://schemas.microsoft.com/office/drawing/2014/main" id="{5BEC47D8-4806-4B0E-9DB5-67930846B1BA}"/>
               </a:ext>
             </a:extLst>
           </p:cNvPr>
@@ -12100,7 +12076,7 @@
           <p:cNvPr id="76" name="Gerade Verbindung mit Pfeil 75">
             <a:extLst>
               <a:ext uri="{FF2B5EF4-FFF2-40B4-BE49-F238E27FC236}">
-                <a16:creationId xmlns="" xmlns:a16="http://schemas.microsoft.com/office/drawing/2014/main" id="{EC78D543-1CEA-4DB2-B084-5052014A90C9}"/>
+                <a16:creationId xmlns:a16="http://schemas.microsoft.com/office/drawing/2014/main" id="{EC78D543-1CEA-4DB2-B084-5052014A90C9}"/>
               </a:ext>
             </a:extLst>
           </p:cNvPr>
@@ -12138,7 +12114,7 @@
           <p:cNvPr id="77" name="Gerade Verbindung mit Pfeil 76">
             <a:extLst>
               <a:ext uri="{FF2B5EF4-FFF2-40B4-BE49-F238E27FC236}">
-                <a16:creationId xmlns="" xmlns:a16="http://schemas.microsoft.com/office/drawing/2014/main" id="{550F6B19-EDCA-4793-9459-D527FEA411F5}"/>
+                <a16:creationId xmlns:a16="http://schemas.microsoft.com/office/drawing/2014/main" id="{550F6B19-EDCA-4793-9459-D527FEA411F5}"/>
               </a:ext>
             </a:extLst>
           </p:cNvPr>
@@ -12970,13 +12946,6 @@
       </p:transition>
     </mc:Fallback>
   </mc:AlternateContent>
-  <p:timing>
-    <p:tnLst>
-      <p:par>
-        <p:cTn id="1" dur="indefinite" restart="never" nodeType="tmRoot"/>
-      </p:par>
-    </p:tnLst>
-  </p:timing>
 </p:sld>
 </file>
 
@@ -13010,7 +12979,7 @@
           <p:cNvPr id="6" name="Grafik 6" descr="pfau.jpg">
             <a:extLst>
               <a:ext uri="{FF2B5EF4-FFF2-40B4-BE49-F238E27FC236}">
-                <a16:creationId xmlns="" xmlns:a16="http://schemas.microsoft.com/office/drawing/2014/main" id="{B43D1FDD-7217-4A8A-AA29-B86EB54E976A}"/>
+                <a16:creationId xmlns:a16="http://schemas.microsoft.com/office/drawing/2014/main" id="{B43D1FDD-7217-4A8A-AA29-B86EB54E976A}"/>
               </a:ext>
             </a:extLst>
           </p:cNvPr>
@@ -13041,7 +13010,7 @@
           <p:cNvPr id="12" name="Rectangle 12">
             <a:extLst>
               <a:ext uri="{FF2B5EF4-FFF2-40B4-BE49-F238E27FC236}">
-                <a16:creationId xmlns="" xmlns:a16="http://schemas.microsoft.com/office/drawing/2014/main" id="{6F772A9A-A923-4EE2-95F3-8BB66C13D1D2}"/>
+                <a16:creationId xmlns:a16="http://schemas.microsoft.com/office/drawing/2014/main" id="{6F772A9A-A923-4EE2-95F3-8BB66C13D1D2}"/>
               </a:ext>
             </a:extLst>
           </p:cNvPr>
@@ -13192,7 +13161,7 @@
           <p:cNvPr id="3" name="Titel 2">
             <a:extLst>
               <a:ext uri="{FF2B5EF4-FFF2-40B4-BE49-F238E27FC236}">
-                <a16:creationId xmlns="" xmlns:a16="http://schemas.microsoft.com/office/drawing/2014/main" id="{26599F58-DBAF-456B-AF48-4E620E7B0F92}"/>
+                <a16:creationId xmlns:a16="http://schemas.microsoft.com/office/drawing/2014/main" id="{26599F58-DBAF-456B-AF48-4E620E7B0F92}"/>
               </a:ext>
             </a:extLst>
           </p:cNvPr>
@@ -13232,7 +13201,7 @@
           <p:cNvPr id="9" name="Textfeld 8">
             <a:extLst>
               <a:ext uri="{FF2B5EF4-FFF2-40B4-BE49-F238E27FC236}">
-                <a16:creationId xmlns="" xmlns:a16="http://schemas.microsoft.com/office/drawing/2014/main" id="{029E4C71-1868-40E6-B2C6-2F2E4E9AFB25}"/>
+                <a16:creationId xmlns:a16="http://schemas.microsoft.com/office/drawing/2014/main" id="{029E4C71-1868-40E6-B2C6-2F2E4E9AFB25}"/>
               </a:ext>
             </a:extLst>
           </p:cNvPr>
@@ -13549,7 +13518,7 @@
   <a:extraClrSchemeLst/>
   <a:extLst>
     <a:ext uri="{05A4C25C-085E-4340-85A3-A5531E510DB2}">
-      <thm15:themeFamily xmlns="" xmlns:thm15="http://schemas.microsoft.com/office/thememl/2012/main" name="Office Theme" id="{62F939B6-93AF-4DB8-9C6B-D6C7DFDC589F}" vid="{4A3C46E8-61CC-4603-A589-7422A47A8E4A}"/>
+      <thm15:themeFamily xmlns:thm15="http://schemas.microsoft.com/office/thememl/2012/main" name="Office Theme" id="{62F939B6-93AF-4DB8-9C6B-D6C7DFDC589F}" vid="{4A3C46E8-61CC-4603-A589-7422A47A8E4A}"/>
     </a:ext>
   </a:extLst>
 </a:theme>
@@ -13844,7 +13813,7 @@
   <a:extraClrSchemeLst/>
   <a:extLst>
     <a:ext uri="{05A4C25C-085E-4340-85A3-A5531E510DB2}">
-      <thm15:themeFamily xmlns="" xmlns:thm15="http://schemas.microsoft.com/office/thememl/2012/main" name="Office Theme" id="{62F939B6-93AF-4DB8-9C6B-D6C7DFDC589F}" vid="{4A3C46E8-61CC-4603-A589-7422A47A8E4A}"/>
+      <thm15:themeFamily xmlns:thm15="http://schemas.microsoft.com/office/thememl/2012/main" name="Office Theme" id="{62F939B6-93AF-4DB8-9C6B-D6C7DFDC589F}" vid="{4A3C46E8-61CC-4603-A589-7422A47A8E4A}"/>
     </a:ext>
   </a:extLst>
 </a:theme>

--- a/Endvortrag/Endpräsentation.pptx
+++ b/Endvortrag/Endpräsentation.pptx
@@ -118,7 +118,7 @@
   </p:defaultTextStyle>
   <p:extLst>
     <p:ext uri="{EFAFB233-063F-42B5-8137-9DF3F51BA10A}">
-      <p15:sldGuideLst xmlns:p15="http://schemas.microsoft.com/office/powerpoint/2012/main">
+      <p15:sldGuideLst xmlns:p15="http://schemas.microsoft.com/office/powerpoint/2012/main" xmlns="">
         <p15:guide id="1" orient="horz" pos="2160">
           <p15:clr>
             <a:srgbClr val="A4A3A4"/>
@@ -221,7 +221,7 @@
           <a:p>
             <a:fld id="{683D44F8-09BE-4E2C-8664-003F66647BE5}" type="datetimeFigureOut">
               <a:rPr lang="de-DE"/>
-              <a:t>09.12.2017</a:t>
+              <a:t>18.02.2018</a:t>
             </a:fld>
             <a:endParaRPr lang="de-DE"/>
           </a:p>
@@ -1143,7 +1143,7 @@
           <a:p>
             <a:fld id="{D3EB3054-B75A-4BD7-8B3E-8DC0F614FAF3}" type="datetimeFigureOut">
               <a:rPr lang="de-DE" smtClean="0"/>
-              <a:t>09.12.2017</a:t>
+              <a:t>18.02.2018</a:t>
             </a:fld>
             <a:endParaRPr lang="de-DE"/>
           </a:p>
@@ -1311,7 +1311,7 @@
           <a:p>
             <a:fld id="{D3EB3054-B75A-4BD7-8B3E-8DC0F614FAF3}" type="datetimeFigureOut">
               <a:rPr lang="de-DE" smtClean="0"/>
-              <a:t>09.12.2017</a:t>
+              <a:t>18.02.2018</a:t>
             </a:fld>
             <a:endParaRPr lang="de-DE"/>
           </a:p>
@@ -1489,7 +1489,7 @@
           <a:p>
             <a:fld id="{D3EB3054-B75A-4BD7-8B3E-8DC0F614FAF3}" type="datetimeFigureOut">
               <a:rPr lang="de-DE" smtClean="0"/>
-              <a:t>09.12.2017</a:t>
+              <a:t>18.02.2018</a:t>
             </a:fld>
             <a:endParaRPr lang="de-DE"/>
           </a:p>
@@ -1657,7 +1657,7 @@
           <a:p>
             <a:fld id="{D3EB3054-B75A-4BD7-8B3E-8DC0F614FAF3}" type="datetimeFigureOut">
               <a:rPr lang="de-DE" smtClean="0"/>
-              <a:t>09.12.2017</a:t>
+              <a:t>18.02.2018</a:t>
             </a:fld>
             <a:endParaRPr lang="de-DE"/>
           </a:p>
@@ -1902,7 +1902,7 @@
           <a:p>
             <a:fld id="{D3EB3054-B75A-4BD7-8B3E-8DC0F614FAF3}" type="datetimeFigureOut">
               <a:rPr lang="de-DE" smtClean="0"/>
-              <a:t>09.12.2017</a:t>
+              <a:t>18.02.2018</a:t>
             </a:fld>
             <a:endParaRPr lang="de-DE"/>
           </a:p>
@@ -2131,7 +2131,7 @@
           <a:p>
             <a:fld id="{D3EB3054-B75A-4BD7-8B3E-8DC0F614FAF3}" type="datetimeFigureOut">
               <a:rPr lang="de-DE" smtClean="0"/>
-              <a:t>09.12.2017</a:t>
+              <a:t>18.02.2018</a:t>
             </a:fld>
             <a:endParaRPr lang="de-DE"/>
           </a:p>
@@ -2495,7 +2495,7 @@
           <a:p>
             <a:fld id="{D3EB3054-B75A-4BD7-8B3E-8DC0F614FAF3}" type="datetimeFigureOut">
               <a:rPr lang="de-DE" smtClean="0"/>
-              <a:t>09.12.2017</a:t>
+              <a:t>18.02.2018</a:t>
             </a:fld>
             <a:endParaRPr lang="de-DE"/>
           </a:p>
@@ -2612,7 +2612,7 @@
           <a:p>
             <a:fld id="{D3EB3054-B75A-4BD7-8B3E-8DC0F614FAF3}" type="datetimeFigureOut">
               <a:rPr lang="de-DE" smtClean="0"/>
-              <a:t>09.12.2017</a:t>
+              <a:t>18.02.2018</a:t>
             </a:fld>
             <a:endParaRPr lang="de-DE"/>
           </a:p>
@@ -2707,7 +2707,7 @@
           <a:p>
             <a:fld id="{D3EB3054-B75A-4BD7-8B3E-8DC0F614FAF3}" type="datetimeFigureOut">
               <a:rPr lang="de-DE" smtClean="0"/>
-              <a:t>09.12.2017</a:t>
+              <a:t>18.02.2018</a:t>
             </a:fld>
             <a:endParaRPr lang="de-DE"/>
           </a:p>
@@ -2982,7 +2982,7 @@
           <a:p>
             <a:fld id="{D3EB3054-B75A-4BD7-8B3E-8DC0F614FAF3}" type="datetimeFigureOut">
               <a:rPr lang="de-DE" smtClean="0"/>
-              <a:t>09.12.2017</a:t>
+              <a:t>18.02.2018</a:t>
             </a:fld>
             <a:endParaRPr lang="de-DE"/>
           </a:p>
@@ -3234,7 +3234,7 @@
           <a:p>
             <a:fld id="{D3EB3054-B75A-4BD7-8B3E-8DC0F614FAF3}" type="datetimeFigureOut">
               <a:rPr lang="de-DE" smtClean="0"/>
-              <a:t>09.12.2017</a:t>
+              <a:t>18.02.2018</a:t>
             </a:fld>
             <a:endParaRPr lang="de-DE"/>
           </a:p>
@@ -3445,7 +3445,7 @@
           <a:p>
             <a:fld id="{D3EB3054-B75A-4BD7-8B3E-8DC0F614FAF3}" type="datetimeFigureOut">
               <a:rPr lang="de-DE" smtClean="0"/>
-              <a:t>09.12.2017</a:t>
+              <a:t>18.02.2018</a:t>
             </a:fld>
             <a:endParaRPr lang="de-DE"/>
           </a:p>
@@ -3903,7 +3903,7 @@
           <p:cNvPr id="11" name="Freeform 3">
             <a:extLst>
               <a:ext uri="{FF2B5EF4-FFF2-40B4-BE49-F238E27FC236}">
-                <a16:creationId xmlns:a16="http://schemas.microsoft.com/office/drawing/2014/main" id="{F6429F11-64E2-4420-9B0C-F3F81BF0D15B}"/>
+                <a16:creationId xmlns:a16="http://schemas.microsoft.com/office/drawing/2014/main" xmlns="" id="{F6429F11-64E2-4420-9B0C-F3F81BF0D15B}"/>
               </a:ext>
             </a:extLst>
           </p:cNvPr>
@@ -3913,7 +3913,7 @@
           <p:nvPr>
             <p:extLst>
               <p:ext uri="{386F3935-93C4-4BCD-93E2-E3B085C9AB24}">
-                <p16:designElem xmlns:p16="http://schemas.microsoft.com/office/powerpoint/2015/main" val="1"/>
+                <p16:designElem xmlns:p16="http://schemas.microsoft.com/office/powerpoint/2015/main" xmlns="" val="1"/>
               </p:ext>
             </p:extLst>
           </p:nvPr>
@@ -4068,7 +4068,7 @@
           <p:cNvPr id="13" name="Freeform 4">
             <a:extLst>
               <a:ext uri="{FF2B5EF4-FFF2-40B4-BE49-F238E27FC236}">
-                <a16:creationId xmlns:a16="http://schemas.microsoft.com/office/drawing/2014/main" id="{62785A07-F203-435E-8E76-BB97680C2FCA}"/>
+                <a16:creationId xmlns:a16="http://schemas.microsoft.com/office/drawing/2014/main" xmlns="" id="{62785A07-F203-435E-8E76-BB97680C2FCA}"/>
               </a:ext>
             </a:extLst>
           </p:cNvPr>
@@ -4078,7 +4078,7 @@
           <p:nvPr>
             <p:extLst>
               <p:ext uri="{386F3935-93C4-4BCD-93E2-E3B085C9AB24}">
-                <p16:designElem xmlns:p16="http://schemas.microsoft.com/office/powerpoint/2015/main" val="1"/>
+                <p16:designElem xmlns:p16="http://schemas.microsoft.com/office/powerpoint/2015/main" xmlns="" val="1"/>
               </p:ext>
             </p:extLst>
           </p:nvPr>
@@ -4369,7 +4369,7 @@
           <p:cNvPr id="38" name="Freeform 34">
             <a:extLst>
               <a:ext uri="{FF2B5EF4-FFF2-40B4-BE49-F238E27FC236}">
-                <a16:creationId xmlns:a16="http://schemas.microsoft.com/office/drawing/2014/main" id="{B0992639-1CDA-4FE6-BB95-E13221490740}"/>
+                <a16:creationId xmlns:a16="http://schemas.microsoft.com/office/drawing/2014/main" xmlns="" id="{B0992639-1CDA-4FE6-BB95-E13221490740}"/>
               </a:ext>
             </a:extLst>
           </p:cNvPr>
@@ -4379,7 +4379,7 @@
           <p:nvPr>
             <p:extLst>
               <p:ext uri="{386F3935-93C4-4BCD-93E2-E3B085C9AB24}">
-                <p16:designElem xmlns:p16="http://schemas.microsoft.com/office/powerpoint/2015/main" val="1"/>
+                <p16:designElem xmlns:p16="http://schemas.microsoft.com/office/powerpoint/2015/main" xmlns="" val="1"/>
               </p:ext>
             </p:extLst>
           </p:nvPr>
@@ -4492,7 +4492,7 @@
           <p:cNvPr id="40" name="Freeform 31">
             <a:extLst>
               <a:ext uri="{FF2B5EF4-FFF2-40B4-BE49-F238E27FC236}">
-                <a16:creationId xmlns:a16="http://schemas.microsoft.com/office/drawing/2014/main" id="{A2AEA782-0EA4-42E9-871D-7401D6A09739}"/>
+                <a16:creationId xmlns:a16="http://schemas.microsoft.com/office/drawing/2014/main" xmlns="" id="{A2AEA782-0EA4-42E9-871D-7401D6A09739}"/>
               </a:ext>
             </a:extLst>
           </p:cNvPr>
@@ -4502,7 +4502,7 @@
           <p:nvPr>
             <p:extLst>
               <p:ext uri="{386F3935-93C4-4BCD-93E2-E3B085C9AB24}">
-                <p16:designElem xmlns:p16="http://schemas.microsoft.com/office/powerpoint/2015/main" val="1"/>
+                <p16:designElem xmlns:p16="http://schemas.microsoft.com/office/powerpoint/2015/main" xmlns="" val="1"/>
               </p:ext>
             </p:extLst>
           </p:nvPr>
@@ -4850,7 +4850,7 @@
 </file>
 
 <file path=ppt/slides/slide2.xml><?xml version="1.0" encoding="utf-8"?>
-<p:sld xmlns:a="http://schemas.openxmlformats.org/drawingml/2006/main" xmlns:r="http://schemas.openxmlformats.org/officeDocument/2006/relationships" xmlns:p="http://schemas.openxmlformats.org/presentationml/2006/main">
+<p:sld xmlns:a="http://schemas.openxmlformats.org/drawingml/2006/main" xmlns:r="http://schemas.openxmlformats.org/officeDocument/2006/relationships" xmlns:p="http://schemas.openxmlformats.org/presentationml/2006/main" show="0">
   <p:cSld>
     <p:spTree>
       <p:nvGrpSpPr>
@@ -4899,13 +4899,13 @@
   <p:clrMapOvr>
     <a:masterClrMapping/>
   </p:clrMapOvr>
-  <mc:AlternateContent xmlns:mc="http://schemas.openxmlformats.org/markup-compatibility/2006" xmlns:p14="http://schemas.microsoft.com/office/powerpoint/2010/main">
-    <mc:Choice Requires="p14">
+  <mc:AlternateContent xmlns:mc="http://schemas.openxmlformats.org/markup-compatibility/2006">
+    <mc:Choice xmlns:p14="http://schemas.microsoft.com/office/powerpoint/2010/main" Requires="p14">
       <p:transition spd="med" p14:dur="700">
         <p:fade/>
       </p:transition>
     </mc:Choice>
-    <mc:Fallback xmlns="">
+    <mc:Fallback>
       <p:transition spd="med">
         <p:fade/>
       </p:transition>
@@ -5040,7 +5040,7 @@
           <p:cNvPr id="9" name="Grafik 10" descr="fingerabdruck.jpg">
             <a:extLst>
               <a:ext uri="{FF2B5EF4-FFF2-40B4-BE49-F238E27FC236}">
-                <a16:creationId xmlns:a16="http://schemas.microsoft.com/office/drawing/2014/main" id="{A8CD33F8-C2D7-4686-8E6B-6D0ECE6A17CB}"/>
+                <a16:creationId xmlns:a16="http://schemas.microsoft.com/office/drawing/2014/main" xmlns="" id="{A8CD33F8-C2D7-4686-8E6B-6D0ECE6A17CB}"/>
               </a:ext>
             </a:extLst>
           </p:cNvPr>
@@ -5072,7 +5072,7 @@
           <p:cNvPr id="3" name="Grafik 3" descr="campuscard.png">
             <a:extLst>
               <a:ext uri="{FF2B5EF4-FFF2-40B4-BE49-F238E27FC236}">
-                <a16:creationId xmlns:a16="http://schemas.microsoft.com/office/drawing/2014/main" id="{4E82C527-09DD-4025-85FB-8537695C0154}"/>
+                <a16:creationId xmlns:a16="http://schemas.microsoft.com/office/drawing/2014/main" xmlns="" id="{4E82C527-09DD-4025-85FB-8537695C0154}"/>
               </a:ext>
             </a:extLst>
           </p:cNvPr>
@@ -5104,7 +5104,7 @@
           <p:cNvPr id="6" name="Textfeld 5">
             <a:extLst>
               <a:ext uri="{FF2B5EF4-FFF2-40B4-BE49-F238E27FC236}">
-                <a16:creationId xmlns:a16="http://schemas.microsoft.com/office/drawing/2014/main" id="{874B1B94-42E0-4AA1-A5BB-0A30BF51CE56}"/>
+                <a16:creationId xmlns:a16="http://schemas.microsoft.com/office/drawing/2014/main" xmlns="" id="{874B1B94-42E0-4AA1-A5BB-0A30BF51CE56}"/>
               </a:ext>
             </a:extLst>
           </p:cNvPr>
@@ -5142,7 +5142,7 @@
           <p:cNvPr id="13" name="Textfeld 12">
             <a:extLst>
               <a:ext uri="{FF2B5EF4-FFF2-40B4-BE49-F238E27FC236}">
-                <a16:creationId xmlns:a16="http://schemas.microsoft.com/office/drawing/2014/main" id="{058DE313-F8DA-4C97-A8D6-00F2D73E7870}"/>
+                <a16:creationId xmlns:a16="http://schemas.microsoft.com/office/drawing/2014/main" xmlns="" id="{058DE313-F8DA-4C97-A8D6-00F2D73E7870}"/>
               </a:ext>
             </a:extLst>
           </p:cNvPr>
@@ -5223,7 +5223,7 @@
           <p:cNvPr id="30" name="Rechteck: eine Ecke abgeschnitten 29">
             <a:extLst>
               <a:ext uri="{FF2B5EF4-FFF2-40B4-BE49-F238E27FC236}">
-                <a16:creationId xmlns:a16="http://schemas.microsoft.com/office/drawing/2014/main" id="{6836F953-AF4B-4F88-B6CB-D3B8A280B257}"/>
+                <a16:creationId xmlns:a16="http://schemas.microsoft.com/office/drawing/2014/main" xmlns="" id="{6836F953-AF4B-4F88-B6CB-D3B8A280B257}"/>
               </a:ext>
             </a:extLst>
           </p:cNvPr>
@@ -5269,7 +5269,7 @@
           <p:cNvPr id="3" name="Titel 2">
             <a:extLst>
               <a:ext uri="{FF2B5EF4-FFF2-40B4-BE49-F238E27FC236}">
-                <a16:creationId xmlns:a16="http://schemas.microsoft.com/office/drawing/2014/main" id="{63C7D172-FC92-434E-B470-FAA094A59867}"/>
+                <a16:creationId xmlns:a16="http://schemas.microsoft.com/office/drawing/2014/main" xmlns="" id="{63C7D172-FC92-434E-B470-FAA094A59867}"/>
               </a:ext>
             </a:extLst>
           </p:cNvPr>
@@ -5311,7 +5311,7 @@
           <p:cNvPr id="8" name="Grafik 8">
             <a:extLst>
               <a:ext uri="{FF2B5EF4-FFF2-40B4-BE49-F238E27FC236}">
-                <a16:creationId xmlns:a16="http://schemas.microsoft.com/office/drawing/2014/main" id="{0227CB6A-E9C8-4756-80E5-5D029593321B}"/>
+                <a16:creationId xmlns:a16="http://schemas.microsoft.com/office/drawing/2014/main" xmlns="" id="{0227CB6A-E9C8-4756-80E5-5D029593321B}"/>
               </a:ext>
             </a:extLst>
           </p:cNvPr>
@@ -5341,7 +5341,7 @@
           <p:cNvPr id="11" name="Smiley 10">
             <a:extLst>
               <a:ext uri="{FF2B5EF4-FFF2-40B4-BE49-F238E27FC236}">
-                <a16:creationId xmlns:a16="http://schemas.microsoft.com/office/drawing/2014/main" id="{3D30F9ED-DB74-4E83-9D2A-A3B00AB49147}"/>
+                <a16:creationId xmlns:a16="http://schemas.microsoft.com/office/drawing/2014/main" xmlns="" id="{3D30F9ED-DB74-4E83-9D2A-A3B00AB49147}"/>
               </a:ext>
             </a:extLst>
           </p:cNvPr>
@@ -5386,7 +5386,7 @@
           <p:cNvPr id="12" name="Gerade Verbindung mit Pfeil 11">
             <a:extLst>
               <a:ext uri="{FF2B5EF4-FFF2-40B4-BE49-F238E27FC236}">
-                <a16:creationId xmlns:a16="http://schemas.microsoft.com/office/drawing/2014/main" id="{D1A6EDD4-F889-46F7-B6BA-080BE36FF931}"/>
+                <a16:creationId xmlns:a16="http://schemas.microsoft.com/office/drawing/2014/main" xmlns="" id="{D1A6EDD4-F889-46F7-B6BA-080BE36FF931}"/>
               </a:ext>
             </a:extLst>
           </p:cNvPr>
@@ -5422,7 +5422,7 @@
           <p:cNvPr id="13" name="Gerade Verbindung mit Pfeil 12">
             <a:extLst>
               <a:ext uri="{FF2B5EF4-FFF2-40B4-BE49-F238E27FC236}">
-                <a16:creationId xmlns:a16="http://schemas.microsoft.com/office/drawing/2014/main" id="{0AA4D6A8-3C9B-4F53-8592-7FD6AF8EEBB9}"/>
+                <a16:creationId xmlns:a16="http://schemas.microsoft.com/office/drawing/2014/main" xmlns="" id="{0AA4D6A8-3C9B-4F53-8592-7FD6AF8EEBB9}"/>
               </a:ext>
             </a:extLst>
           </p:cNvPr>
@@ -5460,7 +5460,7 @@
           <p:cNvPr id="14" name="Gerade Verbindung mit Pfeil 13">
             <a:extLst>
               <a:ext uri="{FF2B5EF4-FFF2-40B4-BE49-F238E27FC236}">
-                <a16:creationId xmlns:a16="http://schemas.microsoft.com/office/drawing/2014/main" id="{A2AEE719-9727-4C33-8632-86A10D08A860}"/>
+                <a16:creationId xmlns:a16="http://schemas.microsoft.com/office/drawing/2014/main" xmlns="" id="{A2AEE719-9727-4C33-8632-86A10D08A860}"/>
               </a:ext>
             </a:extLst>
           </p:cNvPr>
@@ -5498,7 +5498,7 @@
           <p:cNvPr id="15" name="Gerade Verbindung mit Pfeil 14">
             <a:extLst>
               <a:ext uri="{FF2B5EF4-FFF2-40B4-BE49-F238E27FC236}">
-                <a16:creationId xmlns:a16="http://schemas.microsoft.com/office/drawing/2014/main" id="{FCAE322F-D7DB-49CD-8567-68C6642F24EF}"/>
+                <a16:creationId xmlns:a16="http://schemas.microsoft.com/office/drawing/2014/main" xmlns="" id="{FCAE322F-D7DB-49CD-8567-68C6642F24EF}"/>
               </a:ext>
             </a:extLst>
           </p:cNvPr>
@@ -5536,7 +5536,7 @@
           <p:cNvPr id="16" name="Pfeil: nach rechts 15">
             <a:extLst>
               <a:ext uri="{FF2B5EF4-FFF2-40B4-BE49-F238E27FC236}">
-                <a16:creationId xmlns:a16="http://schemas.microsoft.com/office/drawing/2014/main" id="{E9C98C95-F90D-43A0-B847-F0962F74C355}"/>
+                <a16:creationId xmlns:a16="http://schemas.microsoft.com/office/drawing/2014/main" xmlns="" id="{E9C98C95-F90D-43A0-B847-F0962F74C355}"/>
               </a:ext>
             </a:extLst>
           </p:cNvPr>
@@ -5582,7 +5582,7 @@
           <p:cNvPr id="19" name="Rechteck 18">
             <a:extLst>
               <a:ext uri="{FF2B5EF4-FFF2-40B4-BE49-F238E27FC236}">
-                <a16:creationId xmlns:a16="http://schemas.microsoft.com/office/drawing/2014/main" id="{FC9950AB-66A5-43EF-AF86-B761D1C567D9}"/>
+                <a16:creationId xmlns:a16="http://schemas.microsoft.com/office/drawing/2014/main" xmlns="" id="{FC9950AB-66A5-43EF-AF86-B761D1C567D9}"/>
               </a:ext>
             </a:extLst>
           </p:cNvPr>
@@ -5628,7 +5628,7 @@
           <p:cNvPr id="21" name="Grafik 4" descr="tierpark-OG-1200x630.jpg">
             <a:extLst>
               <a:ext uri="{FF2B5EF4-FFF2-40B4-BE49-F238E27FC236}">
-                <a16:creationId xmlns:a16="http://schemas.microsoft.com/office/drawing/2014/main" id="{95B02345-A5FF-4A60-95BD-801A44405C12}"/>
+                <a16:creationId xmlns:a16="http://schemas.microsoft.com/office/drawing/2014/main" xmlns="" id="{95B02345-A5FF-4A60-95BD-801A44405C12}"/>
               </a:ext>
             </a:extLst>
           </p:cNvPr>
@@ -5658,7 +5658,7 @@
           <p:cNvPr id="22" name="Gerade Verbindung mit Pfeil 21">
             <a:extLst>
               <a:ext uri="{FF2B5EF4-FFF2-40B4-BE49-F238E27FC236}">
-                <a16:creationId xmlns:a16="http://schemas.microsoft.com/office/drawing/2014/main" id="{396ED79D-6200-403A-92C0-A5D43C32E1D7}"/>
+                <a16:creationId xmlns:a16="http://schemas.microsoft.com/office/drawing/2014/main" xmlns="" id="{396ED79D-6200-403A-92C0-A5D43C32E1D7}"/>
               </a:ext>
             </a:extLst>
           </p:cNvPr>
@@ -5701,7 +5701,7 @@
           <p:cNvPr id="24" name="Smiley 23">
             <a:extLst>
               <a:ext uri="{FF2B5EF4-FFF2-40B4-BE49-F238E27FC236}">
-                <a16:creationId xmlns:a16="http://schemas.microsoft.com/office/drawing/2014/main" id="{71F60721-97CF-4D49-8989-A40CA4AA7108}"/>
+                <a16:creationId xmlns:a16="http://schemas.microsoft.com/office/drawing/2014/main" xmlns="" id="{71F60721-97CF-4D49-8989-A40CA4AA7108}"/>
               </a:ext>
             </a:extLst>
           </p:cNvPr>
@@ -5746,7 +5746,7 @@
           <p:cNvPr id="25" name="Gerade Verbindung mit Pfeil 24">
             <a:extLst>
               <a:ext uri="{FF2B5EF4-FFF2-40B4-BE49-F238E27FC236}">
-                <a16:creationId xmlns:a16="http://schemas.microsoft.com/office/drawing/2014/main" id="{BB8B357B-80CE-4EE5-B55A-F029492B3225}"/>
+                <a16:creationId xmlns:a16="http://schemas.microsoft.com/office/drawing/2014/main" xmlns="" id="{BB8B357B-80CE-4EE5-B55A-F029492B3225}"/>
               </a:ext>
             </a:extLst>
           </p:cNvPr>
@@ -5784,7 +5784,7 @@
           <p:cNvPr id="26" name="Gerade Verbindung mit Pfeil 25">
             <a:extLst>
               <a:ext uri="{FF2B5EF4-FFF2-40B4-BE49-F238E27FC236}">
-                <a16:creationId xmlns:a16="http://schemas.microsoft.com/office/drawing/2014/main" id="{2C811DCF-3BD9-4651-9F5C-A76982318C99}"/>
+                <a16:creationId xmlns:a16="http://schemas.microsoft.com/office/drawing/2014/main" xmlns="" id="{2C811DCF-3BD9-4651-9F5C-A76982318C99}"/>
               </a:ext>
             </a:extLst>
           </p:cNvPr>
@@ -5822,7 +5822,7 @@
           <p:cNvPr id="27" name="Gerade Verbindung mit Pfeil 26">
             <a:extLst>
               <a:ext uri="{FF2B5EF4-FFF2-40B4-BE49-F238E27FC236}">
-                <a16:creationId xmlns:a16="http://schemas.microsoft.com/office/drawing/2014/main" id="{C2C0FBB5-592B-4481-B4D0-8F9B1C437461}"/>
+                <a16:creationId xmlns:a16="http://schemas.microsoft.com/office/drawing/2014/main" xmlns="" id="{C2C0FBB5-592B-4481-B4D0-8F9B1C437461}"/>
               </a:ext>
             </a:extLst>
           </p:cNvPr>
@@ -5860,7 +5860,7 @@
           <p:cNvPr id="28" name="Gerade Verbindung mit Pfeil 27">
             <a:extLst>
               <a:ext uri="{FF2B5EF4-FFF2-40B4-BE49-F238E27FC236}">
-                <a16:creationId xmlns:a16="http://schemas.microsoft.com/office/drawing/2014/main" id="{C453B098-6B02-4D48-9A2A-02754D201E56}"/>
+                <a16:creationId xmlns:a16="http://schemas.microsoft.com/office/drawing/2014/main" xmlns="" id="{C453B098-6B02-4D48-9A2A-02754D201E56}"/>
               </a:ext>
             </a:extLst>
           </p:cNvPr>
@@ -5898,7 +5898,7 @@
           <p:cNvPr id="34" name="Rechteck 33">
             <a:extLst>
               <a:ext uri="{FF2B5EF4-FFF2-40B4-BE49-F238E27FC236}">
-                <a16:creationId xmlns:a16="http://schemas.microsoft.com/office/drawing/2014/main" id="{66F9CB01-BD65-45A8-A6AC-C0B7602650BF}"/>
+                <a16:creationId xmlns:a16="http://schemas.microsoft.com/office/drawing/2014/main" xmlns="" id="{66F9CB01-BD65-45A8-A6AC-C0B7602650BF}"/>
               </a:ext>
             </a:extLst>
           </p:cNvPr>
@@ -5954,7 +5954,7 @@
           <p:cNvPr id="35" name="Gerade Verbindung mit Pfeil 34">
             <a:extLst>
               <a:ext uri="{FF2B5EF4-FFF2-40B4-BE49-F238E27FC236}">
-                <a16:creationId xmlns:a16="http://schemas.microsoft.com/office/drawing/2014/main" id="{22C4C6D5-2F1B-4FD5-96FB-325440EA9B76}"/>
+                <a16:creationId xmlns:a16="http://schemas.microsoft.com/office/drawing/2014/main" xmlns="" id="{22C4C6D5-2F1B-4FD5-96FB-325440EA9B76}"/>
               </a:ext>
             </a:extLst>
           </p:cNvPr>
@@ -5992,7 +5992,7 @@
           <p:cNvPr id="38" name="Grafik 38" descr="fingerabdruck_transparent.png">
             <a:extLst>
               <a:ext uri="{FF2B5EF4-FFF2-40B4-BE49-F238E27FC236}">
-                <a16:creationId xmlns:a16="http://schemas.microsoft.com/office/drawing/2014/main" id="{167F1758-4204-4068-BAFE-F34B3CD731FF}"/>
+                <a16:creationId xmlns:a16="http://schemas.microsoft.com/office/drawing/2014/main" xmlns="" id="{167F1758-4204-4068-BAFE-F34B3CD731FF}"/>
               </a:ext>
             </a:extLst>
           </p:cNvPr>
@@ -6022,7 +6022,7 @@
           <p:cNvPr id="66" name="Pfeil: nach rechts 65">
             <a:extLst>
               <a:ext uri="{FF2B5EF4-FFF2-40B4-BE49-F238E27FC236}">
-                <a16:creationId xmlns:a16="http://schemas.microsoft.com/office/drawing/2014/main" id="{2E265073-330E-4E2A-99E7-F7101EA37C81}"/>
+                <a16:creationId xmlns:a16="http://schemas.microsoft.com/office/drawing/2014/main" xmlns="" id="{2E265073-330E-4E2A-99E7-F7101EA37C81}"/>
               </a:ext>
             </a:extLst>
           </p:cNvPr>
@@ -6068,7 +6068,7 @@
           <p:cNvPr id="67" name="Rechteck: eine Ecke abgeschnitten 66">
             <a:extLst>
               <a:ext uri="{FF2B5EF4-FFF2-40B4-BE49-F238E27FC236}">
-                <a16:creationId xmlns:a16="http://schemas.microsoft.com/office/drawing/2014/main" id="{F103BEDB-422E-4521-B7ED-52DA685BB004}"/>
+                <a16:creationId xmlns:a16="http://schemas.microsoft.com/office/drawing/2014/main" xmlns="" id="{F103BEDB-422E-4521-B7ED-52DA685BB004}"/>
               </a:ext>
             </a:extLst>
           </p:cNvPr>
@@ -6114,7 +6114,7 @@
           <p:cNvPr id="68" name="Grafik 8">
             <a:extLst>
               <a:ext uri="{FF2B5EF4-FFF2-40B4-BE49-F238E27FC236}">
-                <a16:creationId xmlns:a16="http://schemas.microsoft.com/office/drawing/2014/main" id="{3223F3DB-B783-4705-8CD4-7A492F1CFD13}"/>
+                <a16:creationId xmlns:a16="http://schemas.microsoft.com/office/drawing/2014/main" xmlns="" id="{3223F3DB-B783-4705-8CD4-7A492F1CFD13}"/>
               </a:ext>
             </a:extLst>
           </p:cNvPr>
@@ -6144,7 +6144,7 @@
           <p:cNvPr id="69" name="Rechteck 68">
             <a:extLst>
               <a:ext uri="{FF2B5EF4-FFF2-40B4-BE49-F238E27FC236}">
-                <a16:creationId xmlns:a16="http://schemas.microsoft.com/office/drawing/2014/main" id="{D60DA193-FA57-46A0-9D38-DB43FFD12DAD}"/>
+                <a16:creationId xmlns:a16="http://schemas.microsoft.com/office/drawing/2014/main" xmlns="" id="{D60DA193-FA57-46A0-9D38-DB43FFD12DAD}"/>
               </a:ext>
             </a:extLst>
           </p:cNvPr>
@@ -6190,7 +6190,7 @@
           <p:cNvPr id="70" name="Grafik 4" descr="tierpark-OG-1200x630.jpg">
             <a:extLst>
               <a:ext uri="{FF2B5EF4-FFF2-40B4-BE49-F238E27FC236}">
-                <a16:creationId xmlns:a16="http://schemas.microsoft.com/office/drawing/2014/main" id="{F007FAF7-BBBB-434D-BAA3-B7B95D771F03}"/>
+                <a16:creationId xmlns:a16="http://schemas.microsoft.com/office/drawing/2014/main" xmlns="" id="{F007FAF7-BBBB-434D-BAA3-B7B95D771F03}"/>
               </a:ext>
             </a:extLst>
           </p:cNvPr>
@@ -6220,7 +6220,7 @@
           <p:cNvPr id="71" name="Gerade Verbindung mit Pfeil 70">
             <a:extLst>
               <a:ext uri="{FF2B5EF4-FFF2-40B4-BE49-F238E27FC236}">
-                <a16:creationId xmlns:a16="http://schemas.microsoft.com/office/drawing/2014/main" id="{0C6F6A54-0C92-4B77-93CE-628D0AFEAF9B}"/>
+                <a16:creationId xmlns:a16="http://schemas.microsoft.com/office/drawing/2014/main" xmlns="" id="{0C6F6A54-0C92-4B77-93CE-628D0AFEAF9B}"/>
               </a:ext>
             </a:extLst>
           </p:cNvPr>
@@ -6263,7 +6263,7 @@
           <p:cNvPr id="74" name="Smiley 73">
             <a:extLst>
               <a:ext uri="{FF2B5EF4-FFF2-40B4-BE49-F238E27FC236}">
-                <a16:creationId xmlns:a16="http://schemas.microsoft.com/office/drawing/2014/main" id="{B002DF9E-89D3-4DEE-9475-AFAD93564F16}"/>
+                <a16:creationId xmlns:a16="http://schemas.microsoft.com/office/drawing/2014/main" xmlns="" id="{B002DF9E-89D3-4DEE-9475-AFAD93564F16}"/>
               </a:ext>
             </a:extLst>
           </p:cNvPr>
@@ -6308,7 +6308,7 @@
           <p:cNvPr id="75" name="Gerade Verbindung mit Pfeil 74">
             <a:extLst>
               <a:ext uri="{FF2B5EF4-FFF2-40B4-BE49-F238E27FC236}">
-                <a16:creationId xmlns:a16="http://schemas.microsoft.com/office/drawing/2014/main" id="{8F0D36E4-459D-45E9-999F-8AD48438C73D}"/>
+                <a16:creationId xmlns:a16="http://schemas.microsoft.com/office/drawing/2014/main" xmlns="" id="{8F0D36E4-459D-45E9-999F-8AD48438C73D}"/>
               </a:ext>
             </a:extLst>
           </p:cNvPr>
@@ -6346,7 +6346,7 @@
           <p:cNvPr id="76" name="Gerade Verbindung mit Pfeil 75">
             <a:extLst>
               <a:ext uri="{FF2B5EF4-FFF2-40B4-BE49-F238E27FC236}">
-                <a16:creationId xmlns:a16="http://schemas.microsoft.com/office/drawing/2014/main" id="{ADB47E65-362C-4988-9C11-34CC86C33EA8}"/>
+                <a16:creationId xmlns:a16="http://schemas.microsoft.com/office/drawing/2014/main" xmlns="" id="{ADB47E65-362C-4988-9C11-34CC86C33EA8}"/>
               </a:ext>
             </a:extLst>
           </p:cNvPr>
@@ -6384,7 +6384,7 @@
           <p:cNvPr id="77" name="Gerade Verbindung mit Pfeil 76">
             <a:extLst>
               <a:ext uri="{FF2B5EF4-FFF2-40B4-BE49-F238E27FC236}">
-                <a16:creationId xmlns:a16="http://schemas.microsoft.com/office/drawing/2014/main" id="{7013C630-BFBD-41C3-8E40-C3CDD14BFCEF}"/>
+                <a16:creationId xmlns:a16="http://schemas.microsoft.com/office/drawing/2014/main" xmlns="" id="{7013C630-BFBD-41C3-8E40-C3CDD14BFCEF}"/>
               </a:ext>
             </a:extLst>
           </p:cNvPr>
@@ -6422,7 +6422,7 @@
           <p:cNvPr id="78" name="Gerade Verbindung mit Pfeil 77">
             <a:extLst>
               <a:ext uri="{FF2B5EF4-FFF2-40B4-BE49-F238E27FC236}">
-                <a16:creationId xmlns:a16="http://schemas.microsoft.com/office/drawing/2014/main" id="{216D73C1-5B9D-40D8-BA13-F8B105053219}"/>
+                <a16:creationId xmlns:a16="http://schemas.microsoft.com/office/drawing/2014/main" xmlns="" id="{216D73C1-5B9D-40D8-BA13-F8B105053219}"/>
               </a:ext>
             </a:extLst>
           </p:cNvPr>
@@ -7679,7 +7679,7 @@
           <p:cNvPr id="3" name="Titel 2">
             <a:extLst>
               <a:ext uri="{FF2B5EF4-FFF2-40B4-BE49-F238E27FC236}">
-                <a16:creationId xmlns:a16="http://schemas.microsoft.com/office/drawing/2014/main" id="{63C7D172-FC92-434E-B470-FAA094A59867}"/>
+                <a16:creationId xmlns:a16="http://schemas.microsoft.com/office/drawing/2014/main" xmlns="" id="{63C7D172-FC92-434E-B470-FAA094A59867}"/>
               </a:ext>
             </a:extLst>
           </p:cNvPr>
@@ -7721,7 +7721,7 @@
           <p:cNvPr id="11" name="Smiley 10">
             <a:extLst>
               <a:ext uri="{FF2B5EF4-FFF2-40B4-BE49-F238E27FC236}">
-                <a16:creationId xmlns:a16="http://schemas.microsoft.com/office/drawing/2014/main" id="{3D30F9ED-DB74-4E83-9D2A-A3B00AB49147}"/>
+                <a16:creationId xmlns:a16="http://schemas.microsoft.com/office/drawing/2014/main" xmlns="" id="{3D30F9ED-DB74-4E83-9D2A-A3B00AB49147}"/>
               </a:ext>
             </a:extLst>
           </p:cNvPr>
@@ -7766,7 +7766,7 @@
           <p:cNvPr id="12" name="Gerade Verbindung mit Pfeil 11">
             <a:extLst>
               <a:ext uri="{FF2B5EF4-FFF2-40B4-BE49-F238E27FC236}">
-                <a16:creationId xmlns:a16="http://schemas.microsoft.com/office/drawing/2014/main" id="{D1A6EDD4-F889-46F7-B6BA-080BE36FF931}"/>
+                <a16:creationId xmlns:a16="http://schemas.microsoft.com/office/drawing/2014/main" xmlns="" id="{D1A6EDD4-F889-46F7-B6BA-080BE36FF931}"/>
               </a:ext>
             </a:extLst>
           </p:cNvPr>
@@ -7802,7 +7802,7 @@
           <p:cNvPr id="13" name="Gerade Verbindung mit Pfeil 12">
             <a:extLst>
               <a:ext uri="{FF2B5EF4-FFF2-40B4-BE49-F238E27FC236}">
-                <a16:creationId xmlns:a16="http://schemas.microsoft.com/office/drawing/2014/main" id="{0AA4D6A8-3C9B-4F53-8592-7FD6AF8EEBB9}"/>
+                <a16:creationId xmlns:a16="http://schemas.microsoft.com/office/drawing/2014/main" xmlns="" id="{0AA4D6A8-3C9B-4F53-8592-7FD6AF8EEBB9}"/>
               </a:ext>
             </a:extLst>
           </p:cNvPr>
@@ -7840,7 +7840,7 @@
           <p:cNvPr id="14" name="Gerade Verbindung mit Pfeil 13">
             <a:extLst>
               <a:ext uri="{FF2B5EF4-FFF2-40B4-BE49-F238E27FC236}">
-                <a16:creationId xmlns:a16="http://schemas.microsoft.com/office/drawing/2014/main" id="{A2AEE719-9727-4C33-8632-86A10D08A860}"/>
+                <a16:creationId xmlns:a16="http://schemas.microsoft.com/office/drawing/2014/main" xmlns="" id="{A2AEE719-9727-4C33-8632-86A10D08A860}"/>
               </a:ext>
             </a:extLst>
           </p:cNvPr>
@@ -7878,7 +7878,7 @@
           <p:cNvPr id="15" name="Gerade Verbindung mit Pfeil 14">
             <a:extLst>
               <a:ext uri="{FF2B5EF4-FFF2-40B4-BE49-F238E27FC236}">
-                <a16:creationId xmlns:a16="http://schemas.microsoft.com/office/drawing/2014/main" id="{FCAE322F-D7DB-49CD-8567-68C6642F24EF}"/>
+                <a16:creationId xmlns:a16="http://schemas.microsoft.com/office/drawing/2014/main" xmlns="" id="{FCAE322F-D7DB-49CD-8567-68C6642F24EF}"/>
               </a:ext>
             </a:extLst>
           </p:cNvPr>
@@ -7916,7 +7916,7 @@
           <p:cNvPr id="16" name="Pfeil: nach rechts 15">
             <a:extLst>
               <a:ext uri="{FF2B5EF4-FFF2-40B4-BE49-F238E27FC236}">
-                <a16:creationId xmlns:a16="http://schemas.microsoft.com/office/drawing/2014/main" id="{E9C98C95-F90D-43A0-B847-F0962F74C355}"/>
+                <a16:creationId xmlns:a16="http://schemas.microsoft.com/office/drawing/2014/main" xmlns="" id="{E9C98C95-F90D-43A0-B847-F0962F74C355}"/>
               </a:ext>
             </a:extLst>
           </p:cNvPr>
@@ -7962,7 +7962,7 @@
           <p:cNvPr id="7" name="Rechteck: eine Ecke abgeschnitten 6">
             <a:extLst>
               <a:ext uri="{FF2B5EF4-FFF2-40B4-BE49-F238E27FC236}">
-                <a16:creationId xmlns:a16="http://schemas.microsoft.com/office/drawing/2014/main" id="{C332EF0C-9212-49C7-9288-4A9CF76D0742}"/>
+                <a16:creationId xmlns:a16="http://schemas.microsoft.com/office/drawing/2014/main" xmlns="" id="{C332EF0C-9212-49C7-9288-4A9CF76D0742}"/>
               </a:ext>
             </a:extLst>
           </p:cNvPr>
@@ -8008,7 +8008,7 @@
           <p:cNvPr id="10" name="Rechteck 9">
             <a:extLst>
               <a:ext uri="{FF2B5EF4-FFF2-40B4-BE49-F238E27FC236}">
-                <a16:creationId xmlns:a16="http://schemas.microsoft.com/office/drawing/2014/main" id="{CA9EC685-C690-4E92-892C-B6657EED5B4E}"/>
+                <a16:creationId xmlns:a16="http://schemas.microsoft.com/office/drawing/2014/main" xmlns="" id="{CA9EC685-C690-4E92-892C-B6657EED5B4E}"/>
               </a:ext>
             </a:extLst>
           </p:cNvPr>
@@ -8054,7 +8054,7 @@
           <p:cNvPr id="17" name="Grafik 4" descr="tierpark-OG-1200x630.jpg">
             <a:extLst>
               <a:ext uri="{FF2B5EF4-FFF2-40B4-BE49-F238E27FC236}">
-                <a16:creationId xmlns:a16="http://schemas.microsoft.com/office/drawing/2014/main" id="{2C4ACE4A-A2CD-48FE-BB67-CA18A574DA07}"/>
+                <a16:creationId xmlns:a16="http://schemas.microsoft.com/office/drawing/2014/main" xmlns="" id="{2C4ACE4A-A2CD-48FE-BB67-CA18A574DA07}"/>
               </a:ext>
             </a:extLst>
           </p:cNvPr>
@@ -8084,7 +8084,7 @@
           <p:cNvPr id="18" name="Gerade Verbindung mit Pfeil 17">
             <a:extLst>
               <a:ext uri="{FF2B5EF4-FFF2-40B4-BE49-F238E27FC236}">
-                <a16:creationId xmlns:a16="http://schemas.microsoft.com/office/drawing/2014/main" id="{57753FE4-9033-42B7-8A5C-FD6AF91A0F9A}"/>
+                <a16:creationId xmlns:a16="http://schemas.microsoft.com/office/drawing/2014/main" xmlns="" id="{57753FE4-9033-42B7-8A5C-FD6AF91A0F9A}"/>
               </a:ext>
             </a:extLst>
           </p:cNvPr>
@@ -8127,7 +8127,7 @@
           <p:cNvPr id="29" name="Textfeld 28">
             <a:extLst>
               <a:ext uri="{FF2B5EF4-FFF2-40B4-BE49-F238E27FC236}">
-                <a16:creationId xmlns:a16="http://schemas.microsoft.com/office/drawing/2014/main" id="{A7D22440-12B3-4230-9F5B-1A3BEB39C0CB}"/>
+                <a16:creationId xmlns:a16="http://schemas.microsoft.com/office/drawing/2014/main" xmlns="" id="{A7D22440-12B3-4230-9F5B-1A3BEB39C0CB}"/>
               </a:ext>
             </a:extLst>
           </p:cNvPr>
@@ -8169,7 +8169,7 @@
           <p:cNvPr id="54" name="Smiley 53">
             <a:extLst>
               <a:ext uri="{FF2B5EF4-FFF2-40B4-BE49-F238E27FC236}">
-                <a16:creationId xmlns:a16="http://schemas.microsoft.com/office/drawing/2014/main" id="{E3036ED6-DC5E-4170-8BA2-A4937D501DE6}"/>
+                <a16:creationId xmlns:a16="http://schemas.microsoft.com/office/drawing/2014/main" xmlns="" id="{E3036ED6-DC5E-4170-8BA2-A4937D501DE6}"/>
               </a:ext>
             </a:extLst>
           </p:cNvPr>
@@ -8214,7 +8214,7 @@
           <p:cNvPr id="55" name="Gerade Verbindung mit Pfeil 54">
             <a:extLst>
               <a:ext uri="{FF2B5EF4-FFF2-40B4-BE49-F238E27FC236}">
-                <a16:creationId xmlns:a16="http://schemas.microsoft.com/office/drawing/2014/main" id="{8F67A56F-FC7F-47BB-8705-34FD7CC3B3A7}"/>
+                <a16:creationId xmlns:a16="http://schemas.microsoft.com/office/drawing/2014/main" xmlns="" id="{8F67A56F-FC7F-47BB-8705-34FD7CC3B3A7}"/>
               </a:ext>
             </a:extLst>
           </p:cNvPr>
@@ -8252,7 +8252,7 @@
           <p:cNvPr id="56" name="Gerade Verbindung mit Pfeil 55">
             <a:extLst>
               <a:ext uri="{FF2B5EF4-FFF2-40B4-BE49-F238E27FC236}">
-                <a16:creationId xmlns:a16="http://schemas.microsoft.com/office/drawing/2014/main" id="{00D21BE4-633B-46BA-A119-8949EA3102D2}"/>
+                <a16:creationId xmlns:a16="http://schemas.microsoft.com/office/drawing/2014/main" xmlns="" id="{00D21BE4-633B-46BA-A119-8949EA3102D2}"/>
               </a:ext>
             </a:extLst>
           </p:cNvPr>
@@ -8290,7 +8290,7 @@
           <p:cNvPr id="57" name="Gerade Verbindung mit Pfeil 56">
             <a:extLst>
               <a:ext uri="{FF2B5EF4-FFF2-40B4-BE49-F238E27FC236}">
-                <a16:creationId xmlns:a16="http://schemas.microsoft.com/office/drawing/2014/main" id="{0B22F998-9168-4E1C-A237-A5321FD7A24C}"/>
+                <a16:creationId xmlns:a16="http://schemas.microsoft.com/office/drawing/2014/main" xmlns="" id="{0B22F998-9168-4E1C-A237-A5321FD7A24C}"/>
               </a:ext>
             </a:extLst>
           </p:cNvPr>
@@ -8328,7 +8328,7 @@
           <p:cNvPr id="58" name="Gerade Verbindung mit Pfeil 57">
             <a:extLst>
               <a:ext uri="{FF2B5EF4-FFF2-40B4-BE49-F238E27FC236}">
-                <a16:creationId xmlns:a16="http://schemas.microsoft.com/office/drawing/2014/main" id="{3EE83913-F6D5-444E-84CA-F87482D54DED}"/>
+                <a16:creationId xmlns:a16="http://schemas.microsoft.com/office/drawing/2014/main" xmlns="" id="{3EE83913-F6D5-444E-84CA-F87482D54DED}"/>
               </a:ext>
             </a:extLst>
           </p:cNvPr>
@@ -8366,7 +8366,7 @@
           <p:cNvPr id="59" name="Grafik 5" descr="campuscard_transparent.png">
             <a:extLst>
               <a:ext uri="{FF2B5EF4-FFF2-40B4-BE49-F238E27FC236}">
-                <a16:creationId xmlns:a16="http://schemas.microsoft.com/office/drawing/2014/main" id="{FE4F6AE1-3AC2-48D8-9FA1-B80F910289B0}"/>
+                <a16:creationId xmlns:a16="http://schemas.microsoft.com/office/drawing/2014/main" xmlns="" id="{FE4F6AE1-3AC2-48D8-9FA1-B80F910289B0}"/>
               </a:ext>
             </a:extLst>
           </p:cNvPr>
@@ -8396,7 +8396,7 @@
           <p:cNvPr id="31" name="Rechteck: eine Ecke abgeschnitten 30">
             <a:extLst>
               <a:ext uri="{FF2B5EF4-FFF2-40B4-BE49-F238E27FC236}">
-                <a16:creationId xmlns:a16="http://schemas.microsoft.com/office/drawing/2014/main" id="{5E3B18A7-1A37-410B-9B21-3096B76671D3}"/>
+                <a16:creationId xmlns:a16="http://schemas.microsoft.com/office/drawing/2014/main" xmlns="" id="{5E3B18A7-1A37-410B-9B21-3096B76671D3}"/>
               </a:ext>
             </a:extLst>
           </p:cNvPr>
@@ -8442,7 +8442,7 @@
           <p:cNvPr id="37" name="Rechteck 36">
             <a:extLst>
               <a:ext uri="{FF2B5EF4-FFF2-40B4-BE49-F238E27FC236}">
-                <a16:creationId xmlns:a16="http://schemas.microsoft.com/office/drawing/2014/main" id="{27DE0943-E07F-4E04-9EA0-BF569B94DA3B}"/>
+                <a16:creationId xmlns:a16="http://schemas.microsoft.com/office/drawing/2014/main" xmlns="" id="{27DE0943-E07F-4E04-9EA0-BF569B94DA3B}"/>
               </a:ext>
             </a:extLst>
           </p:cNvPr>
@@ -8488,7 +8488,7 @@
           <p:cNvPr id="40" name="Grafik 4" descr="tierpark-OG-1200x630.jpg">
             <a:extLst>
               <a:ext uri="{FF2B5EF4-FFF2-40B4-BE49-F238E27FC236}">
-                <a16:creationId xmlns:a16="http://schemas.microsoft.com/office/drawing/2014/main" id="{0A7A5A46-465A-4496-A018-F6BDAEA1DECA}"/>
+                <a16:creationId xmlns:a16="http://schemas.microsoft.com/office/drawing/2014/main" xmlns="" id="{0A7A5A46-465A-4496-A018-F6BDAEA1DECA}"/>
               </a:ext>
             </a:extLst>
           </p:cNvPr>
@@ -8518,7 +8518,7 @@
           <p:cNvPr id="42" name="Gerade Verbindung mit Pfeil 41">
             <a:extLst>
               <a:ext uri="{FF2B5EF4-FFF2-40B4-BE49-F238E27FC236}">
-                <a16:creationId xmlns:a16="http://schemas.microsoft.com/office/drawing/2014/main" id="{D493C170-C11D-4C81-8DD2-A425893E8DC4}"/>
+                <a16:creationId xmlns:a16="http://schemas.microsoft.com/office/drawing/2014/main" xmlns="" id="{D493C170-C11D-4C81-8DD2-A425893E8DC4}"/>
               </a:ext>
             </a:extLst>
           </p:cNvPr>
@@ -8561,7 +8561,7 @@
           <p:cNvPr id="98" name="Pfeil: nach rechts 97">
             <a:extLst>
               <a:ext uri="{FF2B5EF4-FFF2-40B4-BE49-F238E27FC236}">
-                <a16:creationId xmlns:a16="http://schemas.microsoft.com/office/drawing/2014/main" id="{A71E3ACE-B424-4472-B342-2D3D82A0C577}"/>
+                <a16:creationId xmlns:a16="http://schemas.microsoft.com/office/drawing/2014/main" xmlns="" id="{A71E3ACE-B424-4472-B342-2D3D82A0C577}"/>
               </a:ext>
             </a:extLst>
           </p:cNvPr>
@@ -8607,7 +8607,7 @@
           <p:cNvPr id="27" name="Smiley 26">
             <a:extLst>
               <a:ext uri="{FF2B5EF4-FFF2-40B4-BE49-F238E27FC236}">
-                <a16:creationId xmlns:a16="http://schemas.microsoft.com/office/drawing/2014/main" id="{F1D5CDE1-27BC-4346-BC96-CB4E22B41EDF}"/>
+                <a16:creationId xmlns:a16="http://schemas.microsoft.com/office/drawing/2014/main" xmlns="" id="{F1D5CDE1-27BC-4346-BC96-CB4E22B41EDF}"/>
               </a:ext>
             </a:extLst>
           </p:cNvPr>
@@ -8652,7 +8652,7 @@
           <p:cNvPr id="28" name="Gerade Verbindung mit Pfeil 27">
             <a:extLst>
               <a:ext uri="{FF2B5EF4-FFF2-40B4-BE49-F238E27FC236}">
-                <a16:creationId xmlns:a16="http://schemas.microsoft.com/office/drawing/2014/main" id="{108B5AB6-E0F7-4467-A1A4-6A220E1845CB}"/>
+                <a16:creationId xmlns:a16="http://schemas.microsoft.com/office/drawing/2014/main" xmlns="" id="{108B5AB6-E0F7-4467-A1A4-6A220E1845CB}"/>
               </a:ext>
             </a:extLst>
           </p:cNvPr>
@@ -8690,7 +8690,7 @@
           <p:cNvPr id="30" name="Gerade Verbindung mit Pfeil 29">
             <a:extLst>
               <a:ext uri="{FF2B5EF4-FFF2-40B4-BE49-F238E27FC236}">
-                <a16:creationId xmlns:a16="http://schemas.microsoft.com/office/drawing/2014/main" id="{9AB3FC85-AC67-4555-BEDC-8882CDC5BC52}"/>
+                <a16:creationId xmlns:a16="http://schemas.microsoft.com/office/drawing/2014/main" xmlns="" id="{9AB3FC85-AC67-4555-BEDC-8882CDC5BC52}"/>
               </a:ext>
             </a:extLst>
           </p:cNvPr>
@@ -8728,7 +8728,7 @@
           <p:cNvPr id="33" name="Gerade Verbindung mit Pfeil 32">
             <a:extLst>
               <a:ext uri="{FF2B5EF4-FFF2-40B4-BE49-F238E27FC236}">
-                <a16:creationId xmlns:a16="http://schemas.microsoft.com/office/drawing/2014/main" id="{46A8A674-911F-4337-964F-FE13E5741230}"/>
+                <a16:creationId xmlns:a16="http://schemas.microsoft.com/office/drawing/2014/main" xmlns="" id="{46A8A674-911F-4337-964F-FE13E5741230}"/>
               </a:ext>
             </a:extLst>
           </p:cNvPr>
@@ -8766,7 +8766,7 @@
           <p:cNvPr id="34" name="Gerade Verbindung mit Pfeil 33">
             <a:extLst>
               <a:ext uri="{FF2B5EF4-FFF2-40B4-BE49-F238E27FC236}">
-                <a16:creationId xmlns:a16="http://schemas.microsoft.com/office/drawing/2014/main" id="{DEF6B1D3-E7AE-48D1-B389-D338D4A04070}"/>
+                <a16:creationId xmlns:a16="http://schemas.microsoft.com/office/drawing/2014/main" xmlns="" id="{DEF6B1D3-E7AE-48D1-B389-D338D4A04070}"/>
               </a:ext>
             </a:extLst>
           </p:cNvPr>
@@ -8804,7 +8804,7 @@
           <p:cNvPr id="35" name="Grafik 5" descr="campuscard_transparent.png">
             <a:extLst>
               <a:ext uri="{FF2B5EF4-FFF2-40B4-BE49-F238E27FC236}">
-                <a16:creationId xmlns:a16="http://schemas.microsoft.com/office/drawing/2014/main" id="{D638E752-64FB-4140-ADFD-85F665B91A85}"/>
+                <a16:creationId xmlns:a16="http://schemas.microsoft.com/office/drawing/2014/main" xmlns="" id="{D638E752-64FB-4140-ADFD-85F665B91A85}"/>
               </a:ext>
             </a:extLst>
           </p:cNvPr>
@@ -8834,7 +8834,7 @@
           <p:cNvPr id="4" name="Grafik 5" descr="campuscard_transparent.png">
             <a:extLst>
               <a:ext uri="{FF2B5EF4-FFF2-40B4-BE49-F238E27FC236}">
-                <a16:creationId xmlns:a16="http://schemas.microsoft.com/office/drawing/2014/main" id="{5B245F61-BA44-40EC-9B1A-33D9CE9E363F}"/>
+                <a16:creationId xmlns:a16="http://schemas.microsoft.com/office/drawing/2014/main" xmlns="" id="{5B245F61-BA44-40EC-9B1A-33D9CE9E363F}"/>
               </a:ext>
             </a:extLst>
           </p:cNvPr>
@@ -8864,7 +8864,7 @@
           <p:cNvPr id="38" name="Pfeil: nach rechts 37">
             <a:extLst>
               <a:ext uri="{FF2B5EF4-FFF2-40B4-BE49-F238E27FC236}">
-                <a16:creationId xmlns:a16="http://schemas.microsoft.com/office/drawing/2014/main" id="{E252883F-BB5E-44D0-8B4C-C629CB8EDCBC}"/>
+                <a16:creationId xmlns:a16="http://schemas.microsoft.com/office/drawing/2014/main" xmlns="" id="{E252883F-BB5E-44D0-8B4C-C629CB8EDCBC}"/>
               </a:ext>
             </a:extLst>
           </p:cNvPr>
@@ -8910,7 +8910,7 @@
           <p:cNvPr id="39" name="Rechteck: eine Ecke abgeschnitten 38">
             <a:extLst>
               <a:ext uri="{FF2B5EF4-FFF2-40B4-BE49-F238E27FC236}">
-                <a16:creationId xmlns:a16="http://schemas.microsoft.com/office/drawing/2014/main" id="{35A1CA5D-A98E-4E51-8F6A-21040C3F3A89}"/>
+                <a16:creationId xmlns:a16="http://schemas.microsoft.com/office/drawing/2014/main" xmlns="" id="{35A1CA5D-A98E-4E51-8F6A-21040C3F3A89}"/>
               </a:ext>
             </a:extLst>
           </p:cNvPr>
@@ -8956,7 +8956,7 @@
           <p:cNvPr id="41" name="Rechteck 40">
             <a:extLst>
               <a:ext uri="{FF2B5EF4-FFF2-40B4-BE49-F238E27FC236}">
-                <a16:creationId xmlns:a16="http://schemas.microsoft.com/office/drawing/2014/main" id="{683F4D17-097B-4D4B-9CE9-EA31A03EB1B9}"/>
+                <a16:creationId xmlns:a16="http://schemas.microsoft.com/office/drawing/2014/main" xmlns="" id="{683F4D17-097B-4D4B-9CE9-EA31A03EB1B9}"/>
               </a:ext>
             </a:extLst>
           </p:cNvPr>
@@ -9002,7 +9002,7 @@
           <p:cNvPr id="43" name="Grafik 4" descr="tierpark-OG-1200x630.jpg">
             <a:extLst>
               <a:ext uri="{FF2B5EF4-FFF2-40B4-BE49-F238E27FC236}">
-                <a16:creationId xmlns:a16="http://schemas.microsoft.com/office/drawing/2014/main" id="{2987B278-887D-48DA-B85D-5A65B257CB03}"/>
+                <a16:creationId xmlns:a16="http://schemas.microsoft.com/office/drawing/2014/main" xmlns="" id="{2987B278-887D-48DA-B85D-5A65B257CB03}"/>
               </a:ext>
             </a:extLst>
           </p:cNvPr>
@@ -9032,7 +9032,7 @@
           <p:cNvPr id="44" name="Gerade Verbindung mit Pfeil 43">
             <a:extLst>
               <a:ext uri="{FF2B5EF4-FFF2-40B4-BE49-F238E27FC236}">
-                <a16:creationId xmlns:a16="http://schemas.microsoft.com/office/drawing/2014/main" id="{D2CA3D24-4045-4BFC-A038-0B0E43F8FAE9}"/>
+                <a16:creationId xmlns:a16="http://schemas.microsoft.com/office/drawing/2014/main" xmlns="" id="{D2CA3D24-4045-4BFC-A038-0B0E43F8FAE9}"/>
               </a:ext>
             </a:extLst>
           </p:cNvPr>
@@ -9075,7 +9075,7 @@
           <p:cNvPr id="45" name="Grafik 5" descr="campuscard_transparent.png">
             <a:extLst>
               <a:ext uri="{FF2B5EF4-FFF2-40B4-BE49-F238E27FC236}">
-                <a16:creationId xmlns:a16="http://schemas.microsoft.com/office/drawing/2014/main" id="{9BA6D212-75FE-4AA6-9E00-3F88CEA41FF3}"/>
+                <a16:creationId xmlns:a16="http://schemas.microsoft.com/office/drawing/2014/main" xmlns="" id="{9BA6D212-75FE-4AA6-9E00-3F88CEA41FF3}"/>
               </a:ext>
             </a:extLst>
           </p:cNvPr>
@@ -9105,7 +9105,7 @@
           <p:cNvPr id="46" name="Smiley 45">
             <a:extLst>
               <a:ext uri="{FF2B5EF4-FFF2-40B4-BE49-F238E27FC236}">
-                <a16:creationId xmlns:a16="http://schemas.microsoft.com/office/drawing/2014/main" id="{AFA5CBC4-6D03-4BE0-A8D9-CE845C6C42D3}"/>
+                <a16:creationId xmlns:a16="http://schemas.microsoft.com/office/drawing/2014/main" xmlns="" id="{AFA5CBC4-6D03-4BE0-A8D9-CE845C6C42D3}"/>
               </a:ext>
             </a:extLst>
           </p:cNvPr>
@@ -9150,7 +9150,7 @@
           <p:cNvPr id="47" name="Gerade Verbindung mit Pfeil 46">
             <a:extLst>
               <a:ext uri="{FF2B5EF4-FFF2-40B4-BE49-F238E27FC236}">
-                <a16:creationId xmlns:a16="http://schemas.microsoft.com/office/drawing/2014/main" id="{7ACB201A-8BCA-4BE9-A20E-B6FA2467C4DB}"/>
+                <a16:creationId xmlns:a16="http://schemas.microsoft.com/office/drawing/2014/main" xmlns="" id="{7ACB201A-8BCA-4BE9-A20E-B6FA2467C4DB}"/>
               </a:ext>
             </a:extLst>
           </p:cNvPr>
@@ -9188,7 +9188,7 @@
           <p:cNvPr id="48" name="Gerade Verbindung mit Pfeil 47">
             <a:extLst>
               <a:ext uri="{FF2B5EF4-FFF2-40B4-BE49-F238E27FC236}">
-                <a16:creationId xmlns:a16="http://schemas.microsoft.com/office/drawing/2014/main" id="{B66439A2-1DD6-48E1-8FA3-D49AFB788C86}"/>
+                <a16:creationId xmlns:a16="http://schemas.microsoft.com/office/drawing/2014/main" xmlns="" id="{B66439A2-1DD6-48E1-8FA3-D49AFB788C86}"/>
               </a:ext>
             </a:extLst>
           </p:cNvPr>
@@ -9226,7 +9226,7 @@
           <p:cNvPr id="49" name="Gerade Verbindung mit Pfeil 48">
             <a:extLst>
               <a:ext uri="{FF2B5EF4-FFF2-40B4-BE49-F238E27FC236}">
-                <a16:creationId xmlns:a16="http://schemas.microsoft.com/office/drawing/2014/main" id="{9FE3CF39-AA90-4D97-B41C-BF45D930FF24}"/>
+                <a16:creationId xmlns:a16="http://schemas.microsoft.com/office/drawing/2014/main" xmlns="" id="{9FE3CF39-AA90-4D97-B41C-BF45D930FF24}"/>
               </a:ext>
             </a:extLst>
           </p:cNvPr>
@@ -9264,7 +9264,7 @@
           <p:cNvPr id="50" name="Gerade Verbindung mit Pfeil 49">
             <a:extLst>
               <a:ext uri="{FF2B5EF4-FFF2-40B4-BE49-F238E27FC236}">
-                <a16:creationId xmlns:a16="http://schemas.microsoft.com/office/drawing/2014/main" id="{0AC1D7CA-B603-42BB-AC32-114FA90F78C0}"/>
+                <a16:creationId xmlns:a16="http://schemas.microsoft.com/office/drawing/2014/main" xmlns="" id="{0AC1D7CA-B603-42BB-AC32-114FA90F78C0}"/>
               </a:ext>
             </a:extLst>
           </p:cNvPr>
@@ -9302,7 +9302,7 @@
           <p:cNvPr id="8" name="Textfeld 7">
             <a:extLst>
               <a:ext uri="{FF2B5EF4-FFF2-40B4-BE49-F238E27FC236}">
-                <a16:creationId xmlns:a16="http://schemas.microsoft.com/office/drawing/2014/main" id="{2D5CCBC8-7186-4991-A2E3-B3855AC54E87}"/>
+                <a16:creationId xmlns:a16="http://schemas.microsoft.com/office/drawing/2014/main" xmlns="" id="{2D5CCBC8-7186-4991-A2E3-B3855AC54E87}"/>
               </a:ext>
             </a:extLst>
           </p:cNvPr>
@@ -9351,7 +9351,7 @@
           <p:cNvPr id="51" name="Textfeld 50">
             <a:extLst>
               <a:ext uri="{FF2B5EF4-FFF2-40B4-BE49-F238E27FC236}">
-                <a16:creationId xmlns:a16="http://schemas.microsoft.com/office/drawing/2014/main" id="{2BB91139-9A4C-4F55-A8DD-0DFBCAF09794}"/>
+                <a16:creationId xmlns:a16="http://schemas.microsoft.com/office/drawing/2014/main" xmlns="" id="{2BB91139-9A4C-4F55-A8DD-0DFBCAF09794}"/>
               </a:ext>
             </a:extLst>
           </p:cNvPr>
@@ -9389,7 +9389,7 @@
           <p:cNvPr id="9" name="Textfeld 8">
             <a:extLst>
               <a:ext uri="{FF2B5EF4-FFF2-40B4-BE49-F238E27FC236}">
-                <a16:creationId xmlns:a16="http://schemas.microsoft.com/office/drawing/2014/main" id="{C76F4517-B819-4DDE-96DA-A06BE46E7C9B}"/>
+                <a16:creationId xmlns:a16="http://schemas.microsoft.com/office/drawing/2014/main" xmlns="" id="{C76F4517-B819-4DDE-96DA-A06BE46E7C9B}"/>
               </a:ext>
             </a:extLst>
           </p:cNvPr>
@@ -10919,7 +10919,7 @@
           <p:cNvPr id="3" name="Titel 2">
             <a:extLst>
               <a:ext uri="{FF2B5EF4-FFF2-40B4-BE49-F238E27FC236}">
-                <a16:creationId xmlns:a16="http://schemas.microsoft.com/office/drawing/2014/main" id="{63C7D172-FC92-434E-B470-FAA094A59867}"/>
+                <a16:creationId xmlns:a16="http://schemas.microsoft.com/office/drawing/2014/main" xmlns="" id="{63C7D172-FC92-434E-B470-FAA094A59867}"/>
               </a:ext>
             </a:extLst>
           </p:cNvPr>
@@ -10961,7 +10961,7 @@
           <p:cNvPr id="39" name="Rechteck: eine Ecke abgeschnitten 38">
             <a:extLst>
               <a:ext uri="{FF2B5EF4-FFF2-40B4-BE49-F238E27FC236}">
-                <a16:creationId xmlns:a16="http://schemas.microsoft.com/office/drawing/2014/main" id="{35A1CA5D-A98E-4E51-8F6A-21040C3F3A89}"/>
+                <a16:creationId xmlns:a16="http://schemas.microsoft.com/office/drawing/2014/main" xmlns="" id="{35A1CA5D-A98E-4E51-8F6A-21040C3F3A89}"/>
               </a:ext>
             </a:extLst>
           </p:cNvPr>
@@ -11007,7 +11007,7 @@
           <p:cNvPr id="41" name="Rechteck 40">
             <a:extLst>
               <a:ext uri="{FF2B5EF4-FFF2-40B4-BE49-F238E27FC236}">
-                <a16:creationId xmlns:a16="http://schemas.microsoft.com/office/drawing/2014/main" id="{683F4D17-097B-4D4B-9CE9-EA31A03EB1B9}"/>
+                <a16:creationId xmlns:a16="http://schemas.microsoft.com/office/drawing/2014/main" xmlns="" id="{683F4D17-097B-4D4B-9CE9-EA31A03EB1B9}"/>
               </a:ext>
             </a:extLst>
           </p:cNvPr>
@@ -11053,7 +11053,7 @@
           <p:cNvPr id="43" name="Grafik 4" descr="tierpark-OG-1200x630.jpg">
             <a:extLst>
               <a:ext uri="{FF2B5EF4-FFF2-40B4-BE49-F238E27FC236}">
-                <a16:creationId xmlns:a16="http://schemas.microsoft.com/office/drawing/2014/main" id="{2987B278-887D-48DA-B85D-5A65B257CB03}"/>
+                <a16:creationId xmlns:a16="http://schemas.microsoft.com/office/drawing/2014/main" xmlns="" id="{2987B278-887D-48DA-B85D-5A65B257CB03}"/>
               </a:ext>
             </a:extLst>
           </p:cNvPr>
@@ -11083,7 +11083,7 @@
           <p:cNvPr id="44" name="Gerade Verbindung mit Pfeil 43">
             <a:extLst>
               <a:ext uri="{FF2B5EF4-FFF2-40B4-BE49-F238E27FC236}">
-                <a16:creationId xmlns:a16="http://schemas.microsoft.com/office/drawing/2014/main" id="{D2CA3D24-4045-4BFC-A038-0B0E43F8FAE9}"/>
+                <a16:creationId xmlns:a16="http://schemas.microsoft.com/office/drawing/2014/main" xmlns="" id="{D2CA3D24-4045-4BFC-A038-0B0E43F8FAE9}"/>
               </a:ext>
             </a:extLst>
           </p:cNvPr>
@@ -11126,7 +11126,7 @@
           <p:cNvPr id="45" name="Grafik 5" descr="campuscard_transparent.png">
             <a:extLst>
               <a:ext uri="{FF2B5EF4-FFF2-40B4-BE49-F238E27FC236}">
-                <a16:creationId xmlns:a16="http://schemas.microsoft.com/office/drawing/2014/main" id="{9BA6D212-75FE-4AA6-9E00-3F88CEA41FF3}"/>
+                <a16:creationId xmlns:a16="http://schemas.microsoft.com/office/drawing/2014/main" xmlns="" id="{9BA6D212-75FE-4AA6-9E00-3F88CEA41FF3}"/>
               </a:ext>
             </a:extLst>
           </p:cNvPr>
@@ -11156,7 +11156,7 @@
           <p:cNvPr id="46" name="Smiley 45">
             <a:extLst>
               <a:ext uri="{FF2B5EF4-FFF2-40B4-BE49-F238E27FC236}">
-                <a16:creationId xmlns:a16="http://schemas.microsoft.com/office/drawing/2014/main" id="{AFA5CBC4-6D03-4BE0-A8D9-CE845C6C42D3}"/>
+                <a16:creationId xmlns:a16="http://schemas.microsoft.com/office/drawing/2014/main" xmlns="" id="{AFA5CBC4-6D03-4BE0-A8D9-CE845C6C42D3}"/>
               </a:ext>
             </a:extLst>
           </p:cNvPr>
@@ -11201,7 +11201,7 @@
           <p:cNvPr id="47" name="Gerade Verbindung mit Pfeil 46">
             <a:extLst>
               <a:ext uri="{FF2B5EF4-FFF2-40B4-BE49-F238E27FC236}">
-                <a16:creationId xmlns:a16="http://schemas.microsoft.com/office/drawing/2014/main" id="{7ACB201A-8BCA-4BE9-A20E-B6FA2467C4DB}"/>
+                <a16:creationId xmlns:a16="http://schemas.microsoft.com/office/drawing/2014/main" xmlns="" id="{7ACB201A-8BCA-4BE9-A20E-B6FA2467C4DB}"/>
               </a:ext>
             </a:extLst>
           </p:cNvPr>
@@ -11239,7 +11239,7 @@
           <p:cNvPr id="48" name="Gerade Verbindung mit Pfeil 47">
             <a:extLst>
               <a:ext uri="{FF2B5EF4-FFF2-40B4-BE49-F238E27FC236}">
-                <a16:creationId xmlns:a16="http://schemas.microsoft.com/office/drawing/2014/main" id="{B66439A2-1DD6-48E1-8FA3-D49AFB788C86}"/>
+                <a16:creationId xmlns:a16="http://schemas.microsoft.com/office/drawing/2014/main" xmlns="" id="{B66439A2-1DD6-48E1-8FA3-D49AFB788C86}"/>
               </a:ext>
             </a:extLst>
           </p:cNvPr>
@@ -11277,7 +11277,7 @@
           <p:cNvPr id="49" name="Gerade Verbindung mit Pfeil 48">
             <a:extLst>
               <a:ext uri="{FF2B5EF4-FFF2-40B4-BE49-F238E27FC236}">
-                <a16:creationId xmlns:a16="http://schemas.microsoft.com/office/drawing/2014/main" id="{9FE3CF39-AA90-4D97-B41C-BF45D930FF24}"/>
+                <a16:creationId xmlns:a16="http://schemas.microsoft.com/office/drawing/2014/main" xmlns="" id="{9FE3CF39-AA90-4D97-B41C-BF45D930FF24}"/>
               </a:ext>
             </a:extLst>
           </p:cNvPr>
@@ -11315,7 +11315,7 @@
           <p:cNvPr id="50" name="Gerade Verbindung mit Pfeil 49">
             <a:extLst>
               <a:ext uri="{FF2B5EF4-FFF2-40B4-BE49-F238E27FC236}">
-                <a16:creationId xmlns:a16="http://schemas.microsoft.com/office/drawing/2014/main" id="{0AC1D7CA-B603-42BB-AC32-114FA90F78C0}"/>
+                <a16:creationId xmlns:a16="http://schemas.microsoft.com/office/drawing/2014/main" xmlns="" id="{0AC1D7CA-B603-42BB-AC32-114FA90F78C0}"/>
               </a:ext>
             </a:extLst>
           </p:cNvPr>
@@ -11353,7 +11353,7 @@
           <p:cNvPr id="2" name="Grafik 5" descr="campuscard_transparent.png">
             <a:extLst>
               <a:ext uri="{FF2B5EF4-FFF2-40B4-BE49-F238E27FC236}">
-                <a16:creationId xmlns:a16="http://schemas.microsoft.com/office/drawing/2014/main" id="{2CFA70B4-5409-46FD-A93B-873B900B61CE}"/>
+                <a16:creationId xmlns:a16="http://schemas.microsoft.com/office/drawing/2014/main" xmlns="" id="{2CFA70B4-5409-46FD-A93B-873B900B61CE}"/>
               </a:ext>
             </a:extLst>
           </p:cNvPr>
@@ -11383,7 +11383,7 @@
           <p:cNvPr id="5" name="Textfeld 4">
             <a:extLst>
               <a:ext uri="{FF2B5EF4-FFF2-40B4-BE49-F238E27FC236}">
-                <a16:creationId xmlns:a16="http://schemas.microsoft.com/office/drawing/2014/main" id="{2C1B0166-9D52-4627-AC35-9FDE948ED390}"/>
+                <a16:creationId xmlns:a16="http://schemas.microsoft.com/office/drawing/2014/main" xmlns="" id="{2C1B0166-9D52-4627-AC35-9FDE948ED390}"/>
               </a:ext>
             </a:extLst>
           </p:cNvPr>
@@ -11421,7 +11421,7 @@
           <p:cNvPr id="6" name="Pfeil: nach rechts 5">
             <a:extLst>
               <a:ext uri="{FF2B5EF4-FFF2-40B4-BE49-F238E27FC236}">
-                <a16:creationId xmlns:a16="http://schemas.microsoft.com/office/drawing/2014/main" id="{68EDDD2D-2FD4-454C-9636-756ED50585E5}"/>
+                <a16:creationId xmlns:a16="http://schemas.microsoft.com/office/drawing/2014/main" xmlns="" id="{68EDDD2D-2FD4-454C-9636-756ED50585E5}"/>
               </a:ext>
             </a:extLst>
           </p:cNvPr>
@@ -11467,7 +11467,7 @@
           <p:cNvPr id="60" name="Rechteck: eine Ecke abgeschnitten 59">
             <a:extLst>
               <a:ext uri="{FF2B5EF4-FFF2-40B4-BE49-F238E27FC236}">
-                <a16:creationId xmlns:a16="http://schemas.microsoft.com/office/drawing/2014/main" id="{E4803B89-5138-4A4A-8BF7-67D8D6B7BBAC}"/>
+                <a16:creationId xmlns:a16="http://schemas.microsoft.com/office/drawing/2014/main" xmlns="" id="{E4803B89-5138-4A4A-8BF7-67D8D6B7BBAC}"/>
               </a:ext>
             </a:extLst>
           </p:cNvPr>
@@ -11513,7 +11513,7 @@
           <p:cNvPr id="61" name="Rechteck 60">
             <a:extLst>
               <a:ext uri="{FF2B5EF4-FFF2-40B4-BE49-F238E27FC236}">
-                <a16:creationId xmlns:a16="http://schemas.microsoft.com/office/drawing/2014/main" id="{517A8F7F-22E0-414A-A07D-465CA09DDC81}"/>
+                <a16:creationId xmlns:a16="http://schemas.microsoft.com/office/drawing/2014/main" xmlns="" id="{517A8F7F-22E0-414A-A07D-465CA09DDC81}"/>
               </a:ext>
             </a:extLst>
           </p:cNvPr>
@@ -11559,7 +11559,7 @@
           <p:cNvPr id="62" name="Grafik 4" descr="tierpark-OG-1200x630.jpg">
             <a:extLst>
               <a:ext uri="{FF2B5EF4-FFF2-40B4-BE49-F238E27FC236}">
-                <a16:creationId xmlns:a16="http://schemas.microsoft.com/office/drawing/2014/main" id="{A08FCA8F-E3C4-424C-9B7A-7D4F837E48E7}"/>
+                <a16:creationId xmlns:a16="http://schemas.microsoft.com/office/drawing/2014/main" xmlns="" id="{A08FCA8F-E3C4-424C-9B7A-7D4F837E48E7}"/>
               </a:ext>
             </a:extLst>
           </p:cNvPr>
@@ -11589,7 +11589,7 @@
           <p:cNvPr id="63" name="Gerade Verbindung mit Pfeil 62">
             <a:extLst>
               <a:ext uri="{FF2B5EF4-FFF2-40B4-BE49-F238E27FC236}">
-                <a16:creationId xmlns:a16="http://schemas.microsoft.com/office/drawing/2014/main" id="{86A6C3C2-BDB7-4B3C-B649-85B83C133503}"/>
+                <a16:creationId xmlns:a16="http://schemas.microsoft.com/office/drawing/2014/main" xmlns="" id="{86A6C3C2-BDB7-4B3C-B649-85B83C133503}"/>
               </a:ext>
             </a:extLst>
           </p:cNvPr>
@@ -11632,7 +11632,7 @@
           <p:cNvPr id="64" name="Grafik 5" descr="campuscard_transparent.png">
             <a:extLst>
               <a:ext uri="{FF2B5EF4-FFF2-40B4-BE49-F238E27FC236}">
-                <a16:creationId xmlns:a16="http://schemas.microsoft.com/office/drawing/2014/main" id="{E99DD33B-52DE-4779-BE61-0CAD5A07DE42}"/>
+                <a16:creationId xmlns:a16="http://schemas.microsoft.com/office/drawing/2014/main" xmlns="" id="{E99DD33B-52DE-4779-BE61-0CAD5A07DE42}"/>
               </a:ext>
             </a:extLst>
           </p:cNvPr>
@@ -11662,7 +11662,7 @@
           <p:cNvPr id="65" name="Smiley 64">
             <a:extLst>
               <a:ext uri="{FF2B5EF4-FFF2-40B4-BE49-F238E27FC236}">
-                <a16:creationId xmlns:a16="http://schemas.microsoft.com/office/drawing/2014/main" id="{7C522E88-59D0-4341-961B-C49990B4189F}"/>
+                <a16:creationId xmlns:a16="http://schemas.microsoft.com/office/drawing/2014/main" xmlns="" id="{7C522E88-59D0-4341-961B-C49990B4189F}"/>
               </a:ext>
             </a:extLst>
           </p:cNvPr>
@@ -11707,7 +11707,7 @@
           <p:cNvPr id="66" name="Gerade Verbindung mit Pfeil 65">
             <a:extLst>
               <a:ext uri="{FF2B5EF4-FFF2-40B4-BE49-F238E27FC236}">
-                <a16:creationId xmlns:a16="http://schemas.microsoft.com/office/drawing/2014/main" id="{405A4D64-691B-41F0-9794-EBA74AE6E0FC}"/>
+                <a16:creationId xmlns:a16="http://schemas.microsoft.com/office/drawing/2014/main" xmlns="" id="{405A4D64-691B-41F0-9794-EBA74AE6E0FC}"/>
               </a:ext>
             </a:extLst>
           </p:cNvPr>
@@ -11745,7 +11745,7 @@
           <p:cNvPr id="67" name="Gerade Verbindung mit Pfeil 66">
             <a:extLst>
               <a:ext uri="{FF2B5EF4-FFF2-40B4-BE49-F238E27FC236}">
-                <a16:creationId xmlns:a16="http://schemas.microsoft.com/office/drawing/2014/main" id="{5325ED61-BD91-4CBD-A9A2-7BD9071813BE}"/>
+                <a16:creationId xmlns:a16="http://schemas.microsoft.com/office/drawing/2014/main" xmlns="" id="{5325ED61-BD91-4CBD-A9A2-7BD9071813BE}"/>
               </a:ext>
             </a:extLst>
           </p:cNvPr>
@@ -11783,7 +11783,7 @@
           <p:cNvPr id="68" name="Gerade Verbindung mit Pfeil 67">
             <a:extLst>
               <a:ext uri="{FF2B5EF4-FFF2-40B4-BE49-F238E27FC236}">
-                <a16:creationId xmlns:a16="http://schemas.microsoft.com/office/drawing/2014/main" id="{B0AAAECA-1437-4F3A-B389-FB50C68CD22A}"/>
+                <a16:creationId xmlns:a16="http://schemas.microsoft.com/office/drawing/2014/main" xmlns="" id="{B0AAAECA-1437-4F3A-B389-FB50C68CD22A}"/>
               </a:ext>
             </a:extLst>
           </p:cNvPr>
@@ -11821,7 +11821,7 @@
           <p:cNvPr id="69" name="Gerade Verbindung mit Pfeil 68">
             <a:extLst>
               <a:ext uri="{FF2B5EF4-FFF2-40B4-BE49-F238E27FC236}">
-                <a16:creationId xmlns:a16="http://schemas.microsoft.com/office/drawing/2014/main" id="{6A008AF9-137D-4F45-A5E9-872457677029}"/>
+                <a16:creationId xmlns:a16="http://schemas.microsoft.com/office/drawing/2014/main" xmlns="" id="{6A008AF9-137D-4F45-A5E9-872457677029}"/>
               </a:ext>
             </a:extLst>
           </p:cNvPr>
@@ -11859,7 +11859,7 @@
           <p:cNvPr id="71" name="Textfeld 70">
             <a:extLst>
               <a:ext uri="{FF2B5EF4-FFF2-40B4-BE49-F238E27FC236}">
-                <a16:creationId xmlns:a16="http://schemas.microsoft.com/office/drawing/2014/main" id="{5A0DA4AC-566B-446C-B491-FECB51B30F5C}"/>
+                <a16:creationId xmlns:a16="http://schemas.microsoft.com/office/drawing/2014/main" xmlns="" id="{5A0DA4AC-566B-446C-B491-FECB51B30F5C}"/>
               </a:ext>
             </a:extLst>
           </p:cNvPr>
@@ -11909,7 +11909,7 @@
           <p:cNvPr id="72" name="Pfeil: nach rechts 71">
             <a:extLst>
               <a:ext uri="{FF2B5EF4-FFF2-40B4-BE49-F238E27FC236}">
-                <a16:creationId xmlns:a16="http://schemas.microsoft.com/office/drawing/2014/main" id="{2B33269B-477A-4438-A8C6-59488524CCA9}"/>
+                <a16:creationId xmlns:a16="http://schemas.microsoft.com/office/drawing/2014/main" xmlns="" id="{2B33269B-477A-4438-A8C6-59488524CCA9}"/>
               </a:ext>
             </a:extLst>
           </p:cNvPr>
@@ -11955,7 +11955,7 @@
           <p:cNvPr id="73" name="Smiley 72">
             <a:extLst>
               <a:ext uri="{FF2B5EF4-FFF2-40B4-BE49-F238E27FC236}">
-                <a16:creationId xmlns:a16="http://schemas.microsoft.com/office/drawing/2014/main" id="{1EDC022F-091C-4C55-9E36-559CF0EFDAC6}"/>
+                <a16:creationId xmlns:a16="http://schemas.microsoft.com/office/drawing/2014/main" xmlns="" id="{1EDC022F-091C-4C55-9E36-559CF0EFDAC6}"/>
               </a:ext>
             </a:extLst>
           </p:cNvPr>
@@ -12000,7 +12000,7 @@
           <p:cNvPr id="74" name="Gerade Verbindung mit Pfeil 73">
             <a:extLst>
               <a:ext uri="{FF2B5EF4-FFF2-40B4-BE49-F238E27FC236}">
-                <a16:creationId xmlns:a16="http://schemas.microsoft.com/office/drawing/2014/main" id="{C0575A62-EDE5-4FD7-8C4E-7A0BF3F6CB5D}"/>
+                <a16:creationId xmlns:a16="http://schemas.microsoft.com/office/drawing/2014/main" xmlns="" id="{C0575A62-EDE5-4FD7-8C4E-7A0BF3F6CB5D}"/>
               </a:ext>
             </a:extLst>
           </p:cNvPr>
@@ -12038,7 +12038,7 @@
           <p:cNvPr id="75" name="Gerade Verbindung mit Pfeil 74">
             <a:extLst>
               <a:ext uri="{FF2B5EF4-FFF2-40B4-BE49-F238E27FC236}">
-                <a16:creationId xmlns:a16="http://schemas.microsoft.com/office/drawing/2014/main" id="{5BEC47D8-4806-4B0E-9DB5-67930846B1BA}"/>
+                <a16:creationId xmlns:a16="http://schemas.microsoft.com/office/drawing/2014/main" xmlns="" id="{5BEC47D8-4806-4B0E-9DB5-67930846B1BA}"/>
               </a:ext>
             </a:extLst>
           </p:cNvPr>
@@ -12076,7 +12076,7 @@
           <p:cNvPr id="76" name="Gerade Verbindung mit Pfeil 75">
             <a:extLst>
               <a:ext uri="{FF2B5EF4-FFF2-40B4-BE49-F238E27FC236}">
-                <a16:creationId xmlns:a16="http://schemas.microsoft.com/office/drawing/2014/main" id="{EC78D543-1CEA-4DB2-B084-5052014A90C9}"/>
+                <a16:creationId xmlns:a16="http://schemas.microsoft.com/office/drawing/2014/main" xmlns="" id="{EC78D543-1CEA-4DB2-B084-5052014A90C9}"/>
               </a:ext>
             </a:extLst>
           </p:cNvPr>
@@ -12114,7 +12114,7 @@
           <p:cNvPr id="77" name="Gerade Verbindung mit Pfeil 76">
             <a:extLst>
               <a:ext uri="{FF2B5EF4-FFF2-40B4-BE49-F238E27FC236}">
-                <a16:creationId xmlns:a16="http://schemas.microsoft.com/office/drawing/2014/main" id="{550F6B19-EDCA-4793-9459-D527FEA411F5}"/>
+                <a16:creationId xmlns:a16="http://schemas.microsoft.com/office/drawing/2014/main" xmlns="" id="{550F6B19-EDCA-4793-9459-D527FEA411F5}"/>
               </a:ext>
             </a:extLst>
           </p:cNvPr>
@@ -12950,7 +12950,7 @@
 </file>
 
 <file path=ppt/slides/slide9.xml><?xml version="1.0" encoding="utf-8"?>
-<p:sld xmlns:a="http://schemas.openxmlformats.org/drawingml/2006/main" xmlns:r="http://schemas.openxmlformats.org/officeDocument/2006/relationships" xmlns:p="http://schemas.openxmlformats.org/presentationml/2006/main">
+<p:sld xmlns:a="http://schemas.openxmlformats.org/drawingml/2006/main" xmlns:r="http://schemas.openxmlformats.org/officeDocument/2006/relationships" xmlns:p="http://schemas.openxmlformats.org/presentationml/2006/main" show="0">
   <p:cSld>
     <p:bg>
       <p:bgPr>
@@ -12979,7 +12979,7 @@
           <p:cNvPr id="6" name="Grafik 6" descr="pfau.jpg">
             <a:extLst>
               <a:ext uri="{FF2B5EF4-FFF2-40B4-BE49-F238E27FC236}">
-                <a16:creationId xmlns:a16="http://schemas.microsoft.com/office/drawing/2014/main" id="{B43D1FDD-7217-4A8A-AA29-B86EB54E976A}"/>
+                <a16:creationId xmlns:a16="http://schemas.microsoft.com/office/drawing/2014/main" xmlns="" id="{B43D1FDD-7217-4A8A-AA29-B86EB54E976A}"/>
               </a:ext>
             </a:extLst>
           </p:cNvPr>
@@ -13010,7 +13010,7 @@
           <p:cNvPr id="12" name="Rectangle 12">
             <a:extLst>
               <a:ext uri="{FF2B5EF4-FFF2-40B4-BE49-F238E27FC236}">
-                <a16:creationId xmlns:a16="http://schemas.microsoft.com/office/drawing/2014/main" id="{6F772A9A-A923-4EE2-95F3-8BB66C13D1D2}"/>
+                <a16:creationId xmlns:a16="http://schemas.microsoft.com/office/drawing/2014/main" xmlns="" id="{6F772A9A-A923-4EE2-95F3-8BB66C13D1D2}"/>
               </a:ext>
             </a:extLst>
           </p:cNvPr>
@@ -13161,7 +13161,7 @@
           <p:cNvPr id="3" name="Titel 2">
             <a:extLst>
               <a:ext uri="{FF2B5EF4-FFF2-40B4-BE49-F238E27FC236}">
-                <a16:creationId xmlns:a16="http://schemas.microsoft.com/office/drawing/2014/main" id="{26599F58-DBAF-456B-AF48-4E620E7B0F92}"/>
+                <a16:creationId xmlns:a16="http://schemas.microsoft.com/office/drawing/2014/main" xmlns="" id="{26599F58-DBAF-456B-AF48-4E620E7B0F92}"/>
               </a:ext>
             </a:extLst>
           </p:cNvPr>
@@ -13201,7 +13201,7 @@
           <p:cNvPr id="9" name="Textfeld 8">
             <a:extLst>
               <a:ext uri="{FF2B5EF4-FFF2-40B4-BE49-F238E27FC236}">
-                <a16:creationId xmlns:a16="http://schemas.microsoft.com/office/drawing/2014/main" id="{029E4C71-1868-40E6-B2C6-2F2E4E9AFB25}"/>
+                <a16:creationId xmlns:a16="http://schemas.microsoft.com/office/drawing/2014/main" xmlns="" id="{029E4C71-1868-40E6-B2C6-2F2E4E9AFB25}"/>
               </a:ext>
             </a:extLst>
           </p:cNvPr>
@@ -13248,13 +13248,13 @@
   <p:clrMapOvr>
     <a:masterClrMapping/>
   </p:clrMapOvr>
-  <mc:AlternateContent xmlns:mc="http://schemas.openxmlformats.org/markup-compatibility/2006" xmlns:p14="http://schemas.microsoft.com/office/powerpoint/2010/main">
-    <mc:Choice Requires="p14">
+  <mc:AlternateContent xmlns:mc="http://schemas.openxmlformats.org/markup-compatibility/2006">
+    <mc:Choice xmlns:p14="http://schemas.microsoft.com/office/powerpoint/2010/main" Requires="p14">
       <p:transition spd="med" p14:dur="700">
         <p:fade/>
       </p:transition>
     </mc:Choice>
-    <mc:Fallback xmlns="">
+    <mc:Fallback>
       <p:transition spd="med">
         <p:fade/>
       </p:transition>
@@ -13518,7 +13518,7 @@
   <a:extraClrSchemeLst/>
   <a:extLst>
     <a:ext uri="{05A4C25C-085E-4340-85A3-A5531E510DB2}">
-      <thm15:themeFamily xmlns:thm15="http://schemas.microsoft.com/office/thememl/2012/main" name="Office Theme" id="{62F939B6-93AF-4DB8-9C6B-D6C7DFDC589F}" vid="{4A3C46E8-61CC-4603-A589-7422A47A8E4A}"/>
+      <thm15:themeFamily xmlns:thm15="http://schemas.microsoft.com/office/thememl/2012/main" xmlns="" name="Office Theme" id="{62F939B6-93AF-4DB8-9C6B-D6C7DFDC589F}" vid="{4A3C46E8-61CC-4603-A589-7422A47A8E4A}"/>
     </a:ext>
   </a:extLst>
 </a:theme>
@@ -13813,7 +13813,7 @@
   <a:extraClrSchemeLst/>
   <a:extLst>
     <a:ext uri="{05A4C25C-085E-4340-85A3-A5531E510DB2}">
-      <thm15:themeFamily xmlns:thm15="http://schemas.microsoft.com/office/thememl/2012/main" name="Office Theme" id="{62F939B6-93AF-4DB8-9C6B-D6C7DFDC589F}" vid="{4A3C46E8-61CC-4603-A589-7422A47A8E4A}"/>
+      <thm15:themeFamily xmlns:thm15="http://schemas.microsoft.com/office/thememl/2012/main" xmlns="" name="Office Theme" id="{62F939B6-93AF-4DB8-9C6B-D6C7DFDC589F}" vid="{4A3C46E8-61CC-4603-A589-7422A47A8E4A}"/>
     </a:ext>
   </a:extLst>
 </a:theme>
